--- a/FGCS-2019/wasInfluencedBy-example.pptx
+++ b/FGCS-2019/wasInfluencedBy-example.pptx
@@ -4660,9 +4660,9 @@
         </p:nvGrpSpPr>
         <p:grpSpPr>
           <a:xfrm>
-            <a:off x="4997906" y="48611"/>
+            <a:off x="4997906" y="68489"/>
             <a:ext cx="363601" cy="394531"/>
-            <a:chOff x="2658477" y="4455131"/>
+            <a:chOff x="2658477" y="4475009"/>
             <a:chExt cx="363601" cy="394531"/>
           </a:xfrm>
           <a:solidFill>
@@ -4683,7 +4683,7 @@
           </p:nvSpPr>
           <p:spPr>
             <a:xfrm>
-              <a:off x="2658477" y="4455131"/>
+              <a:off x="2658477" y="4475009"/>
               <a:ext cx="363601" cy="394531"/>
             </a:xfrm>
             <a:prstGeom prst="rect">
@@ -4994,8 +4994,8 @@
         </p:nvCxnSpPr>
         <p:spPr>
           <a:xfrm flipH="1">
-            <a:off x="4528161" y="245877"/>
-            <a:ext cx="469745" cy="23718"/>
+            <a:off x="4528161" y="265755"/>
+            <a:ext cx="469745" cy="3840"/>
           </a:xfrm>
           <a:prstGeom prst="straightConnector1">
             <a:avLst/>
@@ -5202,8 +5202,8 @@
         </p:nvCxnSpPr>
         <p:spPr>
           <a:xfrm flipH="1">
-            <a:off x="4504048" y="245877"/>
-            <a:ext cx="493858" cy="907169"/>
+            <a:off x="4504048" y="265755"/>
+            <a:ext cx="493858" cy="887291"/>
           </a:xfrm>
           <a:prstGeom prst="straightConnector1">
             <a:avLst/>
@@ -5438,7 +5438,7 @@
         </p:nvSpPr>
         <p:spPr>
           <a:xfrm>
-            <a:off x="3126019" y="1902566"/>
+            <a:off x="2219517" y="1461741"/>
             <a:ext cx="744819" cy="276999"/>
           </a:xfrm>
           <a:prstGeom prst="rect">
@@ -6029,7 +6029,7 @@
         <p:spPr>
           <a:xfrm flipH="1">
             <a:off x="6055201" y="2184502"/>
-            <a:ext cx="934319" cy="14946"/>
+            <a:ext cx="944258" cy="14946"/>
           </a:xfrm>
           <a:prstGeom prst="straightConnector1">
             <a:avLst/>
@@ -6245,7 +6245,7 @@
         <p:spPr>
           <a:xfrm flipH="1">
             <a:off x="6971731" y="2413203"/>
-            <a:ext cx="256349" cy="659467"/>
+            <a:ext cx="246410" cy="659467"/>
           </a:xfrm>
           <a:prstGeom prst="straightConnector1">
             <a:avLst/>
@@ -7483,9 +7483,9 @@
         </p:nvGrpSpPr>
         <p:grpSpPr>
           <a:xfrm>
-            <a:off x="6989520" y="2018672"/>
+            <a:off x="6999459" y="2018672"/>
             <a:ext cx="435825" cy="394531"/>
-            <a:chOff x="6662148" y="3970253"/>
+            <a:chOff x="6672087" y="3970253"/>
             <a:chExt cx="435825" cy="394531"/>
           </a:xfrm>
         </p:grpSpPr>
@@ -7503,7 +7503,7 @@
           </p:nvSpPr>
           <p:spPr>
             <a:xfrm>
-              <a:off x="6703442" y="3970253"/>
+              <a:off x="6693503" y="3970253"/>
               <a:ext cx="394531" cy="394531"/>
             </a:xfrm>
             <a:prstGeom prst="ellipse">
@@ -7565,7 +7565,7 @@
           </p:nvSpPr>
           <p:spPr>
             <a:xfrm>
-              <a:off x="6662148" y="3997583"/>
+              <a:off x="6672087" y="3997583"/>
               <a:ext cx="435825" cy="276999"/>
             </a:xfrm>
             <a:prstGeom prst="rect">
@@ -7601,6 +7601,66 @@
           </p:txBody>
         </p:sp>
       </p:grpSp>
+      <p:sp>
+        <p:nvSpPr>
+          <p:cNvPr id="81" name="Oval 80">
+            <a:extLst>
+              <a:ext uri="{FF2B5EF4-FFF2-40B4-BE49-F238E27FC236}">
+                <a16:creationId xmlns:a16="http://schemas.microsoft.com/office/drawing/2014/main" id="{FE42A72C-73EA-2D41-A173-F01D8A59541A}"/>
+              </a:ext>
+            </a:extLst>
+          </p:cNvPr>
+          <p:cNvSpPr/>
+          <p:nvPr/>
+        </p:nvSpPr>
+        <p:spPr>
+          <a:xfrm>
+            <a:off x="4115561" y="947286"/>
+            <a:ext cx="394531" cy="394531"/>
+          </a:xfrm>
+          <a:prstGeom prst="ellipse">
+            <a:avLst/>
+          </a:prstGeom>
+          <a:noFill/>
+          <a:ln w="25400">
+            <a:solidFill>
+              <a:schemeClr val="tx1"/>
+            </a:solidFill>
+          </a:ln>
+        </p:spPr>
+        <p:style>
+          <a:lnRef idx="2">
+            <a:schemeClr val="accent1">
+              <a:shade val="50000"/>
+            </a:schemeClr>
+          </a:lnRef>
+          <a:fillRef idx="1">
+            <a:schemeClr val="accent1"/>
+          </a:fillRef>
+          <a:effectRef idx="0">
+            <a:schemeClr val="accent1"/>
+          </a:effectRef>
+          <a:fontRef idx="minor">
+            <a:schemeClr val="lt1"/>
+          </a:fontRef>
+        </p:style>
+        <p:txBody>
+          <a:bodyPr rot="0" spcFirstLastPara="0" vertOverflow="overflow" horzOverflow="overflow" vert="horz" wrap="square" lIns="56757" tIns="28378" rIns="56757" bIns="28378" numCol="1" spcCol="0" rtlCol="0" fromWordArt="0" anchor="ctr" anchorCtr="0" forceAA="0" compatLnSpc="1">
+            <a:prstTxWarp prst="textNoShape">
+              <a:avLst/>
+            </a:prstTxWarp>
+            <a:noAutofit/>
+          </a:bodyPr>
+          <a:lstStyle/>
+          <a:p>
+            <a:pPr algn="ctr"/>
+            <a:endParaRPr lang="en-US" sz="1200">
+              <a:latin typeface="+mj-lt"/>
+              <a:cs typeface="Times New Roman" panose="02020603050405020304" pitchFamily="18" charset="0"/>
+            </a:endParaRPr>
+          </a:p>
+        </p:txBody>
+      </p:sp>
     </p:spTree>
     <p:extLst>
       <p:ext uri="{BB962C8B-B14F-4D97-AF65-F5344CB8AC3E}">

--- a/FGCS-2019/wasInfluencedBy-example.pptx
+++ b/FGCS-2019/wasInfluencedBy-example.pptx
@@ -1171,7 +1171,7 @@
           <a:p>
             <a:fld id="{2DE544F1-4EB3-B943-BAC8-4587CDEC2BDB}" type="datetimeFigureOut">
               <a:rPr lang="en-US" smtClean="0"/>
-              <a:t>10/22/19</a:t>
+              <a:t>10/23/19</a:t>
             </a:fld>
             <a:endParaRPr lang="en-US"/>
           </a:p>
@@ -1369,7 +1369,7 @@
           <a:p>
             <a:fld id="{2DE544F1-4EB3-B943-BAC8-4587CDEC2BDB}" type="datetimeFigureOut">
               <a:rPr lang="en-US" smtClean="0"/>
-              <a:t>10/22/19</a:t>
+              <a:t>10/23/19</a:t>
             </a:fld>
             <a:endParaRPr lang="en-US"/>
           </a:p>
@@ -1577,7 +1577,7 @@
           <a:p>
             <a:fld id="{2DE544F1-4EB3-B943-BAC8-4587CDEC2BDB}" type="datetimeFigureOut">
               <a:rPr lang="en-US" smtClean="0"/>
-              <a:t>10/22/19</a:t>
+              <a:t>10/23/19</a:t>
             </a:fld>
             <a:endParaRPr lang="en-US"/>
           </a:p>
@@ -1775,7 +1775,7 @@
           <a:p>
             <a:fld id="{2DE544F1-4EB3-B943-BAC8-4587CDEC2BDB}" type="datetimeFigureOut">
               <a:rPr lang="en-US" smtClean="0"/>
-              <a:t>10/22/19</a:t>
+              <a:t>10/23/19</a:t>
             </a:fld>
             <a:endParaRPr lang="en-US"/>
           </a:p>
@@ -2050,7 +2050,7 @@
           <a:p>
             <a:fld id="{2DE544F1-4EB3-B943-BAC8-4587CDEC2BDB}" type="datetimeFigureOut">
               <a:rPr lang="en-US" smtClean="0"/>
-              <a:t>10/22/19</a:t>
+              <a:t>10/23/19</a:t>
             </a:fld>
             <a:endParaRPr lang="en-US"/>
           </a:p>
@@ -2315,7 +2315,7 @@
           <a:p>
             <a:fld id="{2DE544F1-4EB3-B943-BAC8-4587CDEC2BDB}" type="datetimeFigureOut">
               <a:rPr lang="en-US" smtClean="0"/>
-              <a:t>10/22/19</a:t>
+              <a:t>10/23/19</a:t>
             </a:fld>
             <a:endParaRPr lang="en-US"/>
           </a:p>
@@ -2727,7 +2727,7 @@
           <a:p>
             <a:fld id="{2DE544F1-4EB3-B943-BAC8-4587CDEC2BDB}" type="datetimeFigureOut">
               <a:rPr lang="en-US" smtClean="0"/>
-              <a:t>10/22/19</a:t>
+              <a:t>10/23/19</a:t>
             </a:fld>
             <a:endParaRPr lang="en-US"/>
           </a:p>
@@ -2868,7 +2868,7 @@
           <a:p>
             <a:fld id="{2DE544F1-4EB3-B943-BAC8-4587CDEC2BDB}" type="datetimeFigureOut">
               <a:rPr lang="en-US" smtClean="0"/>
-              <a:t>10/22/19</a:t>
+              <a:t>10/23/19</a:t>
             </a:fld>
             <a:endParaRPr lang="en-US"/>
           </a:p>
@@ -2981,7 +2981,7 @@
           <a:p>
             <a:fld id="{2DE544F1-4EB3-B943-BAC8-4587CDEC2BDB}" type="datetimeFigureOut">
               <a:rPr lang="en-US" smtClean="0"/>
-              <a:t>10/22/19</a:t>
+              <a:t>10/23/19</a:t>
             </a:fld>
             <a:endParaRPr lang="en-US"/>
           </a:p>
@@ -3292,7 +3292,7 @@
           <a:p>
             <a:fld id="{2DE544F1-4EB3-B943-BAC8-4587CDEC2BDB}" type="datetimeFigureOut">
               <a:rPr lang="en-US" smtClean="0"/>
-              <a:t>10/22/19</a:t>
+              <a:t>10/23/19</a:t>
             </a:fld>
             <a:endParaRPr lang="en-US"/>
           </a:p>
@@ -3580,7 +3580,7 @@
           <a:p>
             <a:fld id="{2DE544F1-4EB3-B943-BAC8-4587CDEC2BDB}" type="datetimeFigureOut">
               <a:rPr lang="en-US" smtClean="0"/>
-              <a:t>10/22/19</a:t>
+              <a:t>10/23/19</a:t>
             </a:fld>
             <a:endParaRPr lang="en-US"/>
           </a:p>
@@ -3821,7 +3821,7 @@
           <a:p>
             <a:fld id="{2DE544F1-4EB3-B943-BAC8-4587CDEC2BDB}" type="datetimeFigureOut">
               <a:rPr lang="en-US" smtClean="0"/>
-              <a:t>10/22/19</a:t>
+              <a:t>10/23/19</a:t>
             </a:fld>
             <a:endParaRPr lang="en-US"/>
           </a:p>
@@ -4240,10 +4240,10 @@
       </p:grpSpPr>
       <p:sp>
         <p:nvSpPr>
-          <p:cNvPr id="153" name="Oval 152">
-            <a:extLst>
-              <a:ext uri="{FF2B5EF4-FFF2-40B4-BE49-F238E27FC236}">
-                <a16:creationId xmlns:a16="http://schemas.microsoft.com/office/drawing/2014/main" id="{B06CD74C-663D-904F-819F-F46050C9EF40}"/>
+          <p:cNvPr id="201" name="Right Arrow 200">
+            <a:extLst>
+              <a:ext uri="{FF2B5EF4-FFF2-40B4-BE49-F238E27FC236}">
+                <a16:creationId xmlns:a16="http://schemas.microsoft.com/office/drawing/2014/main" id="{53C320BB-ACDE-4141-A63B-A149F2633898}"/>
               </a:ext>
             </a:extLst>
           </p:cNvPr>
@@ -4251,21 +4251,23 @@
           <p:nvPr/>
         </p:nvSpPr>
         <p:spPr>
-          <a:xfrm>
-            <a:off x="4124507" y="77701"/>
-            <a:ext cx="394531" cy="394531"/>
+          <a:xfrm rot="7795786">
+            <a:off x="3312244" y="1522206"/>
+            <a:ext cx="434774" cy="435595"/>
           </a:xfrm>
-          <a:prstGeom prst="ellipse">
+          <a:prstGeom prst="rightArrow">
             <a:avLst/>
           </a:prstGeom>
           <a:solidFill>
-            <a:schemeClr val="accent3"/>
+            <a:schemeClr val="accent2"/>
           </a:solidFill>
-          <a:ln w="25400">
-            <a:solidFill>
-              <a:schemeClr val="tx1"/>
-            </a:solidFill>
-          </a:ln>
+          <a:effectLst>
+            <a:outerShdw blurRad="50800" dist="38100" dir="2700000" algn="tl" rotWithShape="0">
+              <a:prstClr val="black">
+                <a:alpha val="40000"/>
+              </a:prstClr>
+            </a:outerShdw>
+          </a:effectLst>
         </p:spPr>
         <p:style>
           <a:lnRef idx="2">
@@ -4284,28 +4286,204 @@
           </a:fontRef>
         </p:style>
         <p:txBody>
-          <a:bodyPr rot="0" spcFirstLastPara="0" vertOverflow="overflow" horzOverflow="overflow" vert="horz" wrap="square" lIns="56757" tIns="28378" rIns="56757" bIns="28378" numCol="1" spcCol="0" rtlCol="0" fromWordArt="0" anchor="ctr" anchorCtr="0" forceAA="0" compatLnSpc="1">
-            <a:prstTxWarp prst="textNoShape">
-              <a:avLst/>
-            </a:prstTxWarp>
-            <a:noAutofit/>
+          <a:bodyPr rtlCol="0" anchor="ctr"/>
+          <a:lstStyle/>
+          <a:p>
+            <a:pPr algn="ctr"/>
+            <a:endParaRPr lang="en-US" dirty="0"/>
+          </a:p>
+        </p:txBody>
+      </p:sp>
+      <p:sp>
+        <p:nvSpPr>
+          <p:cNvPr id="58" name="Rectangle 57">
+            <a:extLst>
+              <a:ext uri="{FF2B5EF4-FFF2-40B4-BE49-F238E27FC236}">
+                <a16:creationId xmlns:a16="http://schemas.microsoft.com/office/drawing/2014/main" id="{B1E36DF9-63C5-DF44-B0CB-35E9FC7A9858}"/>
+              </a:ext>
+            </a:extLst>
+          </p:cNvPr>
+          <p:cNvSpPr/>
+          <p:nvPr/>
+        </p:nvSpPr>
+        <p:spPr>
+          <a:xfrm>
+            <a:off x="233488" y="4016222"/>
+            <a:ext cx="963725" cy="276999"/>
+          </a:xfrm>
+          <a:prstGeom prst="rect">
+            <a:avLst/>
+          </a:prstGeom>
+        </p:spPr>
+        <p:txBody>
+          <a:bodyPr wrap="none">
+            <a:spAutoFit/>
           </a:bodyPr>
           <a:lstStyle/>
           <a:p>
-            <a:pPr algn="ctr"/>
-            <a:endParaRPr lang="en-US" sz="1200">
-              <a:latin typeface="+mj-lt"/>
-              <a:cs typeface="Times New Roman" panose="02020603050405020304" pitchFamily="18" charset="0"/>
-            </a:endParaRPr>
+            <a:pPr lvl="0"/>
+            <a:r>
+              <a:rPr lang="en-US" sz="1200" dirty="0">
+                <a:solidFill>
+                  <a:prstClr val="black"/>
+                </a:solidFill>
+                <a:latin typeface="Times New Roman" panose="02020603050405020304" pitchFamily="18" charset="0"/>
+                <a:cs typeface="Times New Roman" panose="02020603050405020304" pitchFamily="18" charset="0"/>
+              </a:rPr>
+              <a:t>(a-grouping)</a:t>
+            </a:r>
+          </a:p>
+        </p:txBody>
+      </p:sp>
+      <p:sp>
+        <p:nvSpPr>
+          <p:cNvPr id="204" name="Rectangle 203">
+            <a:extLst>
+              <a:ext uri="{FF2B5EF4-FFF2-40B4-BE49-F238E27FC236}">
+                <a16:creationId xmlns:a16="http://schemas.microsoft.com/office/drawing/2014/main" id="{213E4176-A1EC-354E-AE73-8A1FB1057A5E}"/>
+              </a:ext>
+            </a:extLst>
+          </p:cNvPr>
+          <p:cNvSpPr/>
+          <p:nvPr/>
+        </p:nvSpPr>
+        <p:spPr>
+          <a:xfrm>
+            <a:off x="8729738" y="4210089"/>
+            <a:ext cx="963725" cy="276999"/>
+          </a:xfrm>
+          <a:prstGeom prst="rect">
+            <a:avLst/>
+          </a:prstGeom>
+        </p:spPr>
+        <p:txBody>
+          <a:bodyPr wrap="none">
+            <a:spAutoFit/>
+          </a:bodyPr>
+          <a:lstStyle/>
+          <a:p>
+            <a:pPr lvl="0"/>
+            <a:r>
+              <a:rPr lang="en-US" sz="1200" dirty="0">
+                <a:solidFill>
+                  <a:prstClr val="black"/>
+                </a:solidFill>
+                <a:latin typeface="Times New Roman" panose="02020603050405020304" pitchFamily="18" charset="0"/>
+                <a:cs typeface="Times New Roman" panose="02020603050405020304" pitchFamily="18" charset="0"/>
+              </a:rPr>
+              <a:t>(e-grouping)</a:t>
+            </a:r>
+          </a:p>
+        </p:txBody>
+      </p:sp>
+      <p:sp>
+        <p:nvSpPr>
+          <p:cNvPr id="303" name="Rectangle 302">
+            <a:extLst>
+              <a:ext uri="{FF2B5EF4-FFF2-40B4-BE49-F238E27FC236}">
+                <a16:creationId xmlns:a16="http://schemas.microsoft.com/office/drawing/2014/main" id="{2F6A9014-7537-5049-9FD8-0666FEDC5B8E}"/>
+              </a:ext>
+            </a:extLst>
+          </p:cNvPr>
+          <p:cNvSpPr/>
+          <p:nvPr/>
+        </p:nvSpPr>
+        <p:spPr>
+          <a:xfrm>
+            <a:off x="3903750" y="1557890"/>
+            <a:ext cx="1090712" cy="276999"/>
+          </a:xfrm>
+          <a:prstGeom prst="rect">
+            <a:avLst/>
+          </a:prstGeom>
+        </p:spPr>
+        <p:txBody>
+          <a:bodyPr wrap="square">
+            <a:spAutoFit/>
+          </a:bodyPr>
+          <a:lstStyle/>
+          <a:p>
+            <a:pPr lvl="0"/>
+            <a:r>
+              <a:rPr lang="en-US" sz="1200" i="1" dirty="0">
+                <a:solidFill>
+                  <a:prstClr val="black"/>
+                </a:solidFill>
+                <a:latin typeface="Times New Roman" panose="02020603050405020304" pitchFamily="18" charset="0"/>
+                <a:cs typeface="Times New Roman" panose="02020603050405020304" pitchFamily="18" charset="0"/>
+              </a:rPr>
+              <a:t>(</a:t>
+            </a:r>
+            <a:r>
+              <a:rPr lang="en-US" sz="1200" i="1" dirty="0" err="1">
+                <a:solidFill>
+                  <a:prstClr val="black"/>
+                </a:solidFill>
+                <a:latin typeface="Times New Roman" panose="02020603050405020304" pitchFamily="18" charset="0"/>
+                <a:cs typeface="Times New Roman" panose="02020603050405020304" pitchFamily="18" charset="0"/>
+              </a:rPr>
+              <a:t>generalise</a:t>
+            </a:r>
+            <a:r>
+              <a:rPr lang="en-US" sz="1200" i="1" dirty="0">
+                <a:solidFill>
+                  <a:prstClr val="black"/>
+                </a:solidFill>
+                <a:latin typeface="Times New Roman" panose="02020603050405020304" pitchFamily="18" charset="0"/>
+                <a:cs typeface="Times New Roman" panose="02020603050405020304" pitchFamily="18" charset="0"/>
+              </a:rPr>
+              <a:t>)</a:t>
+            </a:r>
+          </a:p>
+        </p:txBody>
+      </p:sp>
+      <p:sp>
+        <p:nvSpPr>
+          <p:cNvPr id="342" name="Rectangle 341">
+            <a:extLst>
+              <a:ext uri="{FF2B5EF4-FFF2-40B4-BE49-F238E27FC236}">
+                <a16:creationId xmlns:a16="http://schemas.microsoft.com/office/drawing/2014/main" id="{E3611545-72C7-7148-B4BD-B8CC557F731A}"/>
+              </a:ext>
+            </a:extLst>
+          </p:cNvPr>
+          <p:cNvSpPr/>
+          <p:nvPr/>
+        </p:nvSpPr>
+        <p:spPr>
+          <a:xfrm>
+            <a:off x="6088674" y="3907706"/>
+            <a:ext cx="744819" cy="276999"/>
+          </a:xfrm>
+          <a:prstGeom prst="rect">
+            <a:avLst/>
+          </a:prstGeom>
+        </p:spPr>
+        <p:txBody>
+          <a:bodyPr wrap="none">
+            <a:spAutoFit/>
+          </a:bodyPr>
+          <a:lstStyle/>
+          <a:p>
+            <a:pPr lvl="0"/>
+            <a:r>
+              <a:rPr lang="en-US" sz="1200" i="1" dirty="0">
+                <a:solidFill>
+                  <a:prstClr val="black"/>
+                </a:solidFill>
+                <a:latin typeface="Times New Roman" panose="02020603050405020304" pitchFamily="18" charset="0"/>
+                <a:cs typeface="Times New Roman" panose="02020603050405020304" pitchFamily="18" charset="0"/>
+              </a:rPr>
+              <a:t>(replace)</a:t>
+            </a:r>
           </a:p>
         </p:txBody>
       </p:sp>
       <p:grpSp>
         <p:nvGrpSpPr>
-          <p:cNvPr id="13" name="Group 12">
-            <a:extLst>
-              <a:ext uri="{FF2B5EF4-FFF2-40B4-BE49-F238E27FC236}">
-                <a16:creationId xmlns:a16="http://schemas.microsoft.com/office/drawing/2014/main" id="{3F3C6156-07D9-CE49-9436-2C758A39D604}"/>
+          <p:cNvPr id="2" name="Group 1">
+            <a:extLst>
+              <a:ext uri="{FF2B5EF4-FFF2-40B4-BE49-F238E27FC236}">
+                <a16:creationId xmlns:a16="http://schemas.microsoft.com/office/drawing/2014/main" id="{8B270B33-B8FD-FB44-B4A7-870AC827A17C}"/>
               </a:ext>
             </a:extLst>
           </p:cNvPr>
@@ -4314,7 +4492,3469 @@
         </p:nvGrpSpPr>
         <p:grpSpPr>
           <a:xfrm>
-            <a:off x="3217060" y="82558"/>
+            <a:off x="3217060" y="0"/>
+            <a:ext cx="2154864" cy="1350311"/>
+            <a:chOff x="3217060" y="0"/>
+            <a:chExt cx="2154864" cy="1350311"/>
+          </a:xfrm>
+        </p:grpSpPr>
+        <p:sp>
+          <p:nvSpPr>
+            <p:cNvPr id="153" name="Oval 152">
+              <a:extLst>
+                <a:ext uri="{FF2B5EF4-FFF2-40B4-BE49-F238E27FC236}">
+                  <a16:creationId xmlns:a16="http://schemas.microsoft.com/office/drawing/2014/main" id="{B06CD74C-663D-904F-819F-F46050C9EF40}"/>
+                </a:ext>
+              </a:extLst>
+            </p:cNvPr>
+            <p:cNvSpPr/>
+            <p:nvPr/>
+          </p:nvSpPr>
+          <p:spPr>
+            <a:xfrm>
+              <a:off x="4124507" y="77701"/>
+              <a:ext cx="394531" cy="394531"/>
+            </a:xfrm>
+            <a:prstGeom prst="ellipse">
+              <a:avLst/>
+            </a:prstGeom>
+            <a:solidFill>
+              <a:schemeClr val="accent3"/>
+            </a:solidFill>
+            <a:ln w="25400">
+              <a:solidFill>
+                <a:schemeClr val="tx1"/>
+              </a:solidFill>
+            </a:ln>
+          </p:spPr>
+          <p:style>
+            <a:lnRef idx="2">
+              <a:schemeClr val="accent1">
+                <a:shade val="50000"/>
+              </a:schemeClr>
+            </a:lnRef>
+            <a:fillRef idx="1">
+              <a:schemeClr val="accent1"/>
+            </a:fillRef>
+            <a:effectRef idx="0">
+              <a:schemeClr val="accent1"/>
+            </a:effectRef>
+            <a:fontRef idx="minor">
+              <a:schemeClr val="lt1"/>
+            </a:fontRef>
+          </p:style>
+          <p:txBody>
+            <a:bodyPr rot="0" spcFirstLastPara="0" vertOverflow="overflow" horzOverflow="overflow" vert="horz" wrap="square" lIns="56757" tIns="28378" rIns="56757" bIns="28378" numCol="1" spcCol="0" rtlCol="0" fromWordArt="0" anchor="ctr" anchorCtr="0" forceAA="0" compatLnSpc="1">
+              <a:prstTxWarp prst="textNoShape">
+                <a:avLst/>
+              </a:prstTxWarp>
+              <a:noAutofit/>
+            </a:bodyPr>
+            <a:lstStyle/>
+            <a:p>
+              <a:pPr algn="ctr"/>
+              <a:endParaRPr lang="en-US" sz="1200">
+                <a:latin typeface="+mj-lt"/>
+                <a:cs typeface="Times New Roman" panose="02020603050405020304" pitchFamily="18" charset="0"/>
+              </a:endParaRPr>
+            </a:p>
+          </p:txBody>
+        </p:sp>
+        <p:grpSp>
+          <p:nvGrpSpPr>
+            <p:cNvPr id="13" name="Group 12">
+              <a:extLst>
+                <a:ext uri="{FF2B5EF4-FFF2-40B4-BE49-F238E27FC236}">
+                  <a16:creationId xmlns:a16="http://schemas.microsoft.com/office/drawing/2014/main" id="{3F3C6156-07D9-CE49-9436-2C758A39D604}"/>
+                </a:ext>
+              </a:extLst>
+            </p:cNvPr>
+            <p:cNvGrpSpPr/>
+            <p:nvPr/>
+          </p:nvGrpSpPr>
+          <p:grpSpPr>
+            <a:xfrm>
+              <a:off x="3217060" y="82558"/>
+              <a:ext cx="370458" cy="394531"/>
+              <a:chOff x="2651620" y="4455131"/>
+              <a:chExt cx="370458" cy="394531"/>
+            </a:xfrm>
+            <a:solidFill>
+              <a:schemeClr val="accent3"/>
+            </a:solidFill>
+          </p:grpSpPr>
+          <p:sp>
+            <p:nvSpPr>
+              <p:cNvPr id="14" name="Rectangle 13">
+                <a:extLst>
+                  <a:ext uri="{FF2B5EF4-FFF2-40B4-BE49-F238E27FC236}">
+                    <a16:creationId xmlns:a16="http://schemas.microsoft.com/office/drawing/2014/main" id="{3476E380-346B-5C45-91A2-5D90DFBA394E}"/>
+                  </a:ext>
+                </a:extLst>
+              </p:cNvPr>
+              <p:cNvSpPr/>
+              <p:nvPr/>
+            </p:nvSpPr>
+            <p:spPr>
+              <a:xfrm>
+                <a:off x="2658477" y="4455131"/>
+                <a:ext cx="363601" cy="394531"/>
+              </a:xfrm>
+              <a:prstGeom prst="rect">
+                <a:avLst/>
+              </a:prstGeom>
+              <a:solidFill>
+                <a:schemeClr val="bg1"/>
+              </a:solidFill>
+              <a:ln w="25400">
+                <a:solidFill>
+                  <a:schemeClr val="tx1"/>
+                </a:solidFill>
+              </a:ln>
+            </p:spPr>
+            <p:style>
+              <a:lnRef idx="2">
+                <a:schemeClr val="accent1">
+                  <a:shade val="50000"/>
+                </a:schemeClr>
+              </a:lnRef>
+              <a:fillRef idx="1">
+                <a:schemeClr val="accent1"/>
+              </a:fillRef>
+              <a:effectRef idx="0">
+                <a:schemeClr val="accent1"/>
+              </a:effectRef>
+              <a:fontRef idx="minor">
+                <a:schemeClr val="lt1"/>
+              </a:fontRef>
+            </p:style>
+            <p:txBody>
+              <a:bodyPr rot="0" spcFirstLastPara="0" vertOverflow="overflow" horzOverflow="overflow" vert="horz" wrap="square" lIns="56757" tIns="28378" rIns="56757" bIns="28378" numCol="1" spcCol="0" rtlCol="0" fromWordArt="0" anchor="ctr" anchorCtr="0" forceAA="0" compatLnSpc="1">
+                <a:prstTxWarp prst="textNoShape">
+                  <a:avLst/>
+                </a:prstTxWarp>
+                <a:noAutofit/>
+              </a:bodyPr>
+              <a:lstStyle/>
+              <a:p>
+                <a:pPr algn="ctr"/>
+                <a:endParaRPr lang="en-US" sz="1200">
+                  <a:latin typeface="+mj-lt"/>
+                  <a:cs typeface="Times New Roman" panose="02020603050405020304" pitchFamily="18" charset="0"/>
+                </a:endParaRPr>
+              </a:p>
+            </p:txBody>
+          </p:sp>
+          <p:sp>
+            <p:nvSpPr>
+              <p:cNvPr id="15" name="TextBox 14">
+                <a:extLst>
+                  <a:ext uri="{FF2B5EF4-FFF2-40B4-BE49-F238E27FC236}">
+                    <a16:creationId xmlns:a16="http://schemas.microsoft.com/office/drawing/2014/main" id="{CEFFADCD-5327-C44E-9659-03C85D45FF1A}"/>
+                  </a:ext>
+                </a:extLst>
+              </p:cNvPr>
+              <p:cNvSpPr txBox="1"/>
+              <p:nvPr/>
+            </p:nvSpPr>
+            <p:spPr>
+              <a:xfrm>
+                <a:off x="2651620" y="4486608"/>
+                <a:ext cx="336952" cy="276999"/>
+              </a:xfrm>
+              <a:prstGeom prst="rect">
+                <a:avLst/>
+              </a:prstGeom>
+              <a:noFill/>
+            </p:spPr>
+            <p:txBody>
+              <a:bodyPr wrap="none" rtlCol="0">
+                <a:spAutoFit/>
+              </a:bodyPr>
+              <a:lstStyle/>
+              <a:p>
+                <a:r>
+                  <a:rPr lang="en-US" sz="1200" dirty="0">
+                    <a:latin typeface="+mj-lt"/>
+                    <a:cs typeface="Times New Roman" panose="02020603050405020304" pitchFamily="18" charset="0"/>
+                  </a:rPr>
+                  <a:t>a1</a:t>
+                </a:r>
+              </a:p>
+            </p:txBody>
+          </p:sp>
+        </p:grpSp>
+        <p:grpSp>
+          <p:nvGrpSpPr>
+            <p:cNvPr id="16" name="Group 15">
+              <a:extLst>
+                <a:ext uri="{FF2B5EF4-FFF2-40B4-BE49-F238E27FC236}">
+                  <a16:creationId xmlns:a16="http://schemas.microsoft.com/office/drawing/2014/main" id="{60B53682-92EB-C047-ADEB-A7E534B4E8A8}"/>
+                </a:ext>
+              </a:extLst>
+            </p:cNvPr>
+            <p:cNvGrpSpPr/>
+            <p:nvPr/>
+          </p:nvGrpSpPr>
+          <p:grpSpPr>
+            <a:xfrm>
+              <a:off x="3227479" y="953746"/>
+              <a:ext cx="363601" cy="394531"/>
+              <a:chOff x="2658477" y="5322765"/>
+              <a:chExt cx="363601" cy="394531"/>
+            </a:xfrm>
+            <a:solidFill>
+              <a:schemeClr val="accent3"/>
+            </a:solidFill>
+          </p:grpSpPr>
+          <p:sp>
+            <p:nvSpPr>
+              <p:cNvPr id="17" name="Rectangle 16">
+                <a:extLst>
+                  <a:ext uri="{FF2B5EF4-FFF2-40B4-BE49-F238E27FC236}">
+                    <a16:creationId xmlns:a16="http://schemas.microsoft.com/office/drawing/2014/main" id="{D318E7C6-EA46-9945-AE2B-0870F2915DCE}"/>
+                  </a:ext>
+                </a:extLst>
+              </p:cNvPr>
+              <p:cNvSpPr/>
+              <p:nvPr/>
+            </p:nvSpPr>
+            <p:spPr>
+              <a:xfrm>
+                <a:off x="2658477" y="5322765"/>
+                <a:ext cx="363601" cy="394531"/>
+              </a:xfrm>
+              <a:prstGeom prst="rect">
+                <a:avLst/>
+              </a:prstGeom>
+              <a:solidFill>
+                <a:schemeClr val="bg1"/>
+              </a:solidFill>
+              <a:ln w="25400">
+                <a:solidFill>
+                  <a:schemeClr val="tx1"/>
+                </a:solidFill>
+              </a:ln>
+            </p:spPr>
+            <p:style>
+              <a:lnRef idx="2">
+                <a:schemeClr val="accent1">
+                  <a:shade val="50000"/>
+                </a:schemeClr>
+              </a:lnRef>
+              <a:fillRef idx="1">
+                <a:schemeClr val="accent1"/>
+              </a:fillRef>
+              <a:effectRef idx="0">
+                <a:schemeClr val="accent1"/>
+              </a:effectRef>
+              <a:fontRef idx="minor">
+                <a:schemeClr val="lt1"/>
+              </a:fontRef>
+            </p:style>
+            <p:txBody>
+              <a:bodyPr rot="0" spcFirstLastPara="0" vertOverflow="overflow" horzOverflow="overflow" vert="horz" wrap="square" lIns="56757" tIns="28378" rIns="56757" bIns="28378" numCol="1" spcCol="0" rtlCol="0" fromWordArt="0" anchor="ctr" anchorCtr="0" forceAA="0" compatLnSpc="1">
+                <a:prstTxWarp prst="textNoShape">
+                  <a:avLst/>
+                </a:prstTxWarp>
+                <a:noAutofit/>
+              </a:bodyPr>
+              <a:lstStyle/>
+              <a:p>
+                <a:pPr algn="ctr"/>
+                <a:endParaRPr lang="en-US" sz="1200">
+                  <a:latin typeface="+mj-lt"/>
+                  <a:cs typeface="Times New Roman" panose="02020603050405020304" pitchFamily="18" charset="0"/>
+                </a:endParaRPr>
+              </a:p>
+            </p:txBody>
+          </p:sp>
+          <p:sp>
+            <p:nvSpPr>
+              <p:cNvPr id="18" name="TextBox 17">
+                <a:extLst>
+                  <a:ext uri="{FF2B5EF4-FFF2-40B4-BE49-F238E27FC236}">
+                    <a16:creationId xmlns:a16="http://schemas.microsoft.com/office/drawing/2014/main" id="{2045FE4C-22C9-2947-9282-64AD8E488BA0}"/>
+                  </a:ext>
+                </a:extLst>
+              </p:cNvPr>
+              <p:cNvSpPr txBox="1"/>
+              <p:nvPr/>
+            </p:nvSpPr>
+            <p:spPr>
+              <a:xfrm>
+                <a:off x="2681287" y="5366576"/>
+                <a:ext cx="336952" cy="276999"/>
+              </a:xfrm>
+              <a:prstGeom prst="rect">
+                <a:avLst/>
+              </a:prstGeom>
+              <a:noFill/>
+            </p:spPr>
+            <p:txBody>
+              <a:bodyPr wrap="none" rtlCol="0">
+                <a:spAutoFit/>
+              </a:bodyPr>
+              <a:lstStyle/>
+              <a:p>
+                <a:r>
+                  <a:rPr lang="en-US" sz="1200" dirty="0">
+                    <a:latin typeface="+mj-lt"/>
+                    <a:cs typeface="Times New Roman" panose="02020603050405020304" pitchFamily="18" charset="0"/>
+                  </a:rPr>
+                  <a:t>a3</a:t>
+                </a:r>
+              </a:p>
+            </p:txBody>
+          </p:sp>
+        </p:grpSp>
+        <p:sp>
+          <p:nvSpPr>
+            <p:cNvPr id="25" name="TextBox 24">
+              <a:extLst>
+                <a:ext uri="{FF2B5EF4-FFF2-40B4-BE49-F238E27FC236}">
+                  <a16:creationId xmlns:a16="http://schemas.microsoft.com/office/drawing/2014/main" id="{B8860875-F1F4-6848-BFFC-A2C8CACF3302}"/>
+                </a:ext>
+              </a:extLst>
+            </p:cNvPr>
+            <p:cNvSpPr txBox="1"/>
+            <p:nvPr/>
+          </p:nvSpPr>
+          <p:spPr>
+            <a:xfrm>
+              <a:off x="4154443" y="131095"/>
+              <a:ext cx="373718" cy="276999"/>
+            </a:xfrm>
+            <a:prstGeom prst="rect">
+              <a:avLst/>
+            </a:prstGeom>
+            <a:noFill/>
+          </p:spPr>
+          <p:txBody>
+            <a:bodyPr wrap="square" rtlCol="0">
+              <a:spAutoFit/>
+            </a:bodyPr>
+            <a:lstStyle/>
+            <a:p>
+              <a:r>
+                <a:rPr lang="en-US" sz="1200" dirty="0">
+                  <a:latin typeface="+mj-lt"/>
+                  <a:cs typeface="Times New Roman" panose="02020603050405020304" pitchFamily="18" charset="0"/>
+                </a:rPr>
+                <a:t>e4</a:t>
+              </a:r>
+            </a:p>
+          </p:txBody>
+        </p:sp>
+        <p:sp>
+          <p:nvSpPr>
+            <p:cNvPr id="27" name="Oval 26">
+              <a:extLst>
+                <a:ext uri="{FF2B5EF4-FFF2-40B4-BE49-F238E27FC236}">
+                  <a16:creationId xmlns:a16="http://schemas.microsoft.com/office/drawing/2014/main" id="{6B8D91CC-452C-9F40-8A18-6EEF72196750}"/>
+                </a:ext>
+              </a:extLst>
+            </p:cNvPr>
+            <p:cNvSpPr/>
+            <p:nvPr/>
+          </p:nvSpPr>
+          <p:spPr>
+            <a:xfrm>
+              <a:off x="4109517" y="955780"/>
+              <a:ext cx="394531" cy="394531"/>
+            </a:xfrm>
+            <a:prstGeom prst="ellipse">
+              <a:avLst/>
+            </a:prstGeom>
+            <a:noFill/>
+            <a:ln w="25400">
+              <a:solidFill>
+                <a:schemeClr val="tx1"/>
+              </a:solidFill>
+            </a:ln>
+          </p:spPr>
+          <p:style>
+            <a:lnRef idx="2">
+              <a:schemeClr val="accent1">
+                <a:shade val="50000"/>
+              </a:schemeClr>
+            </a:lnRef>
+            <a:fillRef idx="1">
+              <a:schemeClr val="accent1"/>
+            </a:fillRef>
+            <a:effectRef idx="0">
+              <a:schemeClr val="accent1"/>
+            </a:effectRef>
+            <a:fontRef idx="minor">
+              <a:schemeClr val="lt1"/>
+            </a:fontRef>
+          </p:style>
+          <p:txBody>
+            <a:bodyPr rot="0" spcFirstLastPara="0" vertOverflow="overflow" horzOverflow="overflow" vert="horz" wrap="square" lIns="56757" tIns="28378" rIns="56757" bIns="28378" numCol="1" spcCol="0" rtlCol="0" fromWordArt="0" anchor="ctr" anchorCtr="0" forceAA="0" compatLnSpc="1">
+              <a:prstTxWarp prst="textNoShape">
+                <a:avLst/>
+              </a:prstTxWarp>
+              <a:noAutofit/>
+            </a:bodyPr>
+            <a:lstStyle/>
+            <a:p>
+              <a:pPr algn="ctr"/>
+              <a:endParaRPr lang="en-US" sz="1200">
+                <a:latin typeface="+mj-lt"/>
+                <a:cs typeface="Times New Roman" panose="02020603050405020304" pitchFamily="18" charset="0"/>
+              </a:endParaRPr>
+            </a:p>
+          </p:txBody>
+        </p:sp>
+        <p:grpSp>
+          <p:nvGrpSpPr>
+            <p:cNvPr id="29" name="Group 28">
+              <a:extLst>
+                <a:ext uri="{FF2B5EF4-FFF2-40B4-BE49-F238E27FC236}">
+                  <a16:creationId xmlns:a16="http://schemas.microsoft.com/office/drawing/2014/main" id="{58DDEB8D-7BE7-CB41-B0C9-81495875BA69}"/>
+                </a:ext>
+              </a:extLst>
+            </p:cNvPr>
+            <p:cNvGrpSpPr/>
+            <p:nvPr/>
+          </p:nvGrpSpPr>
+          <p:grpSpPr>
+            <a:xfrm>
+              <a:off x="4997906" y="68489"/>
+              <a:ext cx="363601" cy="394531"/>
+              <a:chOff x="2658477" y="4475009"/>
+              <a:chExt cx="363601" cy="394531"/>
+            </a:xfrm>
+            <a:solidFill>
+              <a:schemeClr val="accent3"/>
+            </a:solidFill>
+          </p:grpSpPr>
+          <p:sp>
+            <p:nvSpPr>
+              <p:cNvPr id="30" name="Rectangle 29">
+                <a:extLst>
+                  <a:ext uri="{FF2B5EF4-FFF2-40B4-BE49-F238E27FC236}">
+                    <a16:creationId xmlns:a16="http://schemas.microsoft.com/office/drawing/2014/main" id="{5A873860-AFEE-C846-B7CA-0E3764F4C6C8}"/>
+                  </a:ext>
+                </a:extLst>
+              </p:cNvPr>
+              <p:cNvSpPr/>
+              <p:nvPr/>
+            </p:nvSpPr>
+            <p:spPr>
+              <a:xfrm>
+                <a:off x="2658477" y="4475009"/>
+                <a:ext cx="363601" cy="394531"/>
+              </a:xfrm>
+              <a:prstGeom prst="rect">
+                <a:avLst/>
+              </a:prstGeom>
+              <a:grpFill/>
+              <a:ln w="25400">
+                <a:solidFill>
+                  <a:schemeClr val="tx1"/>
+                </a:solidFill>
+              </a:ln>
+            </p:spPr>
+            <p:style>
+              <a:lnRef idx="2">
+                <a:schemeClr val="accent1">
+                  <a:shade val="50000"/>
+                </a:schemeClr>
+              </a:lnRef>
+              <a:fillRef idx="1">
+                <a:schemeClr val="accent1"/>
+              </a:fillRef>
+              <a:effectRef idx="0">
+                <a:schemeClr val="accent1"/>
+              </a:effectRef>
+              <a:fontRef idx="minor">
+                <a:schemeClr val="lt1"/>
+              </a:fontRef>
+            </p:style>
+            <p:txBody>
+              <a:bodyPr rot="0" spcFirstLastPara="0" vertOverflow="overflow" horzOverflow="overflow" vert="horz" wrap="square" lIns="56757" tIns="28378" rIns="56757" bIns="28378" numCol="1" spcCol="0" rtlCol="0" fromWordArt="0" anchor="ctr" anchorCtr="0" forceAA="0" compatLnSpc="1">
+                <a:prstTxWarp prst="textNoShape">
+                  <a:avLst/>
+                </a:prstTxWarp>
+                <a:noAutofit/>
+              </a:bodyPr>
+              <a:lstStyle/>
+              <a:p>
+                <a:pPr algn="ctr"/>
+                <a:endParaRPr lang="en-US" sz="1200">
+                  <a:latin typeface="+mj-lt"/>
+                  <a:cs typeface="Times New Roman" panose="02020603050405020304" pitchFamily="18" charset="0"/>
+                </a:endParaRPr>
+              </a:p>
+            </p:txBody>
+          </p:sp>
+          <p:sp>
+            <p:nvSpPr>
+              <p:cNvPr id="31" name="TextBox 30">
+                <a:extLst>
+                  <a:ext uri="{FF2B5EF4-FFF2-40B4-BE49-F238E27FC236}">
+                    <a16:creationId xmlns:a16="http://schemas.microsoft.com/office/drawing/2014/main" id="{026EFF95-A269-9B4E-AD07-2002435F0D32}"/>
+                  </a:ext>
+                </a:extLst>
+              </p:cNvPr>
+              <p:cNvSpPr txBox="1"/>
+              <p:nvPr/>
+            </p:nvSpPr>
+            <p:spPr>
+              <a:xfrm>
+                <a:off x="2675413" y="4498507"/>
+                <a:ext cx="336952" cy="276999"/>
+              </a:xfrm>
+              <a:prstGeom prst="rect">
+                <a:avLst/>
+              </a:prstGeom>
+              <a:noFill/>
+            </p:spPr>
+            <p:txBody>
+              <a:bodyPr wrap="none" rtlCol="0">
+                <a:spAutoFit/>
+              </a:bodyPr>
+              <a:lstStyle/>
+              <a:p>
+                <a:r>
+                  <a:rPr lang="en-US" sz="1200" dirty="0">
+                    <a:latin typeface="+mj-lt"/>
+                    <a:cs typeface="Times New Roman" panose="02020603050405020304" pitchFamily="18" charset="0"/>
+                  </a:rPr>
+                  <a:t>a2</a:t>
+                </a:r>
+              </a:p>
+            </p:txBody>
+          </p:sp>
+        </p:grpSp>
+        <p:grpSp>
+          <p:nvGrpSpPr>
+            <p:cNvPr id="32" name="Group 31">
+              <a:extLst>
+                <a:ext uri="{FF2B5EF4-FFF2-40B4-BE49-F238E27FC236}">
+                  <a16:creationId xmlns:a16="http://schemas.microsoft.com/office/drawing/2014/main" id="{ADB79DEC-DF71-A04A-AA69-FB3D253340FE}"/>
+                </a:ext>
+              </a:extLst>
+            </p:cNvPr>
+            <p:cNvGrpSpPr/>
+            <p:nvPr/>
+          </p:nvGrpSpPr>
+          <p:grpSpPr>
+            <a:xfrm>
+              <a:off x="5008323" y="953747"/>
+              <a:ext cx="363601" cy="394531"/>
+              <a:chOff x="2658477" y="4455131"/>
+              <a:chExt cx="363601" cy="394531"/>
+            </a:xfrm>
+          </p:grpSpPr>
+          <p:sp>
+            <p:nvSpPr>
+              <p:cNvPr id="33" name="Rectangle 32">
+                <a:extLst>
+                  <a:ext uri="{FF2B5EF4-FFF2-40B4-BE49-F238E27FC236}">
+                    <a16:creationId xmlns:a16="http://schemas.microsoft.com/office/drawing/2014/main" id="{BF1237CB-3D98-2E4F-B768-D020BFF9EB00}"/>
+                  </a:ext>
+                </a:extLst>
+              </p:cNvPr>
+              <p:cNvSpPr/>
+              <p:nvPr/>
+            </p:nvSpPr>
+            <p:spPr>
+              <a:xfrm>
+                <a:off x="2658477" y="4455131"/>
+                <a:ext cx="363601" cy="394531"/>
+              </a:xfrm>
+              <a:prstGeom prst="rect">
+                <a:avLst/>
+              </a:prstGeom>
+              <a:noFill/>
+              <a:ln w="25400">
+                <a:solidFill>
+                  <a:schemeClr val="tx1"/>
+                </a:solidFill>
+              </a:ln>
+            </p:spPr>
+            <p:style>
+              <a:lnRef idx="2">
+                <a:schemeClr val="accent1">
+                  <a:shade val="50000"/>
+                </a:schemeClr>
+              </a:lnRef>
+              <a:fillRef idx="1">
+                <a:schemeClr val="accent1"/>
+              </a:fillRef>
+              <a:effectRef idx="0">
+                <a:schemeClr val="accent1"/>
+              </a:effectRef>
+              <a:fontRef idx="minor">
+                <a:schemeClr val="lt1"/>
+              </a:fontRef>
+            </p:style>
+            <p:txBody>
+              <a:bodyPr rot="0" spcFirstLastPara="0" vertOverflow="overflow" horzOverflow="overflow" vert="horz" wrap="square" lIns="56757" tIns="28378" rIns="56757" bIns="28378" numCol="1" spcCol="0" rtlCol="0" fromWordArt="0" anchor="ctr" anchorCtr="0" forceAA="0" compatLnSpc="1">
+                <a:prstTxWarp prst="textNoShape">
+                  <a:avLst/>
+                </a:prstTxWarp>
+                <a:noAutofit/>
+              </a:bodyPr>
+              <a:lstStyle/>
+              <a:p>
+                <a:pPr algn="ctr"/>
+                <a:endParaRPr lang="en-US" sz="1200">
+                  <a:latin typeface="+mj-lt"/>
+                  <a:cs typeface="Times New Roman" panose="02020603050405020304" pitchFamily="18" charset="0"/>
+                </a:endParaRPr>
+              </a:p>
+            </p:txBody>
+          </p:sp>
+          <p:sp>
+            <p:nvSpPr>
+              <p:cNvPr id="34" name="TextBox 33">
+                <a:extLst>
+                  <a:ext uri="{FF2B5EF4-FFF2-40B4-BE49-F238E27FC236}">
+                    <a16:creationId xmlns:a16="http://schemas.microsoft.com/office/drawing/2014/main" id="{02BA6998-2549-1044-86AE-4D1A2F91731F}"/>
+                  </a:ext>
+                </a:extLst>
+              </p:cNvPr>
+              <p:cNvSpPr txBox="1"/>
+              <p:nvPr/>
+            </p:nvSpPr>
+            <p:spPr>
+              <a:xfrm>
+                <a:off x="2674709" y="4491294"/>
+                <a:ext cx="336952" cy="276999"/>
+              </a:xfrm>
+              <a:prstGeom prst="rect">
+                <a:avLst/>
+              </a:prstGeom>
+              <a:noFill/>
+            </p:spPr>
+            <p:txBody>
+              <a:bodyPr wrap="none" rtlCol="0">
+                <a:spAutoFit/>
+              </a:bodyPr>
+              <a:lstStyle/>
+              <a:p>
+                <a:r>
+                  <a:rPr lang="en-US" sz="1200" dirty="0">
+                    <a:latin typeface="+mj-lt"/>
+                    <a:cs typeface="Times New Roman" panose="02020603050405020304" pitchFamily="18" charset="0"/>
+                  </a:rPr>
+                  <a:t>a4</a:t>
+                </a:r>
+              </a:p>
+            </p:txBody>
+          </p:sp>
+        </p:grpSp>
+        <p:cxnSp>
+          <p:nvCxnSpPr>
+            <p:cNvPr id="38" name="Straight Arrow Connector 37">
+              <a:extLst>
+                <a:ext uri="{FF2B5EF4-FFF2-40B4-BE49-F238E27FC236}">
+                  <a16:creationId xmlns:a16="http://schemas.microsoft.com/office/drawing/2014/main" id="{9774CE3A-A97F-DC46-A82D-3F506103356B}"/>
+                </a:ext>
+              </a:extLst>
+            </p:cNvPr>
+            <p:cNvCxnSpPr>
+              <a:cxnSpLocks/>
+              <a:endCxn id="14" idx="3"/>
+            </p:cNvCxnSpPr>
+            <p:nvPr/>
+          </p:nvCxnSpPr>
+          <p:spPr>
+            <a:xfrm flipH="1">
+              <a:off x="3587518" y="279823"/>
+              <a:ext cx="521999" cy="1"/>
+            </a:xfrm>
+            <a:prstGeom prst="straightConnector1">
+              <a:avLst/>
+            </a:prstGeom>
+            <a:ln w="25400">
+              <a:solidFill>
+                <a:schemeClr val="tx1"/>
+              </a:solidFill>
+              <a:tailEnd type="triangle"/>
+            </a:ln>
+          </p:spPr>
+          <p:style>
+            <a:lnRef idx="1">
+              <a:schemeClr val="accent1"/>
+            </a:lnRef>
+            <a:fillRef idx="0">
+              <a:schemeClr val="accent1"/>
+            </a:fillRef>
+            <a:effectRef idx="0">
+              <a:schemeClr val="accent1"/>
+            </a:effectRef>
+            <a:fontRef idx="minor">
+              <a:schemeClr val="tx1"/>
+            </a:fontRef>
+          </p:style>
+        </p:cxnSp>
+        <p:cxnSp>
+          <p:nvCxnSpPr>
+            <p:cNvPr id="39" name="Straight Arrow Connector 38">
+              <a:extLst>
+                <a:ext uri="{FF2B5EF4-FFF2-40B4-BE49-F238E27FC236}">
+                  <a16:creationId xmlns:a16="http://schemas.microsoft.com/office/drawing/2014/main" id="{E43912C9-718E-E849-8467-C9359972B555}"/>
+                </a:ext>
+              </a:extLst>
+            </p:cNvPr>
+            <p:cNvCxnSpPr>
+              <a:cxnSpLocks/>
+            </p:cNvCxnSpPr>
+            <p:nvPr/>
+          </p:nvCxnSpPr>
+          <p:spPr>
+            <a:xfrm flipH="1" flipV="1">
+              <a:off x="3598876" y="1136058"/>
+              <a:ext cx="516285" cy="16988"/>
+            </a:xfrm>
+            <a:prstGeom prst="straightConnector1">
+              <a:avLst/>
+            </a:prstGeom>
+            <a:ln w="25400">
+              <a:solidFill>
+                <a:schemeClr val="tx1"/>
+              </a:solidFill>
+              <a:tailEnd type="triangle"/>
+            </a:ln>
+          </p:spPr>
+          <p:style>
+            <a:lnRef idx="1">
+              <a:schemeClr val="accent1"/>
+            </a:lnRef>
+            <a:fillRef idx="0">
+              <a:schemeClr val="accent1"/>
+            </a:fillRef>
+            <a:effectRef idx="0">
+              <a:schemeClr val="accent1"/>
+            </a:effectRef>
+            <a:fontRef idx="minor">
+              <a:schemeClr val="tx1"/>
+            </a:fontRef>
+          </p:style>
+        </p:cxnSp>
+        <p:cxnSp>
+          <p:nvCxnSpPr>
+            <p:cNvPr id="40" name="Straight Arrow Connector 39">
+              <a:extLst>
+                <a:ext uri="{FF2B5EF4-FFF2-40B4-BE49-F238E27FC236}">
+                  <a16:creationId xmlns:a16="http://schemas.microsoft.com/office/drawing/2014/main" id="{3F0BB5AA-803C-A249-800F-155E27C62A0A}"/>
+                </a:ext>
+              </a:extLst>
+            </p:cNvPr>
+            <p:cNvCxnSpPr>
+              <a:cxnSpLocks/>
+              <a:stCxn id="30" idx="1"/>
+              <a:endCxn id="25" idx="3"/>
+            </p:cNvCxnSpPr>
+            <p:nvPr/>
+          </p:nvCxnSpPr>
+          <p:spPr>
+            <a:xfrm flipH="1">
+              <a:off x="4528161" y="265755"/>
+              <a:ext cx="469745" cy="3840"/>
+            </a:xfrm>
+            <a:prstGeom prst="straightConnector1">
+              <a:avLst/>
+            </a:prstGeom>
+            <a:ln w="25400">
+              <a:solidFill>
+                <a:schemeClr val="tx1"/>
+              </a:solidFill>
+              <a:tailEnd type="triangle"/>
+            </a:ln>
+          </p:spPr>
+          <p:style>
+            <a:lnRef idx="1">
+              <a:schemeClr val="accent1"/>
+            </a:lnRef>
+            <a:fillRef idx="0">
+              <a:schemeClr val="accent1"/>
+            </a:fillRef>
+            <a:effectRef idx="0">
+              <a:schemeClr val="accent1"/>
+            </a:effectRef>
+            <a:fontRef idx="minor">
+              <a:schemeClr val="tx1"/>
+            </a:fontRef>
+          </p:style>
+        </p:cxnSp>
+        <p:cxnSp>
+          <p:nvCxnSpPr>
+            <p:cNvPr id="41" name="Straight Arrow Connector 40">
+              <a:extLst>
+                <a:ext uri="{FF2B5EF4-FFF2-40B4-BE49-F238E27FC236}">
+                  <a16:creationId xmlns:a16="http://schemas.microsoft.com/office/drawing/2014/main" id="{9F3E0B84-0909-B743-9080-B0E41D6E4599}"/>
+                </a:ext>
+              </a:extLst>
+            </p:cNvPr>
+            <p:cNvCxnSpPr>
+              <a:stCxn id="33" idx="1"/>
+              <a:endCxn id="27" idx="6"/>
+            </p:cNvCxnSpPr>
+            <p:nvPr/>
+          </p:nvCxnSpPr>
+          <p:spPr>
+            <a:xfrm flipH="1">
+              <a:off x="4504048" y="1151013"/>
+              <a:ext cx="504275" cy="2033"/>
+            </a:xfrm>
+            <a:prstGeom prst="straightConnector1">
+              <a:avLst/>
+            </a:prstGeom>
+            <a:ln w="25400">
+              <a:solidFill>
+                <a:schemeClr val="tx1"/>
+              </a:solidFill>
+              <a:tailEnd type="triangle"/>
+            </a:ln>
+          </p:spPr>
+          <p:style>
+            <a:lnRef idx="1">
+              <a:schemeClr val="accent1"/>
+            </a:lnRef>
+            <a:fillRef idx="0">
+              <a:schemeClr val="accent1"/>
+            </a:fillRef>
+            <a:effectRef idx="0">
+              <a:schemeClr val="accent1"/>
+            </a:effectRef>
+            <a:fontRef idx="minor">
+              <a:schemeClr val="tx1"/>
+            </a:fontRef>
+          </p:style>
+        </p:cxnSp>
+        <p:sp>
+          <p:nvSpPr>
+            <p:cNvPr id="44" name="TextBox 43">
+              <a:extLst>
+                <a:ext uri="{FF2B5EF4-FFF2-40B4-BE49-F238E27FC236}">
+                  <a16:creationId xmlns:a16="http://schemas.microsoft.com/office/drawing/2014/main" id="{2C40AC4A-8D7C-484D-83E3-080746DCE7B8}"/>
+                </a:ext>
+              </a:extLst>
+            </p:cNvPr>
+            <p:cNvSpPr txBox="1"/>
+            <p:nvPr/>
+          </p:nvSpPr>
+          <p:spPr>
+            <a:xfrm>
+              <a:off x="4522895" y="0"/>
+              <a:ext cx="482824" cy="276999"/>
+            </a:xfrm>
+            <a:prstGeom prst="rect">
+              <a:avLst/>
+            </a:prstGeom>
+            <a:noFill/>
+          </p:spPr>
+          <p:txBody>
+            <a:bodyPr wrap="none" rtlCol="0">
+              <a:spAutoFit/>
+            </a:bodyPr>
+            <a:lstStyle/>
+            <a:p>
+              <a:r>
+                <a:rPr lang="en-US" sz="1200" dirty="0">
+                  <a:latin typeface="+mj-lt"/>
+                  <a:cs typeface="Times New Roman" panose="02020603050405020304" pitchFamily="18" charset="0"/>
+                </a:rPr>
+                <a:t>used</a:t>
+              </a:r>
+            </a:p>
+          </p:txBody>
+        </p:sp>
+        <p:sp>
+          <p:nvSpPr>
+            <p:cNvPr id="45" name="TextBox 44">
+              <a:extLst>
+                <a:ext uri="{FF2B5EF4-FFF2-40B4-BE49-F238E27FC236}">
+                  <a16:creationId xmlns:a16="http://schemas.microsoft.com/office/drawing/2014/main" id="{0909D81B-E2EA-1B4A-88FA-637B628A0894}"/>
+                </a:ext>
+              </a:extLst>
+            </p:cNvPr>
+            <p:cNvSpPr txBox="1"/>
+            <p:nvPr/>
+          </p:nvSpPr>
+          <p:spPr>
+            <a:xfrm>
+              <a:off x="4530708" y="899098"/>
+              <a:ext cx="479618" cy="276999"/>
+            </a:xfrm>
+            <a:prstGeom prst="rect">
+              <a:avLst/>
+            </a:prstGeom>
+            <a:noFill/>
+          </p:spPr>
+          <p:txBody>
+            <a:bodyPr wrap="none" rtlCol="0">
+              <a:spAutoFit/>
+            </a:bodyPr>
+            <a:lstStyle/>
+            <a:p>
+              <a:r>
+                <a:rPr lang="en-US" sz="1200" dirty="0">
+                  <a:latin typeface="+mj-lt"/>
+                  <a:cs typeface="Times New Roman" panose="02020603050405020304" pitchFamily="18" charset="0"/>
+                </a:rPr>
+                <a:t>used</a:t>
+              </a:r>
+            </a:p>
+          </p:txBody>
+        </p:sp>
+        <p:sp>
+          <p:nvSpPr>
+            <p:cNvPr id="47" name="TextBox 46">
+              <a:extLst>
+                <a:ext uri="{FF2B5EF4-FFF2-40B4-BE49-F238E27FC236}">
+                  <a16:creationId xmlns:a16="http://schemas.microsoft.com/office/drawing/2014/main" id="{ACDB9B83-7FA9-F34E-9FFD-62B731AD3F63}"/>
+                </a:ext>
+              </a:extLst>
+            </p:cNvPr>
+            <p:cNvSpPr txBox="1"/>
+            <p:nvPr/>
+          </p:nvSpPr>
+          <p:spPr>
+            <a:xfrm>
+              <a:off x="3623731" y="873744"/>
+              <a:ext cx="510333" cy="276999"/>
+            </a:xfrm>
+            <a:prstGeom prst="rect">
+              <a:avLst/>
+            </a:prstGeom>
+            <a:noFill/>
+          </p:spPr>
+          <p:txBody>
+            <a:bodyPr wrap="none" rtlCol="0">
+              <a:spAutoFit/>
+            </a:bodyPr>
+            <a:lstStyle/>
+            <a:p>
+              <a:r>
+                <a:rPr lang="en-US" sz="1200" dirty="0" err="1">
+                  <a:latin typeface="+mj-lt"/>
+                  <a:cs typeface="Times New Roman" panose="02020603050405020304" pitchFamily="18" charset="0"/>
+                </a:rPr>
+                <a:t>wgBy</a:t>
+              </a:r>
+              <a:endParaRPr lang="en-US" sz="1200" dirty="0">
+                <a:latin typeface="+mj-lt"/>
+                <a:cs typeface="Times New Roman" panose="02020603050405020304" pitchFamily="18" charset="0"/>
+              </a:endParaRPr>
+            </a:p>
+          </p:txBody>
+        </p:sp>
+        <p:cxnSp>
+          <p:nvCxnSpPr>
+            <p:cNvPr id="55" name="Straight Arrow Connector 54">
+              <a:extLst>
+                <a:ext uri="{FF2B5EF4-FFF2-40B4-BE49-F238E27FC236}">
+                  <a16:creationId xmlns:a16="http://schemas.microsoft.com/office/drawing/2014/main" id="{256322CD-CB7B-EE43-B71C-7B87AC68DEAC}"/>
+                </a:ext>
+              </a:extLst>
+            </p:cNvPr>
+            <p:cNvCxnSpPr>
+              <a:stCxn id="30" idx="1"/>
+              <a:endCxn id="27" idx="6"/>
+            </p:cNvCxnSpPr>
+            <p:nvPr/>
+          </p:nvCxnSpPr>
+          <p:spPr>
+            <a:xfrm flipH="1">
+              <a:off x="4504048" y="265755"/>
+              <a:ext cx="493858" cy="887291"/>
+            </a:xfrm>
+            <a:prstGeom prst="straightConnector1">
+              <a:avLst/>
+            </a:prstGeom>
+            <a:ln w="25400">
+              <a:solidFill>
+                <a:schemeClr val="tx1"/>
+              </a:solidFill>
+              <a:tailEnd type="triangle"/>
+            </a:ln>
+          </p:spPr>
+          <p:style>
+            <a:lnRef idx="1">
+              <a:schemeClr val="accent1"/>
+            </a:lnRef>
+            <a:fillRef idx="0">
+              <a:schemeClr val="accent1"/>
+            </a:fillRef>
+            <a:effectRef idx="0">
+              <a:schemeClr val="accent1"/>
+            </a:effectRef>
+            <a:fontRef idx="minor">
+              <a:schemeClr val="tx1"/>
+            </a:fontRef>
+          </p:style>
+        </p:cxnSp>
+        <p:sp>
+          <p:nvSpPr>
+            <p:cNvPr id="309" name="TextBox 308">
+              <a:extLst>
+                <a:ext uri="{FF2B5EF4-FFF2-40B4-BE49-F238E27FC236}">
+                  <a16:creationId xmlns:a16="http://schemas.microsoft.com/office/drawing/2014/main" id="{C7593B29-7DB5-034C-9298-C368E82E9DF7}"/>
+                </a:ext>
+              </a:extLst>
+            </p:cNvPr>
+            <p:cNvSpPr txBox="1"/>
+            <p:nvPr/>
+          </p:nvSpPr>
+          <p:spPr>
+            <a:xfrm>
+              <a:off x="3610317" y="30129"/>
+              <a:ext cx="510333" cy="276999"/>
+            </a:xfrm>
+            <a:prstGeom prst="rect">
+              <a:avLst/>
+            </a:prstGeom>
+            <a:noFill/>
+          </p:spPr>
+          <p:txBody>
+            <a:bodyPr wrap="none" rtlCol="0">
+              <a:spAutoFit/>
+            </a:bodyPr>
+            <a:lstStyle/>
+            <a:p>
+              <a:r>
+                <a:rPr lang="en-US" sz="1200" dirty="0" err="1">
+                  <a:latin typeface="+mj-lt"/>
+                  <a:cs typeface="Times New Roman" panose="02020603050405020304" pitchFamily="18" charset="0"/>
+                </a:rPr>
+                <a:t>wgBy</a:t>
+              </a:r>
+              <a:endParaRPr lang="en-US" sz="1200" dirty="0">
+                <a:latin typeface="+mj-lt"/>
+                <a:cs typeface="Times New Roman" panose="02020603050405020304" pitchFamily="18" charset="0"/>
+              </a:endParaRPr>
+            </a:p>
+          </p:txBody>
+        </p:sp>
+        <p:sp>
+          <p:nvSpPr>
+            <p:cNvPr id="310" name="TextBox 309">
+              <a:extLst>
+                <a:ext uri="{FF2B5EF4-FFF2-40B4-BE49-F238E27FC236}">
+                  <a16:creationId xmlns:a16="http://schemas.microsoft.com/office/drawing/2014/main" id="{D3197F1D-47A0-9544-88F6-F8AEEF62C33A}"/>
+                </a:ext>
+              </a:extLst>
+            </p:cNvPr>
+            <p:cNvSpPr txBox="1"/>
+            <p:nvPr/>
+          </p:nvSpPr>
+          <p:spPr>
+            <a:xfrm>
+              <a:off x="4321772" y="514956"/>
+              <a:ext cx="482824" cy="276999"/>
+            </a:xfrm>
+            <a:prstGeom prst="rect">
+              <a:avLst/>
+            </a:prstGeom>
+            <a:noFill/>
+          </p:spPr>
+          <p:txBody>
+            <a:bodyPr wrap="none" rtlCol="0">
+              <a:spAutoFit/>
+            </a:bodyPr>
+            <a:lstStyle/>
+            <a:p>
+              <a:r>
+                <a:rPr lang="en-US" sz="1200" dirty="0">
+                  <a:latin typeface="+mj-lt"/>
+                  <a:cs typeface="Times New Roman" panose="02020603050405020304" pitchFamily="18" charset="0"/>
+                </a:rPr>
+                <a:t>used</a:t>
+              </a:r>
+            </a:p>
+          </p:txBody>
+        </p:sp>
+        <p:sp>
+          <p:nvSpPr>
+            <p:cNvPr id="4" name="TextBox 3">
+              <a:extLst>
+                <a:ext uri="{FF2B5EF4-FFF2-40B4-BE49-F238E27FC236}">
+                  <a16:creationId xmlns:a16="http://schemas.microsoft.com/office/drawing/2014/main" id="{7AEA98BA-0B5A-7146-96FE-5B5A0B2795FB}"/>
+                </a:ext>
+              </a:extLst>
+            </p:cNvPr>
+            <p:cNvSpPr txBox="1"/>
+            <p:nvPr/>
+          </p:nvSpPr>
+          <p:spPr>
+            <a:xfrm>
+              <a:off x="4122624" y="999183"/>
+              <a:ext cx="338554" cy="276999"/>
+            </a:xfrm>
+            <a:prstGeom prst="rect">
+              <a:avLst/>
+            </a:prstGeom>
+            <a:noFill/>
+          </p:spPr>
+          <p:txBody>
+            <a:bodyPr wrap="none" rtlCol="0">
+              <a:spAutoFit/>
+            </a:bodyPr>
+            <a:lstStyle/>
+            <a:p>
+              <a:r>
+                <a:rPr lang="en-US" sz="1200" dirty="0">
+                  <a:latin typeface="+mj-lt"/>
+                  <a:cs typeface="Times New Roman" panose="02020603050405020304" pitchFamily="18" charset="0"/>
+                </a:rPr>
+                <a:t>e5</a:t>
+              </a:r>
+            </a:p>
+          </p:txBody>
+        </p:sp>
+        <p:sp>
+          <p:nvSpPr>
+            <p:cNvPr id="81" name="Oval 80">
+              <a:extLst>
+                <a:ext uri="{FF2B5EF4-FFF2-40B4-BE49-F238E27FC236}">
+                  <a16:creationId xmlns:a16="http://schemas.microsoft.com/office/drawing/2014/main" id="{FE42A72C-73EA-2D41-A173-F01D8A59541A}"/>
+                </a:ext>
+              </a:extLst>
+            </p:cNvPr>
+            <p:cNvSpPr/>
+            <p:nvPr/>
+          </p:nvSpPr>
+          <p:spPr>
+            <a:xfrm>
+              <a:off x="4115561" y="947286"/>
+              <a:ext cx="394531" cy="394531"/>
+            </a:xfrm>
+            <a:prstGeom prst="ellipse">
+              <a:avLst/>
+            </a:prstGeom>
+            <a:noFill/>
+            <a:ln w="25400">
+              <a:solidFill>
+                <a:schemeClr val="tx1"/>
+              </a:solidFill>
+            </a:ln>
+          </p:spPr>
+          <p:style>
+            <a:lnRef idx="2">
+              <a:schemeClr val="accent1">
+                <a:shade val="50000"/>
+              </a:schemeClr>
+            </a:lnRef>
+            <a:fillRef idx="1">
+              <a:schemeClr val="accent1"/>
+            </a:fillRef>
+            <a:effectRef idx="0">
+              <a:schemeClr val="accent1"/>
+            </a:effectRef>
+            <a:fontRef idx="minor">
+              <a:schemeClr val="lt1"/>
+            </a:fontRef>
+          </p:style>
+          <p:txBody>
+            <a:bodyPr rot="0" spcFirstLastPara="0" vertOverflow="overflow" horzOverflow="overflow" vert="horz" wrap="square" lIns="56757" tIns="28378" rIns="56757" bIns="28378" numCol="1" spcCol="0" rtlCol="0" fromWordArt="0" anchor="ctr" anchorCtr="0" forceAA="0" compatLnSpc="1">
+              <a:prstTxWarp prst="textNoShape">
+                <a:avLst/>
+              </a:prstTxWarp>
+              <a:noAutofit/>
+            </a:bodyPr>
+            <a:lstStyle/>
+            <a:p>
+              <a:pPr algn="ctr"/>
+              <a:endParaRPr lang="en-US" sz="1200">
+                <a:latin typeface="+mj-lt"/>
+                <a:cs typeface="Times New Roman" panose="02020603050405020304" pitchFamily="18" charset="0"/>
+              </a:endParaRPr>
+            </a:p>
+          </p:txBody>
+        </p:sp>
+      </p:grpSp>
+      <p:grpSp>
+        <p:nvGrpSpPr>
+          <p:cNvPr id="12" name="Group 11">
+            <a:extLst>
+              <a:ext uri="{FF2B5EF4-FFF2-40B4-BE49-F238E27FC236}">
+                <a16:creationId xmlns:a16="http://schemas.microsoft.com/office/drawing/2014/main" id="{CC8438E2-84BD-534A-A6CA-57708EDA1A9F}"/>
+              </a:ext>
+            </a:extLst>
+          </p:cNvPr>
+          <p:cNvGrpSpPr/>
+          <p:nvPr/>
+        </p:nvGrpSpPr>
+        <p:grpSpPr>
+          <a:xfrm>
+            <a:off x="499833" y="2045694"/>
+            <a:ext cx="3846853" cy="1372774"/>
+            <a:chOff x="282804" y="2091387"/>
+            <a:chExt cx="3846853" cy="1372774"/>
+          </a:xfrm>
+        </p:grpSpPr>
+        <p:sp>
+          <p:nvSpPr>
+            <p:cNvPr id="84" name="Oval 83">
+              <a:extLst>
+                <a:ext uri="{FF2B5EF4-FFF2-40B4-BE49-F238E27FC236}">
+                  <a16:creationId xmlns:a16="http://schemas.microsoft.com/office/drawing/2014/main" id="{93E7DFE4-B9E1-2E4B-9646-5EDCB1EB3045}"/>
+                </a:ext>
+              </a:extLst>
+            </p:cNvPr>
+            <p:cNvSpPr/>
+            <p:nvPr/>
+          </p:nvSpPr>
+          <p:spPr>
+            <a:xfrm>
+              <a:off x="2012811" y="2191551"/>
+              <a:ext cx="394531" cy="394531"/>
+            </a:xfrm>
+            <a:prstGeom prst="ellipse">
+              <a:avLst/>
+            </a:prstGeom>
+            <a:solidFill>
+              <a:schemeClr val="accent3"/>
+            </a:solidFill>
+            <a:ln w="25400">
+              <a:solidFill>
+                <a:schemeClr val="tx1"/>
+              </a:solidFill>
+            </a:ln>
+          </p:spPr>
+          <p:style>
+            <a:lnRef idx="2">
+              <a:schemeClr val="accent1">
+                <a:shade val="50000"/>
+              </a:schemeClr>
+            </a:lnRef>
+            <a:fillRef idx="1">
+              <a:schemeClr val="accent1"/>
+            </a:fillRef>
+            <a:effectRef idx="0">
+              <a:schemeClr val="accent1"/>
+            </a:effectRef>
+            <a:fontRef idx="minor">
+              <a:schemeClr val="lt1"/>
+            </a:fontRef>
+          </p:style>
+          <p:txBody>
+            <a:bodyPr rot="0" spcFirstLastPara="0" vertOverflow="overflow" horzOverflow="overflow" vert="horz" wrap="square" lIns="56757" tIns="28378" rIns="56757" bIns="28378" numCol="1" spcCol="0" rtlCol="0" fromWordArt="0" anchor="ctr" anchorCtr="0" forceAA="0" compatLnSpc="1">
+              <a:prstTxWarp prst="textNoShape">
+                <a:avLst/>
+              </a:prstTxWarp>
+              <a:noAutofit/>
+            </a:bodyPr>
+            <a:lstStyle/>
+            <a:p>
+              <a:pPr algn="ctr"/>
+              <a:endParaRPr lang="en-US" sz="1200">
+                <a:latin typeface="+mj-lt"/>
+                <a:cs typeface="Times New Roman" panose="02020603050405020304" pitchFamily="18" charset="0"/>
+              </a:endParaRPr>
+            </a:p>
+          </p:txBody>
+        </p:sp>
+        <p:grpSp>
+          <p:nvGrpSpPr>
+            <p:cNvPr id="85" name="Group 84">
+              <a:extLst>
+                <a:ext uri="{FF2B5EF4-FFF2-40B4-BE49-F238E27FC236}">
+                  <a16:creationId xmlns:a16="http://schemas.microsoft.com/office/drawing/2014/main" id="{2E07A471-3194-D744-9486-D1B524A943BD}"/>
+                </a:ext>
+              </a:extLst>
+            </p:cNvPr>
+            <p:cNvGrpSpPr/>
+            <p:nvPr/>
+          </p:nvGrpSpPr>
+          <p:grpSpPr>
+            <a:xfrm>
+              <a:off x="290496" y="2207535"/>
+              <a:ext cx="363601" cy="394531"/>
+              <a:chOff x="1836752" y="4466258"/>
+              <a:chExt cx="363601" cy="394531"/>
+            </a:xfrm>
+            <a:solidFill>
+              <a:schemeClr val="accent3"/>
+            </a:solidFill>
+          </p:grpSpPr>
+          <p:sp>
+            <p:nvSpPr>
+              <p:cNvPr id="109" name="Rectangle 108">
+                <a:extLst>
+                  <a:ext uri="{FF2B5EF4-FFF2-40B4-BE49-F238E27FC236}">
+                    <a16:creationId xmlns:a16="http://schemas.microsoft.com/office/drawing/2014/main" id="{D055F7A2-0ACC-4F4C-8D4E-5F972C0DA305}"/>
+                  </a:ext>
+                </a:extLst>
+              </p:cNvPr>
+              <p:cNvSpPr/>
+              <p:nvPr/>
+            </p:nvSpPr>
+            <p:spPr>
+              <a:xfrm>
+                <a:off x="1836752" y="4466258"/>
+                <a:ext cx="363601" cy="394531"/>
+              </a:xfrm>
+              <a:prstGeom prst="rect">
+                <a:avLst/>
+              </a:prstGeom>
+              <a:solidFill>
+                <a:schemeClr val="bg1"/>
+              </a:solidFill>
+              <a:ln w="25400">
+                <a:solidFill>
+                  <a:schemeClr val="tx1"/>
+                </a:solidFill>
+              </a:ln>
+            </p:spPr>
+            <p:style>
+              <a:lnRef idx="2">
+                <a:schemeClr val="accent1">
+                  <a:shade val="50000"/>
+                </a:schemeClr>
+              </a:lnRef>
+              <a:fillRef idx="1">
+                <a:schemeClr val="accent1"/>
+              </a:fillRef>
+              <a:effectRef idx="0">
+                <a:schemeClr val="accent1"/>
+              </a:effectRef>
+              <a:fontRef idx="minor">
+                <a:schemeClr val="lt1"/>
+              </a:fontRef>
+            </p:style>
+            <p:txBody>
+              <a:bodyPr rot="0" spcFirstLastPara="0" vertOverflow="overflow" horzOverflow="overflow" vert="horz" wrap="square" lIns="56757" tIns="28378" rIns="56757" bIns="28378" numCol="1" spcCol="0" rtlCol="0" fromWordArt="0" anchor="ctr" anchorCtr="0" forceAA="0" compatLnSpc="1">
+                <a:prstTxWarp prst="textNoShape">
+                  <a:avLst/>
+                </a:prstTxWarp>
+                <a:noAutofit/>
+              </a:bodyPr>
+              <a:lstStyle/>
+              <a:p>
+                <a:pPr algn="ctr"/>
+                <a:endParaRPr lang="en-US" sz="1200">
+                  <a:latin typeface="+mj-lt"/>
+                  <a:cs typeface="Times New Roman" panose="02020603050405020304" pitchFamily="18" charset="0"/>
+                </a:endParaRPr>
+              </a:p>
+            </p:txBody>
+          </p:sp>
+          <p:sp>
+            <p:nvSpPr>
+              <p:cNvPr id="110" name="TextBox 109">
+                <a:extLst>
+                  <a:ext uri="{FF2B5EF4-FFF2-40B4-BE49-F238E27FC236}">
+                    <a16:creationId xmlns:a16="http://schemas.microsoft.com/office/drawing/2014/main" id="{71022879-CF69-CF41-A3F0-778BA2CF80F2}"/>
+                  </a:ext>
+                </a:extLst>
+              </p:cNvPr>
+              <p:cNvSpPr txBox="1"/>
+              <p:nvPr/>
+            </p:nvSpPr>
+            <p:spPr>
+              <a:xfrm>
+                <a:off x="1844565" y="4533426"/>
+                <a:ext cx="336952" cy="276999"/>
+              </a:xfrm>
+              <a:prstGeom prst="rect">
+                <a:avLst/>
+              </a:prstGeom>
+              <a:noFill/>
+            </p:spPr>
+            <p:txBody>
+              <a:bodyPr wrap="none" rtlCol="0">
+                <a:spAutoFit/>
+              </a:bodyPr>
+              <a:lstStyle/>
+              <a:p>
+                <a:r>
+                  <a:rPr lang="en-US" sz="1200" dirty="0">
+                    <a:latin typeface="+mj-lt"/>
+                    <a:cs typeface="Times New Roman" panose="02020603050405020304" pitchFamily="18" charset="0"/>
+                  </a:rPr>
+                  <a:t>a1</a:t>
+                </a:r>
+              </a:p>
+            </p:txBody>
+          </p:sp>
+        </p:grpSp>
+        <p:grpSp>
+          <p:nvGrpSpPr>
+            <p:cNvPr id="86" name="Group 85">
+              <a:extLst>
+                <a:ext uri="{FF2B5EF4-FFF2-40B4-BE49-F238E27FC236}">
+                  <a16:creationId xmlns:a16="http://schemas.microsoft.com/office/drawing/2014/main" id="{21EA7D45-2202-C24D-B168-6327C3AB42DA}"/>
+                </a:ext>
+              </a:extLst>
+            </p:cNvPr>
+            <p:cNvGrpSpPr/>
+            <p:nvPr/>
+          </p:nvGrpSpPr>
+          <p:grpSpPr>
+            <a:xfrm>
+              <a:off x="282804" y="3066573"/>
+              <a:ext cx="363601" cy="394531"/>
+              <a:chOff x="2658477" y="5322765"/>
+              <a:chExt cx="363601" cy="394531"/>
+            </a:xfrm>
+            <a:solidFill>
+              <a:schemeClr val="accent3"/>
+            </a:solidFill>
+          </p:grpSpPr>
+          <p:sp>
+            <p:nvSpPr>
+              <p:cNvPr id="107" name="Rectangle 106">
+                <a:extLst>
+                  <a:ext uri="{FF2B5EF4-FFF2-40B4-BE49-F238E27FC236}">
+                    <a16:creationId xmlns:a16="http://schemas.microsoft.com/office/drawing/2014/main" id="{D6040CA7-2E6B-AC44-A7B1-01148F864155}"/>
+                  </a:ext>
+                </a:extLst>
+              </p:cNvPr>
+              <p:cNvSpPr/>
+              <p:nvPr/>
+            </p:nvSpPr>
+            <p:spPr>
+              <a:xfrm>
+                <a:off x="2658477" y="5322765"/>
+                <a:ext cx="363601" cy="394531"/>
+              </a:xfrm>
+              <a:prstGeom prst="rect">
+                <a:avLst/>
+              </a:prstGeom>
+              <a:solidFill>
+                <a:schemeClr val="bg1"/>
+              </a:solidFill>
+              <a:ln w="25400">
+                <a:solidFill>
+                  <a:schemeClr val="tx1"/>
+                </a:solidFill>
+              </a:ln>
+            </p:spPr>
+            <p:style>
+              <a:lnRef idx="2">
+                <a:schemeClr val="accent1">
+                  <a:shade val="50000"/>
+                </a:schemeClr>
+              </a:lnRef>
+              <a:fillRef idx="1">
+                <a:schemeClr val="accent1"/>
+              </a:fillRef>
+              <a:effectRef idx="0">
+                <a:schemeClr val="accent1"/>
+              </a:effectRef>
+              <a:fontRef idx="minor">
+                <a:schemeClr val="lt1"/>
+              </a:fontRef>
+            </p:style>
+            <p:txBody>
+              <a:bodyPr rot="0" spcFirstLastPara="0" vertOverflow="overflow" horzOverflow="overflow" vert="horz" wrap="square" lIns="56757" tIns="28378" rIns="56757" bIns="28378" numCol="1" spcCol="0" rtlCol="0" fromWordArt="0" anchor="ctr" anchorCtr="0" forceAA="0" compatLnSpc="1">
+                <a:prstTxWarp prst="textNoShape">
+                  <a:avLst/>
+                </a:prstTxWarp>
+                <a:noAutofit/>
+              </a:bodyPr>
+              <a:lstStyle/>
+              <a:p>
+                <a:pPr algn="ctr"/>
+                <a:endParaRPr lang="en-US" sz="1200">
+                  <a:latin typeface="+mj-lt"/>
+                  <a:cs typeface="Times New Roman" panose="02020603050405020304" pitchFamily="18" charset="0"/>
+                </a:endParaRPr>
+              </a:p>
+            </p:txBody>
+          </p:sp>
+          <p:sp>
+            <p:nvSpPr>
+              <p:cNvPr id="108" name="TextBox 107">
+                <a:extLst>
+                  <a:ext uri="{FF2B5EF4-FFF2-40B4-BE49-F238E27FC236}">
+                    <a16:creationId xmlns:a16="http://schemas.microsoft.com/office/drawing/2014/main" id="{6BB8AEF6-1E6A-D741-B4F4-79E3059018F8}"/>
+                  </a:ext>
+                </a:extLst>
+              </p:cNvPr>
+              <p:cNvSpPr txBox="1"/>
+              <p:nvPr/>
+            </p:nvSpPr>
+            <p:spPr>
+              <a:xfrm>
+                <a:off x="2681287" y="5366576"/>
+                <a:ext cx="336952" cy="276999"/>
+              </a:xfrm>
+              <a:prstGeom prst="rect">
+                <a:avLst/>
+              </a:prstGeom>
+              <a:noFill/>
+            </p:spPr>
+            <p:txBody>
+              <a:bodyPr wrap="none" rtlCol="0">
+                <a:spAutoFit/>
+              </a:bodyPr>
+              <a:lstStyle/>
+              <a:p>
+                <a:r>
+                  <a:rPr lang="en-US" sz="1200" dirty="0">
+                    <a:latin typeface="+mj-lt"/>
+                    <a:cs typeface="Times New Roman" panose="02020603050405020304" pitchFamily="18" charset="0"/>
+                  </a:rPr>
+                  <a:t>a3</a:t>
+                </a:r>
+              </a:p>
+            </p:txBody>
+          </p:sp>
+        </p:grpSp>
+        <p:sp>
+          <p:nvSpPr>
+            <p:cNvPr id="87" name="TextBox 86">
+              <a:extLst>
+                <a:ext uri="{FF2B5EF4-FFF2-40B4-BE49-F238E27FC236}">
+                  <a16:creationId xmlns:a16="http://schemas.microsoft.com/office/drawing/2014/main" id="{C76CA6D7-377B-ED49-BDBE-D1085015D5D5}"/>
+                </a:ext>
+              </a:extLst>
+            </p:cNvPr>
+            <p:cNvSpPr txBox="1"/>
+            <p:nvPr/>
+          </p:nvSpPr>
+          <p:spPr>
+            <a:xfrm>
+              <a:off x="2042747" y="2244945"/>
+              <a:ext cx="373718" cy="276999"/>
+            </a:xfrm>
+            <a:prstGeom prst="rect">
+              <a:avLst/>
+            </a:prstGeom>
+            <a:noFill/>
+          </p:spPr>
+          <p:txBody>
+            <a:bodyPr wrap="square" rtlCol="0">
+              <a:spAutoFit/>
+            </a:bodyPr>
+            <a:lstStyle/>
+            <a:p>
+              <a:r>
+                <a:rPr lang="en-US" sz="1200" dirty="0">
+                  <a:latin typeface="+mj-lt"/>
+                  <a:cs typeface="Times New Roman" panose="02020603050405020304" pitchFamily="18" charset="0"/>
+                </a:rPr>
+                <a:t>e4</a:t>
+              </a:r>
+            </a:p>
+          </p:txBody>
+        </p:sp>
+        <p:sp>
+          <p:nvSpPr>
+            <p:cNvPr id="88" name="Oval 87">
+              <a:extLst>
+                <a:ext uri="{FF2B5EF4-FFF2-40B4-BE49-F238E27FC236}">
+                  <a16:creationId xmlns:a16="http://schemas.microsoft.com/office/drawing/2014/main" id="{CA28AC57-11CB-AB4D-BF75-154A3E132AE0}"/>
+                </a:ext>
+              </a:extLst>
+            </p:cNvPr>
+            <p:cNvSpPr/>
+            <p:nvPr/>
+          </p:nvSpPr>
+          <p:spPr>
+            <a:xfrm>
+              <a:off x="1997821" y="3069630"/>
+              <a:ext cx="394531" cy="394531"/>
+            </a:xfrm>
+            <a:prstGeom prst="ellipse">
+              <a:avLst/>
+            </a:prstGeom>
+            <a:noFill/>
+            <a:ln w="25400">
+              <a:solidFill>
+                <a:schemeClr val="tx1"/>
+              </a:solidFill>
+            </a:ln>
+          </p:spPr>
+          <p:style>
+            <a:lnRef idx="2">
+              <a:schemeClr val="accent1">
+                <a:shade val="50000"/>
+              </a:schemeClr>
+            </a:lnRef>
+            <a:fillRef idx="1">
+              <a:schemeClr val="accent1"/>
+            </a:fillRef>
+            <a:effectRef idx="0">
+              <a:schemeClr val="accent1"/>
+            </a:effectRef>
+            <a:fontRef idx="minor">
+              <a:schemeClr val="lt1"/>
+            </a:fontRef>
+          </p:style>
+          <p:txBody>
+            <a:bodyPr rot="0" spcFirstLastPara="0" vertOverflow="overflow" horzOverflow="overflow" vert="horz" wrap="square" lIns="56757" tIns="28378" rIns="56757" bIns="28378" numCol="1" spcCol="0" rtlCol="0" fromWordArt="0" anchor="ctr" anchorCtr="0" forceAA="0" compatLnSpc="1">
+              <a:prstTxWarp prst="textNoShape">
+                <a:avLst/>
+              </a:prstTxWarp>
+              <a:noAutofit/>
+            </a:bodyPr>
+            <a:lstStyle/>
+            <a:p>
+              <a:pPr algn="ctr"/>
+              <a:endParaRPr lang="en-US" sz="1200">
+                <a:latin typeface="+mj-lt"/>
+                <a:cs typeface="Times New Roman" panose="02020603050405020304" pitchFamily="18" charset="0"/>
+              </a:endParaRPr>
+            </a:p>
+          </p:txBody>
+        </p:sp>
+        <p:grpSp>
+          <p:nvGrpSpPr>
+            <p:cNvPr id="89" name="Group 88">
+              <a:extLst>
+                <a:ext uri="{FF2B5EF4-FFF2-40B4-BE49-F238E27FC236}">
+                  <a16:creationId xmlns:a16="http://schemas.microsoft.com/office/drawing/2014/main" id="{C7FB631A-CE47-DD47-A27E-3381D80474B1}"/>
+                </a:ext>
+              </a:extLst>
+            </p:cNvPr>
+            <p:cNvGrpSpPr/>
+            <p:nvPr/>
+          </p:nvGrpSpPr>
+          <p:grpSpPr>
+            <a:xfrm>
+              <a:off x="3766056" y="2191551"/>
+              <a:ext cx="363601" cy="394531"/>
+              <a:chOff x="2658477" y="4475009"/>
+              <a:chExt cx="363601" cy="394531"/>
+            </a:xfrm>
+            <a:solidFill>
+              <a:schemeClr val="accent3"/>
+            </a:solidFill>
+          </p:grpSpPr>
+          <p:sp>
+            <p:nvSpPr>
+              <p:cNvPr id="105" name="Rectangle 104">
+                <a:extLst>
+                  <a:ext uri="{FF2B5EF4-FFF2-40B4-BE49-F238E27FC236}">
+                    <a16:creationId xmlns:a16="http://schemas.microsoft.com/office/drawing/2014/main" id="{9BCD5A87-550A-C444-9FE1-E1BB125BD0DA}"/>
+                  </a:ext>
+                </a:extLst>
+              </p:cNvPr>
+              <p:cNvSpPr/>
+              <p:nvPr/>
+            </p:nvSpPr>
+            <p:spPr>
+              <a:xfrm>
+                <a:off x="2658477" y="4475009"/>
+                <a:ext cx="363601" cy="394531"/>
+              </a:xfrm>
+              <a:prstGeom prst="rect">
+                <a:avLst/>
+              </a:prstGeom>
+              <a:grpFill/>
+              <a:ln w="25400">
+                <a:solidFill>
+                  <a:schemeClr val="tx1"/>
+                </a:solidFill>
+              </a:ln>
+            </p:spPr>
+            <p:style>
+              <a:lnRef idx="2">
+                <a:schemeClr val="accent1">
+                  <a:shade val="50000"/>
+                </a:schemeClr>
+              </a:lnRef>
+              <a:fillRef idx="1">
+                <a:schemeClr val="accent1"/>
+              </a:fillRef>
+              <a:effectRef idx="0">
+                <a:schemeClr val="accent1"/>
+              </a:effectRef>
+              <a:fontRef idx="minor">
+                <a:schemeClr val="lt1"/>
+              </a:fontRef>
+            </p:style>
+            <p:txBody>
+              <a:bodyPr rot="0" spcFirstLastPara="0" vertOverflow="overflow" horzOverflow="overflow" vert="horz" wrap="square" lIns="56757" tIns="28378" rIns="56757" bIns="28378" numCol="1" spcCol="0" rtlCol="0" fromWordArt="0" anchor="ctr" anchorCtr="0" forceAA="0" compatLnSpc="1">
+                <a:prstTxWarp prst="textNoShape">
+                  <a:avLst/>
+                </a:prstTxWarp>
+                <a:noAutofit/>
+              </a:bodyPr>
+              <a:lstStyle/>
+              <a:p>
+                <a:pPr algn="ctr"/>
+                <a:endParaRPr lang="en-US" sz="1200">
+                  <a:latin typeface="+mj-lt"/>
+                  <a:cs typeface="Times New Roman" panose="02020603050405020304" pitchFamily="18" charset="0"/>
+                </a:endParaRPr>
+              </a:p>
+            </p:txBody>
+          </p:sp>
+          <p:sp>
+            <p:nvSpPr>
+              <p:cNvPr id="106" name="TextBox 105">
+                <a:extLst>
+                  <a:ext uri="{FF2B5EF4-FFF2-40B4-BE49-F238E27FC236}">
+                    <a16:creationId xmlns:a16="http://schemas.microsoft.com/office/drawing/2014/main" id="{D0DAA273-8D30-E649-BC89-FA1E01381184}"/>
+                  </a:ext>
+                </a:extLst>
+              </p:cNvPr>
+              <p:cNvSpPr txBox="1"/>
+              <p:nvPr/>
+            </p:nvSpPr>
+            <p:spPr>
+              <a:xfrm>
+                <a:off x="2675413" y="4498507"/>
+                <a:ext cx="336952" cy="276999"/>
+              </a:xfrm>
+              <a:prstGeom prst="rect">
+                <a:avLst/>
+              </a:prstGeom>
+              <a:noFill/>
+            </p:spPr>
+            <p:txBody>
+              <a:bodyPr wrap="none" rtlCol="0">
+                <a:spAutoFit/>
+              </a:bodyPr>
+              <a:lstStyle/>
+              <a:p>
+                <a:r>
+                  <a:rPr lang="en-US" sz="1200" dirty="0">
+                    <a:latin typeface="+mj-lt"/>
+                    <a:cs typeface="Times New Roman" panose="02020603050405020304" pitchFamily="18" charset="0"/>
+                  </a:rPr>
+                  <a:t>a2</a:t>
+                </a:r>
+              </a:p>
+            </p:txBody>
+          </p:sp>
+        </p:grpSp>
+        <p:grpSp>
+          <p:nvGrpSpPr>
+            <p:cNvPr id="90" name="Group 89">
+              <a:extLst>
+                <a:ext uri="{FF2B5EF4-FFF2-40B4-BE49-F238E27FC236}">
+                  <a16:creationId xmlns:a16="http://schemas.microsoft.com/office/drawing/2014/main" id="{6B66BDCA-8201-2D48-B56F-B5A8B22566B8}"/>
+                </a:ext>
+              </a:extLst>
+            </p:cNvPr>
+            <p:cNvGrpSpPr/>
+            <p:nvPr/>
+          </p:nvGrpSpPr>
+          <p:grpSpPr>
+            <a:xfrm>
+              <a:off x="3766055" y="3059937"/>
+              <a:ext cx="363601" cy="394531"/>
+              <a:chOff x="2658477" y="4455131"/>
+              <a:chExt cx="363601" cy="394531"/>
+            </a:xfrm>
+          </p:grpSpPr>
+          <p:sp>
+            <p:nvSpPr>
+              <p:cNvPr id="103" name="Rectangle 102">
+                <a:extLst>
+                  <a:ext uri="{FF2B5EF4-FFF2-40B4-BE49-F238E27FC236}">
+                    <a16:creationId xmlns:a16="http://schemas.microsoft.com/office/drawing/2014/main" id="{4431D1D8-C601-0046-815B-E59F5BCA9407}"/>
+                  </a:ext>
+                </a:extLst>
+              </p:cNvPr>
+              <p:cNvSpPr/>
+              <p:nvPr/>
+            </p:nvSpPr>
+            <p:spPr>
+              <a:xfrm>
+                <a:off x="2658477" y="4455131"/>
+                <a:ext cx="363601" cy="394531"/>
+              </a:xfrm>
+              <a:prstGeom prst="rect">
+                <a:avLst/>
+              </a:prstGeom>
+              <a:noFill/>
+              <a:ln w="25400">
+                <a:solidFill>
+                  <a:schemeClr val="tx1"/>
+                </a:solidFill>
+              </a:ln>
+            </p:spPr>
+            <p:style>
+              <a:lnRef idx="2">
+                <a:schemeClr val="accent1">
+                  <a:shade val="50000"/>
+                </a:schemeClr>
+              </a:lnRef>
+              <a:fillRef idx="1">
+                <a:schemeClr val="accent1"/>
+              </a:fillRef>
+              <a:effectRef idx="0">
+                <a:schemeClr val="accent1"/>
+              </a:effectRef>
+              <a:fontRef idx="minor">
+                <a:schemeClr val="lt1"/>
+              </a:fontRef>
+            </p:style>
+            <p:txBody>
+              <a:bodyPr rot="0" spcFirstLastPara="0" vertOverflow="overflow" horzOverflow="overflow" vert="horz" wrap="square" lIns="56757" tIns="28378" rIns="56757" bIns="28378" numCol="1" spcCol="0" rtlCol="0" fromWordArt="0" anchor="ctr" anchorCtr="0" forceAA="0" compatLnSpc="1">
+                <a:prstTxWarp prst="textNoShape">
+                  <a:avLst/>
+                </a:prstTxWarp>
+                <a:noAutofit/>
+              </a:bodyPr>
+              <a:lstStyle/>
+              <a:p>
+                <a:pPr algn="ctr"/>
+                <a:endParaRPr lang="en-US" sz="1200">
+                  <a:latin typeface="+mj-lt"/>
+                  <a:cs typeface="Times New Roman" panose="02020603050405020304" pitchFamily="18" charset="0"/>
+                </a:endParaRPr>
+              </a:p>
+            </p:txBody>
+          </p:sp>
+          <p:sp>
+            <p:nvSpPr>
+              <p:cNvPr id="104" name="TextBox 103">
+                <a:extLst>
+                  <a:ext uri="{FF2B5EF4-FFF2-40B4-BE49-F238E27FC236}">
+                    <a16:creationId xmlns:a16="http://schemas.microsoft.com/office/drawing/2014/main" id="{C8418997-11B2-A547-9D7A-7B49D1DAF3DD}"/>
+                  </a:ext>
+                </a:extLst>
+              </p:cNvPr>
+              <p:cNvSpPr txBox="1"/>
+              <p:nvPr/>
+            </p:nvSpPr>
+            <p:spPr>
+              <a:xfrm>
+                <a:off x="2674709" y="4491294"/>
+                <a:ext cx="336952" cy="276999"/>
+              </a:xfrm>
+              <a:prstGeom prst="rect">
+                <a:avLst/>
+              </a:prstGeom>
+              <a:noFill/>
+            </p:spPr>
+            <p:txBody>
+              <a:bodyPr wrap="none" rtlCol="0">
+                <a:spAutoFit/>
+              </a:bodyPr>
+              <a:lstStyle/>
+              <a:p>
+                <a:r>
+                  <a:rPr lang="en-US" sz="1200" dirty="0">
+                    <a:latin typeface="+mj-lt"/>
+                    <a:cs typeface="Times New Roman" panose="02020603050405020304" pitchFamily="18" charset="0"/>
+                  </a:rPr>
+                  <a:t>a4</a:t>
+                </a:r>
+              </a:p>
+            </p:txBody>
+          </p:sp>
+        </p:grpSp>
+        <p:cxnSp>
+          <p:nvCxnSpPr>
+            <p:cNvPr id="91" name="Straight Arrow Connector 90">
+              <a:extLst>
+                <a:ext uri="{FF2B5EF4-FFF2-40B4-BE49-F238E27FC236}">
+                  <a16:creationId xmlns:a16="http://schemas.microsoft.com/office/drawing/2014/main" id="{48078913-830C-A948-B86A-C23DC12FBDF2}"/>
+                </a:ext>
+              </a:extLst>
+            </p:cNvPr>
+            <p:cNvCxnSpPr>
+              <a:cxnSpLocks/>
+              <a:stCxn id="84" idx="2"/>
+              <a:endCxn id="109" idx="3"/>
+            </p:cNvCxnSpPr>
+            <p:nvPr/>
+          </p:nvCxnSpPr>
+          <p:spPr>
+            <a:xfrm flipH="1">
+              <a:off x="654097" y="2388817"/>
+              <a:ext cx="1358714" cy="15984"/>
+            </a:xfrm>
+            <a:prstGeom prst="straightConnector1">
+              <a:avLst/>
+            </a:prstGeom>
+            <a:ln w="25400">
+              <a:solidFill>
+                <a:schemeClr val="tx1"/>
+              </a:solidFill>
+              <a:tailEnd type="triangle"/>
+            </a:ln>
+          </p:spPr>
+          <p:style>
+            <a:lnRef idx="1">
+              <a:schemeClr val="accent1"/>
+            </a:lnRef>
+            <a:fillRef idx="0">
+              <a:schemeClr val="accent1"/>
+            </a:fillRef>
+            <a:effectRef idx="0">
+              <a:schemeClr val="accent1"/>
+            </a:effectRef>
+            <a:fontRef idx="minor">
+              <a:schemeClr val="tx1"/>
+            </a:fontRef>
+          </p:style>
+        </p:cxnSp>
+        <p:cxnSp>
+          <p:nvCxnSpPr>
+            <p:cNvPr id="92" name="Straight Arrow Connector 91">
+              <a:extLst>
+                <a:ext uri="{FF2B5EF4-FFF2-40B4-BE49-F238E27FC236}">
+                  <a16:creationId xmlns:a16="http://schemas.microsoft.com/office/drawing/2014/main" id="{875EF030-4A81-7442-9F82-696A5294191F}"/>
+                </a:ext>
+              </a:extLst>
+            </p:cNvPr>
+            <p:cNvCxnSpPr>
+              <a:cxnSpLocks/>
+              <a:stCxn id="101" idx="1"/>
+              <a:endCxn id="108" idx="3"/>
+            </p:cNvCxnSpPr>
+            <p:nvPr/>
+          </p:nvCxnSpPr>
+          <p:spPr>
+            <a:xfrm flipH="1" flipV="1">
+              <a:off x="642566" y="3248884"/>
+              <a:ext cx="1368362" cy="2649"/>
+            </a:xfrm>
+            <a:prstGeom prst="straightConnector1">
+              <a:avLst/>
+            </a:prstGeom>
+            <a:ln w="25400">
+              <a:solidFill>
+                <a:schemeClr val="tx1"/>
+              </a:solidFill>
+              <a:tailEnd type="triangle"/>
+            </a:ln>
+          </p:spPr>
+          <p:style>
+            <a:lnRef idx="1">
+              <a:schemeClr val="accent1"/>
+            </a:lnRef>
+            <a:fillRef idx="0">
+              <a:schemeClr val="accent1"/>
+            </a:fillRef>
+            <a:effectRef idx="0">
+              <a:schemeClr val="accent1"/>
+            </a:effectRef>
+            <a:fontRef idx="minor">
+              <a:schemeClr val="tx1"/>
+            </a:fontRef>
+          </p:style>
+        </p:cxnSp>
+        <p:cxnSp>
+          <p:nvCxnSpPr>
+            <p:cNvPr id="93" name="Straight Arrow Connector 92">
+              <a:extLst>
+                <a:ext uri="{FF2B5EF4-FFF2-40B4-BE49-F238E27FC236}">
+                  <a16:creationId xmlns:a16="http://schemas.microsoft.com/office/drawing/2014/main" id="{5E64DC01-1914-EB4D-AA12-941B2E13E16B}"/>
+                </a:ext>
+              </a:extLst>
+            </p:cNvPr>
+            <p:cNvCxnSpPr>
+              <a:cxnSpLocks/>
+              <a:stCxn id="105" idx="1"/>
+              <a:endCxn id="87" idx="3"/>
+            </p:cNvCxnSpPr>
+            <p:nvPr/>
+          </p:nvCxnSpPr>
+          <p:spPr>
+            <a:xfrm flipH="1" flipV="1">
+              <a:off x="2416465" y="2383445"/>
+              <a:ext cx="1349591" cy="5372"/>
+            </a:xfrm>
+            <a:prstGeom prst="straightConnector1">
+              <a:avLst/>
+            </a:prstGeom>
+            <a:ln w="25400">
+              <a:solidFill>
+                <a:schemeClr val="tx1"/>
+              </a:solidFill>
+              <a:tailEnd type="triangle"/>
+            </a:ln>
+          </p:spPr>
+          <p:style>
+            <a:lnRef idx="1">
+              <a:schemeClr val="accent1"/>
+            </a:lnRef>
+            <a:fillRef idx="0">
+              <a:schemeClr val="accent1"/>
+            </a:fillRef>
+            <a:effectRef idx="0">
+              <a:schemeClr val="accent1"/>
+            </a:effectRef>
+            <a:fontRef idx="minor">
+              <a:schemeClr val="tx1"/>
+            </a:fontRef>
+          </p:style>
+        </p:cxnSp>
+        <p:cxnSp>
+          <p:nvCxnSpPr>
+            <p:cNvPr id="94" name="Straight Arrow Connector 93">
+              <a:extLst>
+                <a:ext uri="{FF2B5EF4-FFF2-40B4-BE49-F238E27FC236}">
+                  <a16:creationId xmlns:a16="http://schemas.microsoft.com/office/drawing/2014/main" id="{913E9441-2124-6A45-95A4-2BBBF0436E21}"/>
+                </a:ext>
+              </a:extLst>
+            </p:cNvPr>
+            <p:cNvCxnSpPr>
+              <a:stCxn id="103" idx="1"/>
+              <a:endCxn id="88" idx="6"/>
+            </p:cNvCxnSpPr>
+            <p:nvPr/>
+          </p:nvCxnSpPr>
+          <p:spPr>
+            <a:xfrm flipH="1">
+              <a:off x="2392352" y="3257203"/>
+              <a:ext cx="1373703" cy="9693"/>
+            </a:xfrm>
+            <a:prstGeom prst="straightConnector1">
+              <a:avLst/>
+            </a:prstGeom>
+            <a:ln w="25400">
+              <a:solidFill>
+                <a:schemeClr val="tx1"/>
+              </a:solidFill>
+              <a:tailEnd type="triangle"/>
+            </a:ln>
+          </p:spPr>
+          <p:style>
+            <a:lnRef idx="1">
+              <a:schemeClr val="accent1"/>
+            </a:lnRef>
+            <a:fillRef idx="0">
+              <a:schemeClr val="accent1"/>
+            </a:fillRef>
+            <a:effectRef idx="0">
+              <a:schemeClr val="accent1"/>
+            </a:effectRef>
+            <a:fontRef idx="minor">
+              <a:schemeClr val="tx1"/>
+            </a:fontRef>
+          </p:style>
+        </p:cxnSp>
+        <p:sp>
+          <p:nvSpPr>
+            <p:cNvPr id="96" name="TextBox 95">
+              <a:extLst>
+                <a:ext uri="{FF2B5EF4-FFF2-40B4-BE49-F238E27FC236}">
+                  <a16:creationId xmlns:a16="http://schemas.microsoft.com/office/drawing/2014/main" id="{B4DA1146-8A59-8E40-8A85-CC88D4E9828B}"/>
+                </a:ext>
+              </a:extLst>
+            </p:cNvPr>
+            <p:cNvSpPr txBox="1"/>
+            <p:nvPr/>
+          </p:nvSpPr>
+          <p:spPr>
+            <a:xfrm>
+              <a:off x="2939147" y="3013129"/>
+              <a:ext cx="479618" cy="276999"/>
+            </a:xfrm>
+            <a:prstGeom prst="rect">
+              <a:avLst/>
+            </a:prstGeom>
+            <a:noFill/>
+          </p:spPr>
+          <p:txBody>
+            <a:bodyPr wrap="none" rtlCol="0">
+              <a:spAutoFit/>
+            </a:bodyPr>
+            <a:lstStyle/>
+            <a:p>
+              <a:r>
+                <a:rPr lang="en-US" sz="1200" dirty="0">
+                  <a:latin typeface="+mj-lt"/>
+                  <a:cs typeface="Times New Roman" panose="02020603050405020304" pitchFamily="18" charset="0"/>
+                </a:rPr>
+                <a:t>used</a:t>
+              </a:r>
+            </a:p>
+          </p:txBody>
+        </p:sp>
+        <p:sp>
+          <p:nvSpPr>
+            <p:cNvPr id="97" name="TextBox 96">
+              <a:extLst>
+                <a:ext uri="{FF2B5EF4-FFF2-40B4-BE49-F238E27FC236}">
+                  <a16:creationId xmlns:a16="http://schemas.microsoft.com/office/drawing/2014/main" id="{08D24B98-AD48-3E45-9AA2-D902F8C180BC}"/>
+                </a:ext>
+              </a:extLst>
+            </p:cNvPr>
+            <p:cNvSpPr txBox="1"/>
+            <p:nvPr/>
+          </p:nvSpPr>
+          <p:spPr>
+            <a:xfrm>
+              <a:off x="1053857" y="2917182"/>
+              <a:ext cx="510333" cy="276999"/>
+            </a:xfrm>
+            <a:prstGeom prst="rect">
+              <a:avLst/>
+            </a:prstGeom>
+            <a:noFill/>
+          </p:spPr>
+          <p:txBody>
+            <a:bodyPr wrap="square" rtlCol="0">
+              <a:spAutoFit/>
+            </a:bodyPr>
+            <a:lstStyle/>
+            <a:p>
+              <a:r>
+                <a:rPr lang="en-US" sz="1200" dirty="0" err="1">
+                  <a:latin typeface="+mj-lt"/>
+                  <a:cs typeface="Times New Roman" panose="02020603050405020304" pitchFamily="18" charset="0"/>
+                </a:rPr>
+                <a:t>wgBy</a:t>
+              </a:r>
+              <a:endParaRPr lang="en-US" sz="1200" dirty="0">
+                <a:latin typeface="+mj-lt"/>
+                <a:cs typeface="Times New Roman" panose="02020603050405020304" pitchFamily="18" charset="0"/>
+              </a:endParaRPr>
+            </a:p>
+          </p:txBody>
+        </p:sp>
+        <p:cxnSp>
+          <p:nvCxnSpPr>
+            <p:cNvPr id="98" name="Straight Arrow Connector 97">
+              <a:extLst>
+                <a:ext uri="{FF2B5EF4-FFF2-40B4-BE49-F238E27FC236}">
+                  <a16:creationId xmlns:a16="http://schemas.microsoft.com/office/drawing/2014/main" id="{4E6FF630-186F-AD46-BEEF-7C8A73EE25CC}"/>
+                </a:ext>
+              </a:extLst>
+            </p:cNvPr>
+            <p:cNvCxnSpPr>
+              <a:stCxn id="105" idx="1"/>
+              <a:endCxn id="88" idx="6"/>
+            </p:cNvCxnSpPr>
+            <p:nvPr/>
+          </p:nvCxnSpPr>
+          <p:spPr>
+            <a:xfrm flipH="1">
+              <a:off x="2392352" y="2388817"/>
+              <a:ext cx="1373704" cy="878079"/>
+            </a:xfrm>
+            <a:prstGeom prst="straightConnector1">
+              <a:avLst/>
+            </a:prstGeom>
+            <a:ln w="25400">
+              <a:solidFill>
+                <a:schemeClr val="tx1"/>
+              </a:solidFill>
+              <a:tailEnd type="triangle"/>
+            </a:ln>
+          </p:spPr>
+          <p:style>
+            <a:lnRef idx="1">
+              <a:schemeClr val="accent1"/>
+            </a:lnRef>
+            <a:fillRef idx="0">
+              <a:schemeClr val="accent1"/>
+            </a:fillRef>
+            <a:effectRef idx="0">
+              <a:schemeClr val="accent1"/>
+            </a:effectRef>
+            <a:fontRef idx="minor">
+              <a:schemeClr val="tx1"/>
+            </a:fontRef>
+          </p:style>
+        </p:cxnSp>
+        <p:sp>
+          <p:nvSpPr>
+            <p:cNvPr id="100" name="TextBox 99">
+              <a:extLst>
+                <a:ext uri="{FF2B5EF4-FFF2-40B4-BE49-F238E27FC236}">
+                  <a16:creationId xmlns:a16="http://schemas.microsoft.com/office/drawing/2014/main" id="{8B13B861-7EE2-6641-9EF9-9A1980ECEE45}"/>
+                </a:ext>
+              </a:extLst>
+            </p:cNvPr>
+            <p:cNvSpPr txBox="1"/>
+            <p:nvPr/>
+          </p:nvSpPr>
+          <p:spPr>
+            <a:xfrm>
+              <a:off x="2663386" y="2601991"/>
+              <a:ext cx="482824" cy="276999"/>
+            </a:xfrm>
+            <a:prstGeom prst="rect">
+              <a:avLst/>
+            </a:prstGeom>
+            <a:noFill/>
+          </p:spPr>
+          <p:txBody>
+            <a:bodyPr wrap="none" rtlCol="0">
+              <a:spAutoFit/>
+            </a:bodyPr>
+            <a:lstStyle/>
+            <a:p>
+              <a:r>
+                <a:rPr lang="en-US" sz="1200" dirty="0">
+                  <a:latin typeface="+mj-lt"/>
+                  <a:cs typeface="Times New Roman" panose="02020603050405020304" pitchFamily="18" charset="0"/>
+                </a:rPr>
+                <a:t>used</a:t>
+              </a:r>
+            </a:p>
+          </p:txBody>
+        </p:sp>
+        <p:sp>
+          <p:nvSpPr>
+            <p:cNvPr id="101" name="TextBox 100">
+              <a:extLst>
+                <a:ext uri="{FF2B5EF4-FFF2-40B4-BE49-F238E27FC236}">
+                  <a16:creationId xmlns:a16="http://schemas.microsoft.com/office/drawing/2014/main" id="{62F32FA4-05E9-0548-820F-91ECE18F8593}"/>
+                </a:ext>
+              </a:extLst>
+            </p:cNvPr>
+            <p:cNvSpPr txBox="1"/>
+            <p:nvPr/>
+          </p:nvSpPr>
+          <p:spPr>
+            <a:xfrm>
+              <a:off x="2010928" y="3113033"/>
+              <a:ext cx="338554" cy="276999"/>
+            </a:xfrm>
+            <a:prstGeom prst="rect">
+              <a:avLst/>
+            </a:prstGeom>
+            <a:noFill/>
+          </p:spPr>
+          <p:txBody>
+            <a:bodyPr wrap="none" rtlCol="0">
+              <a:spAutoFit/>
+            </a:bodyPr>
+            <a:lstStyle/>
+            <a:p>
+              <a:r>
+                <a:rPr lang="en-US" sz="1200" dirty="0">
+                  <a:latin typeface="+mj-lt"/>
+                  <a:cs typeface="Times New Roman" panose="02020603050405020304" pitchFamily="18" charset="0"/>
+                </a:rPr>
+                <a:t>e5</a:t>
+              </a:r>
+            </a:p>
+          </p:txBody>
+        </p:sp>
+        <p:sp>
+          <p:nvSpPr>
+            <p:cNvPr id="102" name="Oval 101">
+              <a:extLst>
+                <a:ext uri="{FF2B5EF4-FFF2-40B4-BE49-F238E27FC236}">
+                  <a16:creationId xmlns:a16="http://schemas.microsoft.com/office/drawing/2014/main" id="{C21A5A8F-5180-B643-86F2-B91A19C77890}"/>
+                </a:ext>
+              </a:extLst>
+            </p:cNvPr>
+            <p:cNvSpPr/>
+            <p:nvPr/>
+          </p:nvSpPr>
+          <p:spPr>
+            <a:xfrm>
+              <a:off x="2003865" y="3061136"/>
+              <a:ext cx="394531" cy="394531"/>
+            </a:xfrm>
+            <a:prstGeom prst="ellipse">
+              <a:avLst/>
+            </a:prstGeom>
+            <a:noFill/>
+            <a:ln w="25400">
+              <a:solidFill>
+                <a:schemeClr val="tx1"/>
+              </a:solidFill>
+            </a:ln>
+          </p:spPr>
+          <p:style>
+            <a:lnRef idx="2">
+              <a:schemeClr val="accent1">
+                <a:shade val="50000"/>
+              </a:schemeClr>
+            </a:lnRef>
+            <a:fillRef idx="1">
+              <a:schemeClr val="accent1"/>
+            </a:fillRef>
+            <a:effectRef idx="0">
+              <a:schemeClr val="accent1"/>
+            </a:effectRef>
+            <a:fontRef idx="minor">
+              <a:schemeClr val="lt1"/>
+            </a:fontRef>
+          </p:style>
+          <p:txBody>
+            <a:bodyPr rot="0" spcFirstLastPara="0" vertOverflow="overflow" horzOverflow="overflow" vert="horz" wrap="square" lIns="56757" tIns="28378" rIns="56757" bIns="28378" numCol="1" spcCol="0" rtlCol="0" fromWordArt="0" anchor="ctr" anchorCtr="0" forceAA="0" compatLnSpc="1">
+              <a:prstTxWarp prst="textNoShape">
+                <a:avLst/>
+              </a:prstTxWarp>
+              <a:noAutofit/>
+            </a:bodyPr>
+            <a:lstStyle/>
+            <a:p>
+              <a:pPr algn="ctr"/>
+              <a:endParaRPr lang="en-US" sz="1200">
+                <a:latin typeface="+mj-lt"/>
+                <a:cs typeface="Times New Roman" panose="02020603050405020304" pitchFamily="18" charset="0"/>
+              </a:endParaRPr>
+            </a:p>
+          </p:txBody>
+        </p:sp>
+        <p:sp>
+          <p:nvSpPr>
+            <p:cNvPr id="111" name="TextBox 110">
+              <a:extLst>
+                <a:ext uri="{FF2B5EF4-FFF2-40B4-BE49-F238E27FC236}">
+                  <a16:creationId xmlns:a16="http://schemas.microsoft.com/office/drawing/2014/main" id="{FDF135CD-A741-074F-A0CE-4D717B7E8697}"/>
+                </a:ext>
+              </a:extLst>
+            </p:cNvPr>
+            <p:cNvSpPr txBox="1"/>
+            <p:nvPr/>
+          </p:nvSpPr>
+          <p:spPr>
+            <a:xfrm>
+              <a:off x="782484" y="2091387"/>
+              <a:ext cx="1222514" cy="276999"/>
+            </a:xfrm>
+            <a:prstGeom prst="rect">
+              <a:avLst/>
+            </a:prstGeom>
+            <a:noFill/>
+          </p:spPr>
+          <p:txBody>
+            <a:bodyPr wrap="none" rtlCol="0">
+              <a:spAutoFit/>
+            </a:bodyPr>
+            <a:lstStyle/>
+            <a:p>
+              <a:r>
+                <a:rPr lang="en-US" sz="1200" dirty="0" err="1">
+                  <a:latin typeface="+mj-lt"/>
+                  <a:cs typeface="Times New Roman" panose="02020603050405020304" pitchFamily="18" charset="0"/>
+                </a:rPr>
+                <a:t>wasInfluencedBy</a:t>
+              </a:r>
+              <a:endParaRPr lang="en-US" sz="1200" dirty="0">
+                <a:latin typeface="+mj-lt"/>
+                <a:cs typeface="Times New Roman" panose="02020603050405020304" pitchFamily="18" charset="0"/>
+              </a:endParaRPr>
+            </a:p>
+          </p:txBody>
+        </p:sp>
+      </p:grpSp>
+      <p:sp>
+        <p:nvSpPr>
+          <p:cNvPr id="116" name="Rectangle 115">
+            <a:extLst>
+              <a:ext uri="{FF2B5EF4-FFF2-40B4-BE49-F238E27FC236}">
+                <a16:creationId xmlns:a16="http://schemas.microsoft.com/office/drawing/2014/main" id="{1C6D60F8-87B4-9349-9F94-68FF8C9DC93B}"/>
+              </a:ext>
+            </a:extLst>
+          </p:cNvPr>
+          <p:cNvSpPr/>
+          <p:nvPr/>
+        </p:nvSpPr>
+        <p:spPr>
+          <a:xfrm>
+            <a:off x="1661218" y="3926786"/>
+            <a:ext cx="744819" cy="276999"/>
+          </a:xfrm>
+          <a:prstGeom prst="rect">
+            <a:avLst/>
+          </a:prstGeom>
+        </p:spPr>
+        <p:txBody>
+          <a:bodyPr wrap="none">
+            <a:spAutoFit/>
+          </a:bodyPr>
+          <a:lstStyle/>
+          <a:p>
+            <a:pPr lvl="0"/>
+            <a:r>
+              <a:rPr lang="en-US" sz="1200" i="1" dirty="0">
+                <a:solidFill>
+                  <a:prstClr val="black"/>
+                </a:solidFill>
+                <a:latin typeface="Times New Roman" panose="02020603050405020304" pitchFamily="18" charset="0"/>
+                <a:cs typeface="Times New Roman" panose="02020603050405020304" pitchFamily="18" charset="0"/>
+              </a:rPr>
+              <a:t>(replace)</a:t>
+            </a:r>
+          </a:p>
+        </p:txBody>
+      </p:sp>
+      <p:sp>
+        <p:nvSpPr>
+          <p:cNvPr id="117" name="Right Arrow 116">
+            <a:extLst>
+              <a:ext uri="{FF2B5EF4-FFF2-40B4-BE49-F238E27FC236}">
+                <a16:creationId xmlns:a16="http://schemas.microsoft.com/office/drawing/2014/main" id="{DBAEFDC7-B089-A34D-9433-44345B865A1E}"/>
+              </a:ext>
+            </a:extLst>
+          </p:cNvPr>
+          <p:cNvSpPr/>
+          <p:nvPr/>
+        </p:nvSpPr>
+        <p:spPr>
+          <a:xfrm rot="5400000">
+            <a:off x="2349123" y="3876375"/>
+            <a:ext cx="434774" cy="435595"/>
+          </a:xfrm>
+          <a:prstGeom prst="rightArrow">
+            <a:avLst/>
+          </a:prstGeom>
+          <a:solidFill>
+            <a:schemeClr val="accent2"/>
+          </a:solidFill>
+          <a:effectLst>
+            <a:outerShdw blurRad="50800" dist="38100" dir="2700000" algn="tl" rotWithShape="0">
+              <a:prstClr val="black">
+                <a:alpha val="40000"/>
+              </a:prstClr>
+            </a:outerShdw>
+          </a:effectLst>
+        </p:spPr>
+        <p:style>
+          <a:lnRef idx="2">
+            <a:schemeClr val="accent1">
+              <a:shade val="50000"/>
+            </a:schemeClr>
+          </a:lnRef>
+          <a:fillRef idx="1">
+            <a:schemeClr val="accent1"/>
+          </a:fillRef>
+          <a:effectRef idx="0">
+            <a:schemeClr val="accent1"/>
+          </a:effectRef>
+          <a:fontRef idx="minor">
+            <a:schemeClr val="lt1"/>
+          </a:fontRef>
+        </p:style>
+        <p:txBody>
+          <a:bodyPr rtlCol="0" anchor="ctr"/>
+          <a:lstStyle/>
+          <a:p>
+            <a:pPr algn="ctr"/>
+            <a:endParaRPr lang="en-US" dirty="0"/>
+          </a:p>
+        </p:txBody>
+      </p:sp>
+      <p:grpSp>
+        <p:nvGrpSpPr>
+          <p:cNvPr id="19" name="Group 18">
+            <a:extLst>
+              <a:ext uri="{FF2B5EF4-FFF2-40B4-BE49-F238E27FC236}">
+                <a16:creationId xmlns:a16="http://schemas.microsoft.com/office/drawing/2014/main" id="{70AFDD25-C808-5F46-BD87-BE8860652B70}"/>
+              </a:ext>
+            </a:extLst>
+          </p:cNvPr>
+          <p:cNvGrpSpPr/>
+          <p:nvPr/>
+        </p:nvGrpSpPr>
+        <p:grpSpPr>
+          <a:xfrm>
+            <a:off x="525859" y="4467792"/>
+            <a:ext cx="3915022" cy="1372670"/>
+            <a:chOff x="265882" y="4261604"/>
+            <a:chExt cx="3915022" cy="1372670"/>
+          </a:xfrm>
+        </p:grpSpPr>
+        <p:grpSp>
+          <p:nvGrpSpPr>
+            <p:cNvPr id="119" name="Group 118">
+              <a:extLst>
+                <a:ext uri="{FF2B5EF4-FFF2-40B4-BE49-F238E27FC236}">
+                  <a16:creationId xmlns:a16="http://schemas.microsoft.com/office/drawing/2014/main" id="{16A2B703-BB93-9445-95D0-108974AB8E61}"/>
+                </a:ext>
+              </a:extLst>
+            </p:cNvPr>
+            <p:cNvGrpSpPr/>
+            <p:nvPr/>
+          </p:nvGrpSpPr>
+          <p:grpSpPr>
+            <a:xfrm>
+              <a:off x="273574" y="4377648"/>
+              <a:ext cx="363601" cy="394531"/>
+              <a:chOff x="1836752" y="4466258"/>
+              <a:chExt cx="363601" cy="394531"/>
+            </a:xfrm>
+            <a:solidFill>
+              <a:schemeClr val="accent3"/>
+            </a:solidFill>
+          </p:grpSpPr>
+          <p:sp>
+            <p:nvSpPr>
+              <p:cNvPr id="120" name="Rectangle 119">
+                <a:extLst>
+                  <a:ext uri="{FF2B5EF4-FFF2-40B4-BE49-F238E27FC236}">
+                    <a16:creationId xmlns:a16="http://schemas.microsoft.com/office/drawing/2014/main" id="{F31E6440-FD0B-9943-BE17-E6AF44C92637}"/>
+                  </a:ext>
+                </a:extLst>
+              </p:cNvPr>
+              <p:cNvSpPr/>
+              <p:nvPr/>
+            </p:nvSpPr>
+            <p:spPr>
+              <a:xfrm>
+                <a:off x="1836752" y="4466258"/>
+                <a:ext cx="363601" cy="394531"/>
+              </a:xfrm>
+              <a:prstGeom prst="rect">
+                <a:avLst/>
+              </a:prstGeom>
+              <a:solidFill>
+                <a:schemeClr val="bg1"/>
+              </a:solidFill>
+              <a:ln w="25400">
+                <a:solidFill>
+                  <a:schemeClr val="tx1"/>
+                </a:solidFill>
+              </a:ln>
+            </p:spPr>
+            <p:style>
+              <a:lnRef idx="2">
+                <a:schemeClr val="accent1">
+                  <a:shade val="50000"/>
+                </a:schemeClr>
+              </a:lnRef>
+              <a:fillRef idx="1">
+                <a:schemeClr val="accent1"/>
+              </a:fillRef>
+              <a:effectRef idx="0">
+                <a:schemeClr val="accent1"/>
+              </a:effectRef>
+              <a:fontRef idx="minor">
+                <a:schemeClr val="lt1"/>
+              </a:fontRef>
+            </p:style>
+            <p:txBody>
+              <a:bodyPr rot="0" spcFirstLastPara="0" vertOverflow="overflow" horzOverflow="overflow" vert="horz" wrap="square" lIns="56757" tIns="28378" rIns="56757" bIns="28378" numCol="1" spcCol="0" rtlCol="0" fromWordArt="0" anchor="ctr" anchorCtr="0" forceAA="0" compatLnSpc="1">
+                <a:prstTxWarp prst="textNoShape">
+                  <a:avLst/>
+                </a:prstTxWarp>
+                <a:noAutofit/>
+              </a:bodyPr>
+              <a:lstStyle/>
+              <a:p>
+                <a:pPr algn="ctr"/>
+                <a:endParaRPr lang="en-US" sz="1200">
+                  <a:latin typeface="+mj-lt"/>
+                  <a:cs typeface="Times New Roman" panose="02020603050405020304" pitchFamily="18" charset="0"/>
+                </a:endParaRPr>
+              </a:p>
+            </p:txBody>
+          </p:sp>
+          <p:sp>
+            <p:nvSpPr>
+              <p:cNvPr id="121" name="TextBox 120">
+                <a:extLst>
+                  <a:ext uri="{FF2B5EF4-FFF2-40B4-BE49-F238E27FC236}">
+                    <a16:creationId xmlns:a16="http://schemas.microsoft.com/office/drawing/2014/main" id="{7C3DB12B-4B54-9443-9A47-110266CAA6DA}"/>
+                  </a:ext>
+                </a:extLst>
+              </p:cNvPr>
+              <p:cNvSpPr txBox="1"/>
+              <p:nvPr/>
+            </p:nvSpPr>
+            <p:spPr>
+              <a:xfrm>
+                <a:off x="1844565" y="4533426"/>
+                <a:ext cx="336952" cy="276999"/>
+              </a:xfrm>
+              <a:prstGeom prst="rect">
+                <a:avLst/>
+              </a:prstGeom>
+              <a:noFill/>
+            </p:spPr>
+            <p:txBody>
+              <a:bodyPr wrap="none" rtlCol="0">
+                <a:spAutoFit/>
+              </a:bodyPr>
+              <a:lstStyle/>
+              <a:p>
+                <a:r>
+                  <a:rPr lang="en-US" sz="1200" dirty="0">
+                    <a:latin typeface="+mj-lt"/>
+                    <a:cs typeface="Times New Roman" panose="02020603050405020304" pitchFamily="18" charset="0"/>
+                  </a:rPr>
+                  <a:t>a1</a:t>
+                </a:r>
+              </a:p>
+            </p:txBody>
+          </p:sp>
+        </p:grpSp>
+        <p:grpSp>
+          <p:nvGrpSpPr>
+            <p:cNvPr id="122" name="Group 121">
+              <a:extLst>
+                <a:ext uri="{FF2B5EF4-FFF2-40B4-BE49-F238E27FC236}">
+                  <a16:creationId xmlns:a16="http://schemas.microsoft.com/office/drawing/2014/main" id="{5DFE6BF3-D1EC-014A-BD96-4AB518AC8287}"/>
+                </a:ext>
+              </a:extLst>
+            </p:cNvPr>
+            <p:cNvGrpSpPr/>
+            <p:nvPr/>
+          </p:nvGrpSpPr>
+          <p:grpSpPr>
+            <a:xfrm>
+              <a:off x="265882" y="5236686"/>
+              <a:ext cx="363601" cy="394531"/>
+              <a:chOff x="2658477" y="5322765"/>
+              <a:chExt cx="363601" cy="394531"/>
+            </a:xfrm>
+            <a:solidFill>
+              <a:schemeClr val="accent3"/>
+            </a:solidFill>
+          </p:grpSpPr>
+          <p:sp>
+            <p:nvSpPr>
+              <p:cNvPr id="123" name="Rectangle 122">
+                <a:extLst>
+                  <a:ext uri="{FF2B5EF4-FFF2-40B4-BE49-F238E27FC236}">
+                    <a16:creationId xmlns:a16="http://schemas.microsoft.com/office/drawing/2014/main" id="{DBBA6D92-96F2-B642-A101-1A3CC69BAE80}"/>
+                  </a:ext>
+                </a:extLst>
+              </p:cNvPr>
+              <p:cNvSpPr/>
+              <p:nvPr/>
+            </p:nvSpPr>
+            <p:spPr>
+              <a:xfrm>
+                <a:off x="2658477" y="5322765"/>
+                <a:ext cx="363601" cy="394531"/>
+              </a:xfrm>
+              <a:prstGeom prst="rect">
+                <a:avLst/>
+              </a:prstGeom>
+              <a:solidFill>
+                <a:schemeClr val="bg1"/>
+              </a:solidFill>
+              <a:ln w="25400">
+                <a:solidFill>
+                  <a:schemeClr val="tx1"/>
+                </a:solidFill>
+              </a:ln>
+            </p:spPr>
+            <p:style>
+              <a:lnRef idx="2">
+                <a:schemeClr val="accent1">
+                  <a:shade val="50000"/>
+                </a:schemeClr>
+              </a:lnRef>
+              <a:fillRef idx="1">
+                <a:schemeClr val="accent1"/>
+              </a:fillRef>
+              <a:effectRef idx="0">
+                <a:schemeClr val="accent1"/>
+              </a:effectRef>
+              <a:fontRef idx="minor">
+                <a:schemeClr val="lt1"/>
+              </a:fontRef>
+            </p:style>
+            <p:txBody>
+              <a:bodyPr rot="0" spcFirstLastPara="0" vertOverflow="overflow" horzOverflow="overflow" vert="horz" wrap="square" lIns="56757" tIns="28378" rIns="56757" bIns="28378" numCol="1" spcCol="0" rtlCol="0" fromWordArt="0" anchor="ctr" anchorCtr="0" forceAA="0" compatLnSpc="1">
+                <a:prstTxWarp prst="textNoShape">
+                  <a:avLst/>
+                </a:prstTxWarp>
+                <a:noAutofit/>
+              </a:bodyPr>
+              <a:lstStyle/>
+              <a:p>
+                <a:pPr algn="ctr"/>
+                <a:endParaRPr lang="en-US" sz="1200">
+                  <a:latin typeface="+mj-lt"/>
+                  <a:cs typeface="Times New Roman" panose="02020603050405020304" pitchFamily="18" charset="0"/>
+                </a:endParaRPr>
+              </a:p>
+            </p:txBody>
+          </p:sp>
+          <p:sp>
+            <p:nvSpPr>
+              <p:cNvPr id="124" name="TextBox 123">
+                <a:extLst>
+                  <a:ext uri="{FF2B5EF4-FFF2-40B4-BE49-F238E27FC236}">
+                    <a16:creationId xmlns:a16="http://schemas.microsoft.com/office/drawing/2014/main" id="{701BA50B-3638-3248-8F76-07555412E053}"/>
+                  </a:ext>
+                </a:extLst>
+              </p:cNvPr>
+              <p:cNvSpPr txBox="1"/>
+              <p:nvPr/>
+            </p:nvSpPr>
+            <p:spPr>
+              <a:xfrm>
+                <a:off x="2681287" y="5366576"/>
+                <a:ext cx="336952" cy="276999"/>
+              </a:xfrm>
+              <a:prstGeom prst="rect">
+                <a:avLst/>
+              </a:prstGeom>
+              <a:noFill/>
+            </p:spPr>
+            <p:txBody>
+              <a:bodyPr wrap="none" rtlCol="0">
+                <a:spAutoFit/>
+              </a:bodyPr>
+              <a:lstStyle/>
+              <a:p>
+                <a:r>
+                  <a:rPr lang="en-US" sz="1200" dirty="0">
+                    <a:latin typeface="+mj-lt"/>
+                    <a:cs typeface="Times New Roman" panose="02020603050405020304" pitchFamily="18" charset="0"/>
+                  </a:rPr>
+                  <a:t>a3</a:t>
+                </a:r>
+              </a:p>
+            </p:txBody>
+          </p:sp>
+        </p:grpSp>
+        <p:sp>
+          <p:nvSpPr>
+            <p:cNvPr id="126" name="Oval 125">
+              <a:extLst>
+                <a:ext uri="{FF2B5EF4-FFF2-40B4-BE49-F238E27FC236}">
+                  <a16:creationId xmlns:a16="http://schemas.microsoft.com/office/drawing/2014/main" id="{C9B3D184-4415-404A-AD0B-52E7B379F14B}"/>
+                </a:ext>
+              </a:extLst>
+            </p:cNvPr>
+            <p:cNvSpPr/>
+            <p:nvPr/>
+          </p:nvSpPr>
+          <p:spPr>
+            <a:xfrm>
+              <a:off x="1980899" y="5239743"/>
+              <a:ext cx="394531" cy="394531"/>
+            </a:xfrm>
+            <a:prstGeom prst="ellipse">
+              <a:avLst/>
+            </a:prstGeom>
+            <a:noFill/>
+            <a:ln w="25400">
+              <a:solidFill>
+                <a:schemeClr val="tx1"/>
+              </a:solidFill>
+            </a:ln>
+          </p:spPr>
+          <p:style>
+            <a:lnRef idx="2">
+              <a:schemeClr val="accent1">
+                <a:shade val="50000"/>
+              </a:schemeClr>
+            </a:lnRef>
+            <a:fillRef idx="1">
+              <a:schemeClr val="accent1"/>
+            </a:fillRef>
+            <a:effectRef idx="0">
+              <a:schemeClr val="accent1"/>
+            </a:effectRef>
+            <a:fontRef idx="minor">
+              <a:schemeClr val="lt1"/>
+            </a:fontRef>
+          </p:style>
+          <p:txBody>
+            <a:bodyPr rot="0" spcFirstLastPara="0" vertOverflow="overflow" horzOverflow="overflow" vert="horz" wrap="square" lIns="56757" tIns="28378" rIns="56757" bIns="28378" numCol="1" spcCol="0" rtlCol="0" fromWordArt="0" anchor="ctr" anchorCtr="0" forceAA="0" compatLnSpc="1">
+              <a:prstTxWarp prst="textNoShape">
+                <a:avLst/>
+              </a:prstTxWarp>
+              <a:noAutofit/>
+            </a:bodyPr>
+            <a:lstStyle/>
+            <a:p>
+              <a:pPr algn="ctr"/>
+              <a:endParaRPr lang="en-US" sz="1200">
+                <a:latin typeface="+mj-lt"/>
+                <a:cs typeface="Times New Roman" panose="02020603050405020304" pitchFamily="18" charset="0"/>
+              </a:endParaRPr>
+            </a:p>
+          </p:txBody>
+        </p:sp>
+        <p:grpSp>
+          <p:nvGrpSpPr>
+            <p:cNvPr id="130" name="Group 129">
+              <a:extLst>
+                <a:ext uri="{FF2B5EF4-FFF2-40B4-BE49-F238E27FC236}">
+                  <a16:creationId xmlns:a16="http://schemas.microsoft.com/office/drawing/2014/main" id="{D84AC519-E075-5A41-A316-C1AD87AB46CF}"/>
+                </a:ext>
+              </a:extLst>
+            </p:cNvPr>
+            <p:cNvGrpSpPr/>
+            <p:nvPr/>
+          </p:nvGrpSpPr>
+          <p:grpSpPr>
+            <a:xfrm>
+              <a:off x="3749133" y="5230050"/>
+              <a:ext cx="363601" cy="394531"/>
+              <a:chOff x="2658477" y="4455131"/>
+              <a:chExt cx="363601" cy="394531"/>
+            </a:xfrm>
+          </p:grpSpPr>
+          <p:sp>
+            <p:nvSpPr>
+              <p:cNvPr id="131" name="Rectangle 130">
+                <a:extLst>
+                  <a:ext uri="{FF2B5EF4-FFF2-40B4-BE49-F238E27FC236}">
+                    <a16:creationId xmlns:a16="http://schemas.microsoft.com/office/drawing/2014/main" id="{EEF0500E-BCA1-DF44-B0A4-412F7250BAFA}"/>
+                  </a:ext>
+                </a:extLst>
+              </p:cNvPr>
+              <p:cNvSpPr/>
+              <p:nvPr/>
+            </p:nvSpPr>
+            <p:spPr>
+              <a:xfrm>
+                <a:off x="2658477" y="4455131"/>
+                <a:ext cx="363601" cy="394531"/>
+              </a:xfrm>
+              <a:prstGeom prst="rect">
+                <a:avLst/>
+              </a:prstGeom>
+              <a:noFill/>
+              <a:ln w="25400">
+                <a:solidFill>
+                  <a:schemeClr val="tx1"/>
+                </a:solidFill>
+              </a:ln>
+            </p:spPr>
+            <p:style>
+              <a:lnRef idx="2">
+                <a:schemeClr val="accent1">
+                  <a:shade val="50000"/>
+                </a:schemeClr>
+              </a:lnRef>
+              <a:fillRef idx="1">
+                <a:schemeClr val="accent1"/>
+              </a:fillRef>
+              <a:effectRef idx="0">
+                <a:schemeClr val="accent1"/>
+              </a:effectRef>
+              <a:fontRef idx="minor">
+                <a:schemeClr val="lt1"/>
+              </a:fontRef>
+            </p:style>
+            <p:txBody>
+              <a:bodyPr rot="0" spcFirstLastPara="0" vertOverflow="overflow" horzOverflow="overflow" vert="horz" wrap="square" lIns="56757" tIns="28378" rIns="56757" bIns="28378" numCol="1" spcCol="0" rtlCol="0" fromWordArt="0" anchor="ctr" anchorCtr="0" forceAA="0" compatLnSpc="1">
+                <a:prstTxWarp prst="textNoShape">
+                  <a:avLst/>
+                </a:prstTxWarp>
+                <a:noAutofit/>
+              </a:bodyPr>
+              <a:lstStyle/>
+              <a:p>
+                <a:pPr algn="ctr"/>
+                <a:endParaRPr lang="en-US" sz="1200">
+                  <a:latin typeface="+mj-lt"/>
+                  <a:cs typeface="Times New Roman" panose="02020603050405020304" pitchFamily="18" charset="0"/>
+                </a:endParaRPr>
+              </a:p>
+            </p:txBody>
+          </p:sp>
+          <p:sp>
+            <p:nvSpPr>
+              <p:cNvPr id="132" name="TextBox 131">
+                <a:extLst>
+                  <a:ext uri="{FF2B5EF4-FFF2-40B4-BE49-F238E27FC236}">
+                    <a16:creationId xmlns:a16="http://schemas.microsoft.com/office/drawing/2014/main" id="{E10ADD05-8014-9746-ADBE-B039703C88DD}"/>
+                  </a:ext>
+                </a:extLst>
+              </p:cNvPr>
+              <p:cNvSpPr txBox="1"/>
+              <p:nvPr/>
+            </p:nvSpPr>
+            <p:spPr>
+              <a:xfrm>
+                <a:off x="2674709" y="4491294"/>
+                <a:ext cx="336952" cy="276999"/>
+              </a:xfrm>
+              <a:prstGeom prst="rect">
+                <a:avLst/>
+              </a:prstGeom>
+              <a:noFill/>
+            </p:spPr>
+            <p:txBody>
+              <a:bodyPr wrap="none" rtlCol="0">
+                <a:spAutoFit/>
+              </a:bodyPr>
+              <a:lstStyle/>
+              <a:p>
+                <a:r>
+                  <a:rPr lang="en-US" sz="1200" dirty="0">
+                    <a:latin typeface="+mj-lt"/>
+                    <a:cs typeface="Times New Roman" panose="02020603050405020304" pitchFamily="18" charset="0"/>
+                  </a:rPr>
+                  <a:t>a4</a:t>
+                </a:r>
+              </a:p>
+            </p:txBody>
+          </p:sp>
+        </p:grpSp>
+        <p:cxnSp>
+          <p:nvCxnSpPr>
+            <p:cNvPr id="134" name="Straight Arrow Connector 133">
+              <a:extLst>
+                <a:ext uri="{FF2B5EF4-FFF2-40B4-BE49-F238E27FC236}">
+                  <a16:creationId xmlns:a16="http://schemas.microsoft.com/office/drawing/2014/main" id="{B850FB51-AC0F-8542-9935-18CC5C596700}"/>
+                </a:ext>
+              </a:extLst>
+            </p:cNvPr>
+            <p:cNvCxnSpPr>
+              <a:cxnSpLocks/>
+              <a:stCxn id="141" idx="1"/>
+              <a:endCxn id="124" idx="3"/>
+            </p:cNvCxnSpPr>
+            <p:nvPr/>
+          </p:nvCxnSpPr>
+          <p:spPr>
+            <a:xfrm flipH="1" flipV="1">
+              <a:off x="625644" y="5418997"/>
+              <a:ext cx="1368362" cy="2649"/>
+            </a:xfrm>
+            <a:prstGeom prst="straightConnector1">
+              <a:avLst/>
+            </a:prstGeom>
+            <a:ln w="25400">
+              <a:solidFill>
+                <a:schemeClr val="tx1"/>
+              </a:solidFill>
+              <a:tailEnd type="triangle"/>
+            </a:ln>
+          </p:spPr>
+          <p:style>
+            <a:lnRef idx="1">
+              <a:schemeClr val="accent1"/>
+            </a:lnRef>
+            <a:fillRef idx="0">
+              <a:schemeClr val="accent1"/>
+            </a:fillRef>
+            <a:effectRef idx="0">
+              <a:schemeClr val="accent1"/>
+            </a:effectRef>
+            <a:fontRef idx="minor">
+              <a:schemeClr val="tx1"/>
+            </a:fontRef>
+          </p:style>
+        </p:cxnSp>
+        <p:cxnSp>
+          <p:nvCxnSpPr>
+            <p:cNvPr id="135" name="Straight Arrow Connector 134">
+              <a:extLst>
+                <a:ext uri="{FF2B5EF4-FFF2-40B4-BE49-F238E27FC236}">
+                  <a16:creationId xmlns:a16="http://schemas.microsoft.com/office/drawing/2014/main" id="{25ED663A-6DC4-7F47-BA86-8847A78DC060}"/>
+                </a:ext>
+              </a:extLst>
+            </p:cNvPr>
+            <p:cNvCxnSpPr>
+              <a:cxnSpLocks/>
+              <a:stCxn id="149" idx="1"/>
+              <a:endCxn id="121" idx="3"/>
+            </p:cNvCxnSpPr>
+            <p:nvPr/>
+          </p:nvCxnSpPr>
+          <p:spPr>
+            <a:xfrm flipH="1">
+              <a:off x="618339" y="4548941"/>
+              <a:ext cx="3129946" cy="34375"/>
+            </a:xfrm>
+            <a:prstGeom prst="straightConnector1">
+              <a:avLst/>
+            </a:prstGeom>
+            <a:ln w="25400">
+              <a:solidFill>
+                <a:schemeClr val="tx1"/>
+              </a:solidFill>
+              <a:tailEnd type="triangle"/>
+            </a:ln>
+          </p:spPr>
+          <p:style>
+            <a:lnRef idx="1">
+              <a:schemeClr val="accent1"/>
+            </a:lnRef>
+            <a:fillRef idx="0">
+              <a:schemeClr val="accent1"/>
+            </a:fillRef>
+            <a:effectRef idx="0">
+              <a:schemeClr val="accent1"/>
+            </a:effectRef>
+            <a:fontRef idx="minor">
+              <a:schemeClr val="tx1"/>
+            </a:fontRef>
+          </p:style>
+        </p:cxnSp>
+        <p:cxnSp>
+          <p:nvCxnSpPr>
+            <p:cNvPr id="136" name="Straight Arrow Connector 135">
+              <a:extLst>
+                <a:ext uri="{FF2B5EF4-FFF2-40B4-BE49-F238E27FC236}">
+                  <a16:creationId xmlns:a16="http://schemas.microsoft.com/office/drawing/2014/main" id="{447E08EB-6B9F-4F45-9CBA-36A9A52AB8CE}"/>
+                </a:ext>
+              </a:extLst>
+            </p:cNvPr>
+            <p:cNvCxnSpPr>
+              <a:stCxn id="131" idx="1"/>
+              <a:endCxn id="126" idx="6"/>
+            </p:cNvCxnSpPr>
+            <p:nvPr/>
+          </p:nvCxnSpPr>
+          <p:spPr>
+            <a:xfrm flipH="1">
+              <a:off x="2375430" y="5427316"/>
+              <a:ext cx="1373703" cy="9693"/>
+            </a:xfrm>
+            <a:prstGeom prst="straightConnector1">
+              <a:avLst/>
+            </a:prstGeom>
+            <a:ln w="25400">
+              <a:solidFill>
+                <a:schemeClr val="tx1"/>
+              </a:solidFill>
+              <a:tailEnd type="triangle"/>
+            </a:ln>
+          </p:spPr>
+          <p:style>
+            <a:lnRef idx="1">
+              <a:schemeClr val="accent1"/>
+            </a:lnRef>
+            <a:fillRef idx="0">
+              <a:schemeClr val="accent1"/>
+            </a:fillRef>
+            <a:effectRef idx="0">
+              <a:schemeClr val="accent1"/>
+            </a:effectRef>
+            <a:fontRef idx="minor">
+              <a:schemeClr val="tx1"/>
+            </a:fontRef>
+          </p:style>
+        </p:cxnSp>
+        <p:sp>
+          <p:nvSpPr>
+            <p:cNvPr id="137" name="TextBox 136">
+              <a:extLst>
+                <a:ext uri="{FF2B5EF4-FFF2-40B4-BE49-F238E27FC236}">
+                  <a16:creationId xmlns:a16="http://schemas.microsoft.com/office/drawing/2014/main" id="{E594C02B-8F02-3148-887F-14626C14703D}"/>
+                </a:ext>
+              </a:extLst>
+            </p:cNvPr>
+            <p:cNvSpPr txBox="1"/>
+            <p:nvPr/>
+          </p:nvSpPr>
+          <p:spPr>
+            <a:xfrm>
+              <a:off x="2922225" y="5183242"/>
+              <a:ext cx="479618" cy="276999"/>
+            </a:xfrm>
+            <a:prstGeom prst="rect">
+              <a:avLst/>
+            </a:prstGeom>
+            <a:noFill/>
+          </p:spPr>
+          <p:txBody>
+            <a:bodyPr wrap="none" rtlCol="0">
+              <a:spAutoFit/>
+            </a:bodyPr>
+            <a:lstStyle/>
+            <a:p>
+              <a:r>
+                <a:rPr lang="en-US" sz="1200" dirty="0">
+                  <a:latin typeface="+mj-lt"/>
+                  <a:cs typeface="Times New Roman" panose="02020603050405020304" pitchFamily="18" charset="0"/>
+                </a:rPr>
+                <a:t>used</a:t>
+              </a:r>
+            </a:p>
+          </p:txBody>
+        </p:sp>
+        <p:sp>
+          <p:nvSpPr>
+            <p:cNvPr id="138" name="TextBox 137">
+              <a:extLst>
+                <a:ext uri="{FF2B5EF4-FFF2-40B4-BE49-F238E27FC236}">
+                  <a16:creationId xmlns:a16="http://schemas.microsoft.com/office/drawing/2014/main" id="{CEE6B517-D9F2-3C46-B27C-DF241C5BACBA}"/>
+                </a:ext>
+              </a:extLst>
+            </p:cNvPr>
+            <p:cNvSpPr txBox="1"/>
+            <p:nvPr/>
+          </p:nvSpPr>
+          <p:spPr>
+            <a:xfrm>
+              <a:off x="1036935" y="5087295"/>
+              <a:ext cx="510333" cy="276999"/>
+            </a:xfrm>
+            <a:prstGeom prst="rect">
+              <a:avLst/>
+            </a:prstGeom>
+            <a:noFill/>
+          </p:spPr>
+          <p:txBody>
+            <a:bodyPr wrap="square" rtlCol="0">
+              <a:spAutoFit/>
+            </a:bodyPr>
+            <a:lstStyle/>
+            <a:p>
+              <a:r>
+                <a:rPr lang="en-US" sz="1200" dirty="0" err="1">
+                  <a:latin typeface="+mj-lt"/>
+                  <a:cs typeface="Times New Roman" panose="02020603050405020304" pitchFamily="18" charset="0"/>
+                </a:rPr>
+                <a:t>wgBy</a:t>
+              </a:r>
+              <a:endParaRPr lang="en-US" sz="1200" dirty="0">
+                <a:latin typeface="+mj-lt"/>
+                <a:cs typeface="Times New Roman" panose="02020603050405020304" pitchFamily="18" charset="0"/>
+              </a:endParaRPr>
+            </a:p>
+          </p:txBody>
+        </p:sp>
+        <p:cxnSp>
+          <p:nvCxnSpPr>
+            <p:cNvPr id="139" name="Straight Arrow Connector 138">
+              <a:extLst>
+                <a:ext uri="{FF2B5EF4-FFF2-40B4-BE49-F238E27FC236}">
+                  <a16:creationId xmlns:a16="http://schemas.microsoft.com/office/drawing/2014/main" id="{A8A336B6-CB51-9F4E-A477-DE9532FF7941}"/>
+                </a:ext>
+              </a:extLst>
+            </p:cNvPr>
+            <p:cNvCxnSpPr>
+              <a:cxnSpLocks/>
+              <a:stCxn id="149" idx="1"/>
+              <a:endCxn id="126" idx="6"/>
+            </p:cNvCxnSpPr>
+            <p:nvPr/>
+          </p:nvCxnSpPr>
+          <p:spPr>
+            <a:xfrm flipH="1">
+              <a:off x="2375430" y="4548941"/>
+              <a:ext cx="1372855" cy="888068"/>
+            </a:xfrm>
+            <a:prstGeom prst="straightConnector1">
+              <a:avLst/>
+            </a:prstGeom>
+            <a:ln w="25400">
+              <a:solidFill>
+                <a:schemeClr val="tx1"/>
+              </a:solidFill>
+              <a:tailEnd type="triangle"/>
+            </a:ln>
+          </p:spPr>
+          <p:style>
+            <a:lnRef idx="1">
+              <a:schemeClr val="accent1"/>
+            </a:lnRef>
+            <a:fillRef idx="0">
+              <a:schemeClr val="accent1"/>
+            </a:fillRef>
+            <a:effectRef idx="0">
+              <a:schemeClr val="accent1"/>
+            </a:effectRef>
+            <a:fontRef idx="minor">
+              <a:schemeClr val="tx1"/>
+            </a:fontRef>
+          </p:style>
+        </p:cxnSp>
+        <p:sp>
+          <p:nvSpPr>
+            <p:cNvPr id="140" name="TextBox 139">
+              <a:extLst>
+                <a:ext uri="{FF2B5EF4-FFF2-40B4-BE49-F238E27FC236}">
+                  <a16:creationId xmlns:a16="http://schemas.microsoft.com/office/drawing/2014/main" id="{4D932AFA-7691-0546-A8AD-E7C81E28B985}"/>
+                </a:ext>
+              </a:extLst>
+            </p:cNvPr>
+            <p:cNvSpPr txBox="1"/>
+            <p:nvPr/>
+          </p:nvSpPr>
+          <p:spPr>
+            <a:xfrm>
+              <a:off x="2646464" y="4772104"/>
+              <a:ext cx="482824" cy="276999"/>
+            </a:xfrm>
+            <a:prstGeom prst="rect">
+              <a:avLst/>
+            </a:prstGeom>
+            <a:noFill/>
+          </p:spPr>
+          <p:txBody>
+            <a:bodyPr wrap="none" rtlCol="0">
+              <a:spAutoFit/>
+            </a:bodyPr>
+            <a:lstStyle/>
+            <a:p>
+              <a:r>
+                <a:rPr lang="en-US" sz="1200" dirty="0">
+                  <a:latin typeface="+mj-lt"/>
+                  <a:cs typeface="Times New Roman" panose="02020603050405020304" pitchFamily="18" charset="0"/>
+                </a:rPr>
+                <a:t>used</a:t>
+              </a:r>
+            </a:p>
+          </p:txBody>
+        </p:sp>
+        <p:sp>
+          <p:nvSpPr>
+            <p:cNvPr id="141" name="TextBox 140">
+              <a:extLst>
+                <a:ext uri="{FF2B5EF4-FFF2-40B4-BE49-F238E27FC236}">
+                  <a16:creationId xmlns:a16="http://schemas.microsoft.com/office/drawing/2014/main" id="{67BD609A-08AF-4B46-B5D8-8931CD2B59B4}"/>
+                </a:ext>
+              </a:extLst>
+            </p:cNvPr>
+            <p:cNvSpPr txBox="1"/>
+            <p:nvPr/>
+          </p:nvSpPr>
+          <p:spPr>
+            <a:xfrm>
+              <a:off x="1994006" y="5283146"/>
+              <a:ext cx="338554" cy="276999"/>
+            </a:xfrm>
+            <a:prstGeom prst="rect">
+              <a:avLst/>
+            </a:prstGeom>
+            <a:noFill/>
+          </p:spPr>
+          <p:txBody>
+            <a:bodyPr wrap="none" rtlCol="0">
+              <a:spAutoFit/>
+            </a:bodyPr>
+            <a:lstStyle/>
+            <a:p>
+              <a:r>
+                <a:rPr lang="en-US" sz="1200" dirty="0">
+                  <a:latin typeface="+mj-lt"/>
+                  <a:cs typeface="Times New Roman" panose="02020603050405020304" pitchFamily="18" charset="0"/>
+                </a:rPr>
+                <a:t>e5</a:t>
+              </a:r>
+            </a:p>
+          </p:txBody>
+        </p:sp>
+        <p:sp>
+          <p:nvSpPr>
+            <p:cNvPr id="142" name="Oval 141">
+              <a:extLst>
+                <a:ext uri="{FF2B5EF4-FFF2-40B4-BE49-F238E27FC236}">
+                  <a16:creationId xmlns:a16="http://schemas.microsoft.com/office/drawing/2014/main" id="{A3A60E59-6419-9D44-B1FC-95600D4F179A}"/>
+                </a:ext>
+              </a:extLst>
+            </p:cNvPr>
+            <p:cNvSpPr/>
+            <p:nvPr/>
+          </p:nvSpPr>
+          <p:spPr>
+            <a:xfrm>
+              <a:off x="1986943" y="5231249"/>
+              <a:ext cx="394531" cy="394531"/>
+            </a:xfrm>
+            <a:prstGeom prst="ellipse">
+              <a:avLst/>
+            </a:prstGeom>
+            <a:noFill/>
+            <a:ln w="25400">
+              <a:solidFill>
+                <a:schemeClr val="tx1"/>
+              </a:solidFill>
+            </a:ln>
+          </p:spPr>
+          <p:style>
+            <a:lnRef idx="2">
+              <a:schemeClr val="accent1">
+                <a:shade val="50000"/>
+              </a:schemeClr>
+            </a:lnRef>
+            <a:fillRef idx="1">
+              <a:schemeClr val="accent1"/>
+            </a:fillRef>
+            <a:effectRef idx="0">
+              <a:schemeClr val="accent1"/>
+            </a:effectRef>
+            <a:fontRef idx="minor">
+              <a:schemeClr val="lt1"/>
+            </a:fontRef>
+          </p:style>
+          <p:txBody>
+            <a:bodyPr rot="0" spcFirstLastPara="0" vertOverflow="overflow" horzOverflow="overflow" vert="horz" wrap="square" lIns="56757" tIns="28378" rIns="56757" bIns="28378" numCol="1" spcCol="0" rtlCol="0" fromWordArt="0" anchor="ctr" anchorCtr="0" forceAA="0" compatLnSpc="1">
+              <a:prstTxWarp prst="textNoShape">
+                <a:avLst/>
+              </a:prstTxWarp>
+              <a:noAutofit/>
+            </a:bodyPr>
+            <a:lstStyle/>
+            <a:p>
+              <a:pPr algn="ctr"/>
+              <a:endParaRPr lang="en-US" sz="1200">
+                <a:latin typeface="+mj-lt"/>
+                <a:cs typeface="Times New Roman" panose="02020603050405020304" pitchFamily="18" charset="0"/>
+              </a:endParaRPr>
+            </a:p>
+          </p:txBody>
+        </p:sp>
+        <p:sp>
+          <p:nvSpPr>
+            <p:cNvPr id="145" name="TextBox 144">
+              <a:extLst>
+                <a:ext uri="{FF2B5EF4-FFF2-40B4-BE49-F238E27FC236}">
+                  <a16:creationId xmlns:a16="http://schemas.microsoft.com/office/drawing/2014/main" id="{BAE0B4E7-D025-4E4C-BE04-327B8E74137A}"/>
+                </a:ext>
+              </a:extLst>
+            </p:cNvPr>
+            <p:cNvSpPr txBox="1"/>
+            <p:nvPr/>
+          </p:nvSpPr>
+          <p:spPr>
+            <a:xfrm>
+              <a:off x="1545287" y="4261604"/>
+              <a:ext cx="1222514" cy="276999"/>
+            </a:xfrm>
+            <a:prstGeom prst="rect">
+              <a:avLst/>
+            </a:prstGeom>
+            <a:noFill/>
+          </p:spPr>
+          <p:txBody>
+            <a:bodyPr wrap="none" rtlCol="0">
+              <a:spAutoFit/>
+            </a:bodyPr>
+            <a:lstStyle/>
+            <a:p>
+              <a:r>
+                <a:rPr lang="en-US" sz="1200" dirty="0" err="1">
+                  <a:latin typeface="+mj-lt"/>
+                  <a:cs typeface="Times New Roman" panose="02020603050405020304" pitchFamily="18" charset="0"/>
+                </a:rPr>
+                <a:t>wasInfluencedBy</a:t>
+              </a:r>
+              <a:endParaRPr lang="en-US" sz="1200" dirty="0">
+                <a:latin typeface="+mj-lt"/>
+                <a:cs typeface="Times New Roman" panose="02020603050405020304" pitchFamily="18" charset="0"/>
+              </a:endParaRPr>
+            </a:p>
+          </p:txBody>
+        </p:sp>
+        <p:grpSp>
+          <p:nvGrpSpPr>
+            <p:cNvPr id="147" name="Group 146">
+              <a:extLst>
+                <a:ext uri="{FF2B5EF4-FFF2-40B4-BE49-F238E27FC236}">
+                  <a16:creationId xmlns:a16="http://schemas.microsoft.com/office/drawing/2014/main" id="{13EC726E-7DBF-CD40-9FA4-D6BE421360F7}"/>
+                </a:ext>
+              </a:extLst>
+            </p:cNvPr>
+            <p:cNvGrpSpPr/>
+            <p:nvPr/>
+          </p:nvGrpSpPr>
+          <p:grpSpPr>
+            <a:xfrm>
+              <a:off x="3748285" y="4359351"/>
+              <a:ext cx="432619" cy="394531"/>
+              <a:chOff x="2637292" y="4455131"/>
+              <a:chExt cx="432619" cy="394531"/>
+            </a:xfrm>
+            <a:solidFill>
+              <a:schemeClr val="accent3"/>
+            </a:solidFill>
+          </p:grpSpPr>
+          <p:sp>
+            <p:nvSpPr>
+              <p:cNvPr id="148" name="Rectangle 147">
+                <a:extLst>
+                  <a:ext uri="{FF2B5EF4-FFF2-40B4-BE49-F238E27FC236}">
+                    <a16:creationId xmlns:a16="http://schemas.microsoft.com/office/drawing/2014/main" id="{C597478C-8035-CD40-9854-04C8D3728297}"/>
+                  </a:ext>
+                </a:extLst>
+              </p:cNvPr>
+              <p:cNvSpPr/>
+              <p:nvPr/>
+            </p:nvSpPr>
+            <p:spPr>
+              <a:xfrm>
+                <a:off x="2658477" y="4455131"/>
+                <a:ext cx="363601" cy="394531"/>
+              </a:xfrm>
+              <a:prstGeom prst="rect">
+                <a:avLst/>
+              </a:prstGeom>
+              <a:grpFill/>
+              <a:ln w="25400">
+                <a:solidFill>
+                  <a:schemeClr val="tx1"/>
+                </a:solidFill>
+              </a:ln>
+            </p:spPr>
+            <p:style>
+              <a:lnRef idx="2">
+                <a:schemeClr val="accent1">
+                  <a:shade val="50000"/>
+                </a:schemeClr>
+              </a:lnRef>
+              <a:fillRef idx="1">
+                <a:schemeClr val="accent1"/>
+              </a:fillRef>
+              <a:effectRef idx="0">
+                <a:schemeClr val="accent1"/>
+              </a:effectRef>
+              <a:fontRef idx="minor">
+                <a:schemeClr val="lt1"/>
+              </a:fontRef>
+            </p:style>
+            <p:txBody>
+              <a:bodyPr rot="0" spcFirstLastPara="0" vertOverflow="overflow" horzOverflow="overflow" vert="horz" wrap="square" lIns="56757" tIns="28378" rIns="56757" bIns="28378" numCol="1" spcCol="0" rtlCol="0" fromWordArt="0" anchor="ctr" anchorCtr="0" forceAA="0" compatLnSpc="1">
+                <a:prstTxWarp prst="textNoShape">
+                  <a:avLst/>
+                </a:prstTxWarp>
+                <a:noAutofit/>
+              </a:bodyPr>
+              <a:lstStyle/>
+              <a:p>
+                <a:pPr algn="ctr"/>
+                <a:endParaRPr lang="en-US" sz="1200" dirty="0">
+                  <a:latin typeface="+mj-lt"/>
+                  <a:cs typeface="Times New Roman" panose="02020603050405020304" pitchFamily="18" charset="0"/>
+                </a:endParaRPr>
+              </a:p>
+            </p:txBody>
+          </p:sp>
+          <p:sp>
+            <p:nvSpPr>
+              <p:cNvPr id="149" name="TextBox 148">
+                <a:extLst>
+                  <a:ext uri="{FF2B5EF4-FFF2-40B4-BE49-F238E27FC236}">
+                    <a16:creationId xmlns:a16="http://schemas.microsoft.com/office/drawing/2014/main" id="{9A66221A-4117-624F-B097-28BC4F3895F7}"/>
+                  </a:ext>
+                </a:extLst>
+              </p:cNvPr>
+              <p:cNvSpPr txBox="1"/>
+              <p:nvPr/>
+            </p:nvSpPr>
+            <p:spPr>
+              <a:xfrm>
+                <a:off x="2637292" y="4506221"/>
+                <a:ext cx="432619" cy="276999"/>
+              </a:xfrm>
+              <a:prstGeom prst="rect">
+                <a:avLst/>
+              </a:prstGeom>
+              <a:noFill/>
+            </p:spPr>
+            <p:txBody>
+              <a:bodyPr wrap="none" rtlCol="0">
+                <a:spAutoFit/>
+              </a:bodyPr>
+              <a:lstStyle/>
+              <a:p>
+                <a:r>
+                  <a:rPr lang="en-US" sz="1200" dirty="0">
+                    <a:latin typeface="+mj-lt"/>
+                    <a:cs typeface="Times New Roman" panose="02020603050405020304" pitchFamily="18" charset="0"/>
+                  </a:rPr>
+                  <a:t>a</a:t>
+                </a:r>
+                <a:r>
+                  <a:rPr lang="en-US" sz="1200" baseline="-25000" dirty="0">
+                    <a:latin typeface="+mj-lt"/>
+                    <a:cs typeface="Times New Roman" panose="02020603050405020304" pitchFamily="18" charset="0"/>
+                  </a:rPr>
+                  <a:t>new</a:t>
+                </a:r>
+              </a:p>
+            </p:txBody>
+          </p:sp>
+        </p:grpSp>
+      </p:grpSp>
+      <p:grpSp>
+        <p:nvGrpSpPr>
+          <p:cNvPr id="154" name="Group 153">
+            <a:extLst>
+              <a:ext uri="{FF2B5EF4-FFF2-40B4-BE49-F238E27FC236}">
+                <a16:creationId xmlns:a16="http://schemas.microsoft.com/office/drawing/2014/main" id="{0FC4716A-8DC2-1640-92FE-87518DBC58FC}"/>
+              </a:ext>
+            </a:extLst>
+          </p:cNvPr>
+          <p:cNvGrpSpPr/>
+          <p:nvPr/>
+        </p:nvGrpSpPr>
+        <p:grpSpPr>
+          <a:xfrm>
+            <a:off x="5692938" y="4576845"/>
             <a:ext cx="370458" cy="394531"/>
             <a:chOff x="2651620" y="4455131"/>
             <a:chExt cx="370458" cy="394531"/>
@@ -4325,10 +7965,10 @@
         </p:grpSpPr>
         <p:sp>
           <p:nvSpPr>
-            <p:cNvPr id="14" name="Rectangle 13">
+            <p:cNvPr id="157" name="Rectangle 156">
               <a:extLst>
                 <a:ext uri="{FF2B5EF4-FFF2-40B4-BE49-F238E27FC236}">
-                  <a16:creationId xmlns:a16="http://schemas.microsoft.com/office/drawing/2014/main" id="{3476E380-346B-5C45-91A2-5D90DFBA394E}"/>
+                  <a16:creationId xmlns:a16="http://schemas.microsoft.com/office/drawing/2014/main" id="{FAF8F06B-92F3-1F4E-BE3E-77DD2502D63C}"/>
                 </a:ext>
               </a:extLst>
             </p:cNvPr>
@@ -4387,10 +8027,10 @@
         </p:sp>
         <p:sp>
           <p:nvSpPr>
-            <p:cNvPr id="15" name="TextBox 14">
+            <p:cNvPr id="158" name="TextBox 157">
               <a:extLst>
                 <a:ext uri="{FF2B5EF4-FFF2-40B4-BE49-F238E27FC236}">
-                  <a16:creationId xmlns:a16="http://schemas.microsoft.com/office/drawing/2014/main" id="{CEFFADCD-5327-C44E-9659-03C85D45FF1A}"/>
+                  <a16:creationId xmlns:a16="http://schemas.microsoft.com/office/drawing/2014/main" id="{29171269-3E1F-F24E-A530-F615A870151F}"/>
                 </a:ext>
               </a:extLst>
             </p:cNvPr>
@@ -4426,10 +8066,10 @@
       </p:grpSp>
       <p:grpSp>
         <p:nvGrpSpPr>
-          <p:cNvPr id="16" name="Group 15">
-            <a:extLst>
-              <a:ext uri="{FF2B5EF4-FFF2-40B4-BE49-F238E27FC236}">
-                <a16:creationId xmlns:a16="http://schemas.microsoft.com/office/drawing/2014/main" id="{60B53682-92EB-C047-ADEB-A7E534B4E8A8}"/>
+          <p:cNvPr id="159" name="Group 158">
+            <a:extLst>
+              <a:ext uri="{FF2B5EF4-FFF2-40B4-BE49-F238E27FC236}">
+                <a16:creationId xmlns:a16="http://schemas.microsoft.com/office/drawing/2014/main" id="{1B399195-E745-4046-BE8F-CF426DF5CFE4}"/>
               </a:ext>
             </a:extLst>
           </p:cNvPr>
@@ -4438,7 +8078,7 @@
         </p:nvGrpSpPr>
         <p:grpSpPr>
           <a:xfrm>
-            <a:off x="3227479" y="953746"/>
+            <a:off x="5709593" y="5753808"/>
             <a:ext cx="363601" cy="394531"/>
             <a:chOff x="2658477" y="5322765"/>
             <a:chExt cx="363601" cy="394531"/>
@@ -4449,10 +8089,10 @@
         </p:grpSpPr>
         <p:sp>
           <p:nvSpPr>
-            <p:cNvPr id="17" name="Rectangle 16">
+            <p:cNvPr id="160" name="Rectangle 159">
               <a:extLst>
                 <a:ext uri="{FF2B5EF4-FFF2-40B4-BE49-F238E27FC236}">
-                  <a16:creationId xmlns:a16="http://schemas.microsoft.com/office/drawing/2014/main" id="{D318E7C6-EA46-9945-AE2B-0870F2915DCE}"/>
+                  <a16:creationId xmlns:a16="http://schemas.microsoft.com/office/drawing/2014/main" id="{079AA302-5F83-BB4C-978B-DBCB14932FFF}"/>
                 </a:ext>
               </a:extLst>
             </p:cNvPr>
@@ -4511,10 +8151,10 @@
         </p:sp>
         <p:sp>
           <p:nvSpPr>
-            <p:cNvPr id="18" name="TextBox 17">
+            <p:cNvPr id="161" name="TextBox 160">
               <a:extLst>
                 <a:ext uri="{FF2B5EF4-FFF2-40B4-BE49-F238E27FC236}">
-                  <a16:creationId xmlns:a16="http://schemas.microsoft.com/office/drawing/2014/main" id="{2045FE4C-22C9-2947-9282-64AD8E488BA0}"/>
+                  <a16:creationId xmlns:a16="http://schemas.microsoft.com/office/drawing/2014/main" id="{95C68891-E0D8-2D4E-81B0-7AFBEAB7CE4F}"/>
                 </a:ext>
               </a:extLst>
             </p:cNvPr>
@@ -4550,48 +8190,10 @@
       </p:grpSp>
       <p:sp>
         <p:nvSpPr>
-          <p:cNvPr id="25" name="TextBox 24">
-            <a:extLst>
-              <a:ext uri="{FF2B5EF4-FFF2-40B4-BE49-F238E27FC236}">
-                <a16:creationId xmlns:a16="http://schemas.microsoft.com/office/drawing/2014/main" id="{B8860875-F1F4-6848-BFFC-A2C8CACF3302}"/>
-              </a:ext>
-            </a:extLst>
-          </p:cNvPr>
-          <p:cNvSpPr txBox="1"/>
-          <p:nvPr/>
-        </p:nvSpPr>
-        <p:spPr>
-          <a:xfrm>
-            <a:off x="4154443" y="131095"/>
-            <a:ext cx="373718" cy="276999"/>
-          </a:xfrm>
-          <a:prstGeom prst="rect">
-            <a:avLst/>
-          </a:prstGeom>
-          <a:noFill/>
-        </p:spPr>
-        <p:txBody>
-          <a:bodyPr wrap="square" rtlCol="0">
-            <a:spAutoFit/>
-          </a:bodyPr>
-          <a:lstStyle/>
-          <a:p>
-            <a:r>
-              <a:rPr lang="en-US" sz="1200" dirty="0">
-                <a:latin typeface="+mj-lt"/>
-                <a:cs typeface="Times New Roman" panose="02020603050405020304" pitchFamily="18" charset="0"/>
-              </a:rPr>
-              <a:t>e4</a:t>
-            </a:r>
-          </a:p>
-        </p:txBody>
-      </p:sp>
-      <p:sp>
-        <p:nvSpPr>
-          <p:cNvPr id="27" name="Oval 26">
-            <a:extLst>
-              <a:ext uri="{FF2B5EF4-FFF2-40B4-BE49-F238E27FC236}">
-                <a16:creationId xmlns:a16="http://schemas.microsoft.com/office/drawing/2014/main" id="{6B8D91CC-452C-9F40-8A18-6EEF72196750}"/>
+          <p:cNvPr id="162" name="Oval 161">
+            <a:extLst>
+              <a:ext uri="{FF2B5EF4-FFF2-40B4-BE49-F238E27FC236}">
+                <a16:creationId xmlns:a16="http://schemas.microsoft.com/office/drawing/2014/main" id="{B9C49E4D-2A2B-274E-A5D5-E2ADA13CAA13}"/>
               </a:ext>
             </a:extLst>
           </p:cNvPr>
@@ -4600,7 +8202,7 @@
         </p:nvSpPr>
         <p:spPr>
           <a:xfrm>
-            <a:off x="4109517" y="955780"/>
+            <a:off x="6586221" y="5755840"/>
             <a:ext cx="394531" cy="394531"/>
           </a:xfrm>
           <a:prstGeom prst="ellipse">
@@ -4646,12 +8248,50 @@
           </a:p>
         </p:txBody>
       </p:sp>
+      <p:sp>
+        <p:nvSpPr>
+          <p:cNvPr id="163" name="TextBox 162">
+            <a:extLst>
+              <a:ext uri="{FF2B5EF4-FFF2-40B4-BE49-F238E27FC236}">
+                <a16:creationId xmlns:a16="http://schemas.microsoft.com/office/drawing/2014/main" id="{B44F095C-07B9-0144-81CE-0DF4AB0EFC33}"/>
+              </a:ext>
+            </a:extLst>
+          </p:cNvPr>
+          <p:cNvSpPr txBox="1"/>
+          <p:nvPr/>
+        </p:nvSpPr>
+        <p:spPr>
+          <a:xfrm>
+            <a:off x="6591104" y="5814605"/>
+            <a:ext cx="340158" cy="276999"/>
+          </a:xfrm>
+          <a:prstGeom prst="rect">
+            <a:avLst/>
+          </a:prstGeom>
+          <a:noFill/>
+        </p:spPr>
+        <p:txBody>
+          <a:bodyPr wrap="none" rtlCol="0">
+            <a:spAutoFit/>
+          </a:bodyPr>
+          <a:lstStyle/>
+          <a:p>
+            <a:r>
+              <a:rPr lang="en-US" sz="1200" dirty="0">
+                <a:latin typeface="+mj-lt"/>
+                <a:cs typeface="Times New Roman" panose="02020603050405020304" pitchFamily="18" charset="0"/>
+              </a:rPr>
+              <a:t>e5</a:t>
+            </a:r>
+          </a:p>
+        </p:txBody>
+      </p:sp>
       <p:grpSp>
         <p:nvGrpSpPr>
-          <p:cNvPr id="29" name="Group 28">
-            <a:extLst>
-              <a:ext uri="{FF2B5EF4-FFF2-40B4-BE49-F238E27FC236}">
-                <a16:creationId xmlns:a16="http://schemas.microsoft.com/office/drawing/2014/main" id="{58DDEB8D-7BE7-CB41-B0C9-81495875BA69}"/>
+          <p:cNvPr id="164" name="Group 163">
+            <a:extLst>
+              <a:ext uri="{FF2B5EF4-FFF2-40B4-BE49-F238E27FC236}">
+                <a16:creationId xmlns:a16="http://schemas.microsoft.com/office/drawing/2014/main" id="{9CED4063-B3AA-F34F-89F1-51095DBA70A5}"/>
               </a:ext>
             </a:extLst>
           </p:cNvPr>
@@ -4660,129 +8300,7 @@
         </p:nvGrpSpPr>
         <p:grpSpPr>
           <a:xfrm>
-            <a:off x="4997906" y="68489"/>
-            <a:ext cx="363601" cy="394531"/>
-            <a:chOff x="2658477" y="4475009"/>
-            <a:chExt cx="363601" cy="394531"/>
-          </a:xfrm>
-          <a:solidFill>
-            <a:schemeClr val="accent3"/>
-          </a:solidFill>
-        </p:grpSpPr>
-        <p:sp>
-          <p:nvSpPr>
-            <p:cNvPr id="30" name="Rectangle 29">
-              <a:extLst>
-                <a:ext uri="{FF2B5EF4-FFF2-40B4-BE49-F238E27FC236}">
-                  <a16:creationId xmlns:a16="http://schemas.microsoft.com/office/drawing/2014/main" id="{5A873860-AFEE-C846-B7CA-0E3764F4C6C8}"/>
-                </a:ext>
-              </a:extLst>
-            </p:cNvPr>
-            <p:cNvSpPr/>
-            <p:nvPr/>
-          </p:nvSpPr>
-          <p:spPr>
-            <a:xfrm>
-              <a:off x="2658477" y="4475009"/>
-              <a:ext cx="363601" cy="394531"/>
-            </a:xfrm>
-            <a:prstGeom prst="rect">
-              <a:avLst/>
-            </a:prstGeom>
-            <a:grpFill/>
-            <a:ln w="25400">
-              <a:solidFill>
-                <a:schemeClr val="tx1"/>
-              </a:solidFill>
-            </a:ln>
-          </p:spPr>
-          <p:style>
-            <a:lnRef idx="2">
-              <a:schemeClr val="accent1">
-                <a:shade val="50000"/>
-              </a:schemeClr>
-            </a:lnRef>
-            <a:fillRef idx="1">
-              <a:schemeClr val="accent1"/>
-            </a:fillRef>
-            <a:effectRef idx="0">
-              <a:schemeClr val="accent1"/>
-            </a:effectRef>
-            <a:fontRef idx="minor">
-              <a:schemeClr val="lt1"/>
-            </a:fontRef>
-          </p:style>
-          <p:txBody>
-            <a:bodyPr rot="0" spcFirstLastPara="0" vertOverflow="overflow" horzOverflow="overflow" vert="horz" wrap="square" lIns="56757" tIns="28378" rIns="56757" bIns="28378" numCol="1" spcCol="0" rtlCol="0" fromWordArt="0" anchor="ctr" anchorCtr="0" forceAA="0" compatLnSpc="1">
-              <a:prstTxWarp prst="textNoShape">
-                <a:avLst/>
-              </a:prstTxWarp>
-              <a:noAutofit/>
-            </a:bodyPr>
-            <a:lstStyle/>
-            <a:p>
-              <a:pPr algn="ctr"/>
-              <a:endParaRPr lang="en-US" sz="1200">
-                <a:latin typeface="+mj-lt"/>
-                <a:cs typeface="Times New Roman" panose="02020603050405020304" pitchFamily="18" charset="0"/>
-              </a:endParaRPr>
-            </a:p>
-          </p:txBody>
-        </p:sp>
-        <p:sp>
-          <p:nvSpPr>
-            <p:cNvPr id="31" name="TextBox 30">
-              <a:extLst>
-                <a:ext uri="{FF2B5EF4-FFF2-40B4-BE49-F238E27FC236}">
-                  <a16:creationId xmlns:a16="http://schemas.microsoft.com/office/drawing/2014/main" id="{026EFF95-A269-9B4E-AD07-2002435F0D32}"/>
-                </a:ext>
-              </a:extLst>
-            </p:cNvPr>
-            <p:cNvSpPr txBox="1"/>
-            <p:nvPr/>
-          </p:nvSpPr>
-          <p:spPr>
-            <a:xfrm>
-              <a:off x="2675413" y="4498507"/>
-              <a:ext cx="336952" cy="276999"/>
-            </a:xfrm>
-            <a:prstGeom prst="rect">
-              <a:avLst/>
-            </a:prstGeom>
-            <a:noFill/>
-          </p:spPr>
-          <p:txBody>
-            <a:bodyPr wrap="none" rtlCol="0">
-              <a:spAutoFit/>
-            </a:bodyPr>
-            <a:lstStyle/>
-            <a:p>
-              <a:r>
-                <a:rPr lang="en-US" sz="1200" dirty="0">
-                  <a:latin typeface="+mj-lt"/>
-                  <a:cs typeface="Times New Roman" panose="02020603050405020304" pitchFamily="18" charset="0"/>
-                </a:rPr>
-                <a:t>a2</a:t>
-              </a:r>
-            </a:p>
-          </p:txBody>
-        </p:sp>
-      </p:grpSp>
-      <p:grpSp>
-        <p:nvGrpSpPr>
-          <p:cNvPr id="32" name="Group 31">
-            <a:extLst>
-              <a:ext uri="{FF2B5EF4-FFF2-40B4-BE49-F238E27FC236}">
-                <a16:creationId xmlns:a16="http://schemas.microsoft.com/office/drawing/2014/main" id="{ADB79DEC-DF71-A04A-AA69-FB3D253340FE}"/>
-              </a:ext>
-            </a:extLst>
-          </p:cNvPr>
-          <p:cNvGrpSpPr/>
-          <p:nvPr/>
-        </p:nvGrpSpPr>
-        <p:grpSpPr>
-          <a:xfrm>
-            <a:off x="5008323" y="953747"/>
+            <a:off x="7485027" y="5753807"/>
             <a:ext cx="363601" cy="394531"/>
             <a:chOff x="2658477" y="4455131"/>
             <a:chExt cx="363601" cy="394531"/>
@@ -4790,10 +8308,10 @@
         </p:grpSpPr>
         <p:sp>
           <p:nvSpPr>
-            <p:cNvPr id="33" name="Rectangle 32">
+            <p:cNvPr id="168" name="Rectangle 167">
               <a:extLst>
                 <a:ext uri="{FF2B5EF4-FFF2-40B4-BE49-F238E27FC236}">
-                  <a16:creationId xmlns:a16="http://schemas.microsoft.com/office/drawing/2014/main" id="{BF1237CB-3D98-2E4F-B768-D020BFF9EB00}"/>
+                  <a16:creationId xmlns:a16="http://schemas.microsoft.com/office/drawing/2014/main" id="{B46AE20B-F354-9941-8072-A2F406D0B68C}"/>
                 </a:ext>
               </a:extLst>
             </p:cNvPr>
@@ -4850,10 +8368,10 @@
         </p:sp>
         <p:sp>
           <p:nvSpPr>
-            <p:cNvPr id="34" name="TextBox 33">
+            <p:cNvPr id="169" name="TextBox 168">
               <a:extLst>
                 <a:ext uri="{FF2B5EF4-FFF2-40B4-BE49-F238E27FC236}">
-                  <a16:creationId xmlns:a16="http://schemas.microsoft.com/office/drawing/2014/main" id="{02BA6998-2549-1044-86AE-4D1A2F91731F}"/>
+                  <a16:creationId xmlns:a16="http://schemas.microsoft.com/office/drawing/2014/main" id="{449555CE-486A-BE41-AB83-EF820834993C}"/>
                 </a:ext>
               </a:extLst>
             </p:cNvPr>
@@ -4889,23 +8407,24 @@
       </p:grpSp>
       <p:cxnSp>
         <p:nvCxnSpPr>
-          <p:cNvPr id="38" name="Straight Arrow Connector 37">
-            <a:extLst>
-              <a:ext uri="{FF2B5EF4-FFF2-40B4-BE49-F238E27FC236}">
-                <a16:creationId xmlns:a16="http://schemas.microsoft.com/office/drawing/2014/main" id="{9774CE3A-A97F-DC46-A82D-3F506103356B}"/>
+          <p:cNvPr id="170" name="Straight Arrow Connector 169">
+            <a:extLst>
+              <a:ext uri="{FF2B5EF4-FFF2-40B4-BE49-F238E27FC236}">
+                <a16:creationId xmlns:a16="http://schemas.microsoft.com/office/drawing/2014/main" id="{C6DA53A0-AFAA-2D45-BF5B-56F8F2C59610}"/>
               </a:ext>
             </a:extLst>
           </p:cNvPr>
           <p:cNvCxnSpPr>
             <a:cxnSpLocks/>
-            <a:endCxn id="14" idx="3"/>
+            <a:stCxn id="181" idx="1"/>
+            <a:endCxn id="157" idx="3"/>
           </p:cNvCxnSpPr>
           <p:nvPr/>
         </p:nvCxnSpPr>
         <p:spPr>
           <a:xfrm flipH="1">
-            <a:off x="3587518" y="279823"/>
-            <a:ext cx="521999" cy="1"/>
+            <a:off x="6063396" y="4758810"/>
+            <a:ext cx="1774815" cy="15301"/>
           </a:xfrm>
           <a:prstGeom prst="straightConnector1">
             <a:avLst/>
@@ -4934,22 +8453,23 @@
       </p:cxnSp>
       <p:cxnSp>
         <p:nvCxnSpPr>
-          <p:cNvPr id="39" name="Straight Arrow Connector 38">
-            <a:extLst>
-              <a:ext uri="{FF2B5EF4-FFF2-40B4-BE49-F238E27FC236}">
-                <a16:creationId xmlns:a16="http://schemas.microsoft.com/office/drawing/2014/main" id="{E43912C9-718E-E849-8467-C9359972B555}"/>
+          <p:cNvPr id="171" name="Straight Arrow Connector 170">
+            <a:extLst>
+              <a:ext uri="{FF2B5EF4-FFF2-40B4-BE49-F238E27FC236}">
+                <a16:creationId xmlns:a16="http://schemas.microsoft.com/office/drawing/2014/main" id="{169BC27D-3272-6742-A4AC-C3D7349B1604}"/>
               </a:ext>
             </a:extLst>
           </p:cNvPr>
           <p:cNvCxnSpPr>
-            <a:cxnSpLocks/>
+            <a:stCxn id="162" idx="2"/>
+            <a:endCxn id="161" idx="3"/>
           </p:cNvCxnSpPr>
           <p:nvPr/>
         </p:nvCxnSpPr>
         <p:spPr>
           <a:xfrm flipH="1" flipV="1">
-            <a:off x="3598876" y="1136058"/>
-            <a:ext cx="516285" cy="16988"/>
+            <a:off x="6069355" y="5936119"/>
+            <a:ext cx="516866" cy="16987"/>
           </a:xfrm>
           <a:prstGeom prst="straightConnector1">
             <a:avLst/>
@@ -4978,68 +8498,22 @@
       </p:cxnSp>
       <p:cxnSp>
         <p:nvCxnSpPr>
-          <p:cNvPr id="40" name="Straight Arrow Connector 39">
-            <a:extLst>
-              <a:ext uri="{FF2B5EF4-FFF2-40B4-BE49-F238E27FC236}">
-                <a16:creationId xmlns:a16="http://schemas.microsoft.com/office/drawing/2014/main" id="{3F0BB5AA-803C-A249-800F-155E27C62A0A}"/>
+          <p:cNvPr id="172" name="Straight Arrow Connector 171">
+            <a:extLst>
+              <a:ext uri="{FF2B5EF4-FFF2-40B4-BE49-F238E27FC236}">
+                <a16:creationId xmlns:a16="http://schemas.microsoft.com/office/drawing/2014/main" id="{AFAB9C2E-24E3-9348-A885-366E31972151}"/>
               </a:ext>
             </a:extLst>
           </p:cNvPr>
           <p:cNvCxnSpPr>
-            <a:cxnSpLocks/>
-            <a:stCxn id="30" idx="1"/>
-            <a:endCxn id="25" idx="3"/>
+            <a:stCxn id="168" idx="1"/>
+            <a:endCxn id="162" idx="6"/>
           </p:cNvCxnSpPr>
           <p:nvPr/>
         </p:nvCxnSpPr>
         <p:spPr>
           <a:xfrm flipH="1">
-            <a:off x="4528161" y="265755"/>
-            <a:ext cx="469745" cy="3840"/>
-          </a:xfrm>
-          <a:prstGeom prst="straightConnector1">
-            <a:avLst/>
-          </a:prstGeom>
-          <a:ln w="25400">
-            <a:solidFill>
-              <a:schemeClr val="tx1"/>
-            </a:solidFill>
-            <a:tailEnd type="triangle"/>
-          </a:ln>
-        </p:spPr>
-        <p:style>
-          <a:lnRef idx="1">
-            <a:schemeClr val="accent1"/>
-          </a:lnRef>
-          <a:fillRef idx="0">
-            <a:schemeClr val="accent1"/>
-          </a:fillRef>
-          <a:effectRef idx="0">
-            <a:schemeClr val="accent1"/>
-          </a:effectRef>
-          <a:fontRef idx="minor">
-            <a:schemeClr val="tx1"/>
-          </a:fontRef>
-        </p:style>
-      </p:cxnSp>
-      <p:cxnSp>
-        <p:nvCxnSpPr>
-          <p:cNvPr id="41" name="Straight Arrow Connector 40">
-            <a:extLst>
-              <a:ext uri="{FF2B5EF4-FFF2-40B4-BE49-F238E27FC236}">
-                <a16:creationId xmlns:a16="http://schemas.microsoft.com/office/drawing/2014/main" id="{9F3E0B84-0909-B743-9080-B0E41D6E4599}"/>
-              </a:ext>
-            </a:extLst>
-          </p:cNvPr>
-          <p:cNvCxnSpPr>
-            <a:stCxn id="33" idx="1"/>
-            <a:endCxn id="27" idx="6"/>
-          </p:cNvCxnSpPr>
-          <p:nvPr/>
-        </p:nvCxnSpPr>
-        <p:spPr>
-          <a:xfrm flipH="1">
-            <a:off x="4504048" y="1151013"/>
+            <a:off x="6980752" y="5951073"/>
             <a:ext cx="504275" cy="2033"/>
           </a:xfrm>
           <a:prstGeom prst="straightConnector1">
@@ -5069,10 +8543,10 @@
       </p:cxnSp>
       <p:sp>
         <p:nvSpPr>
-          <p:cNvPr id="44" name="TextBox 43">
-            <a:extLst>
-              <a:ext uri="{FF2B5EF4-FFF2-40B4-BE49-F238E27FC236}">
-                <a16:creationId xmlns:a16="http://schemas.microsoft.com/office/drawing/2014/main" id="{2C40AC4A-8D7C-484D-83E3-080746DCE7B8}"/>
+          <p:cNvPr id="173" name="TextBox 172">
+            <a:extLst>
+              <a:ext uri="{FF2B5EF4-FFF2-40B4-BE49-F238E27FC236}">
+                <a16:creationId xmlns:a16="http://schemas.microsoft.com/office/drawing/2014/main" id="{2B0A9B61-A088-0A4F-B7E4-8C4DCEDF9623}"/>
               </a:ext>
             </a:extLst>
           </p:cNvPr>
@@ -5081,45 +8555,7 @@
         </p:nvSpPr>
         <p:spPr>
           <a:xfrm>
-            <a:off x="4522895" y="0"/>
-            <a:ext cx="482824" cy="276999"/>
-          </a:xfrm>
-          <a:prstGeom prst="rect">
-            <a:avLst/>
-          </a:prstGeom>
-          <a:noFill/>
-        </p:spPr>
-        <p:txBody>
-          <a:bodyPr wrap="none" rtlCol="0">
-            <a:spAutoFit/>
-          </a:bodyPr>
-          <a:lstStyle/>
-          <a:p>
-            <a:r>
-              <a:rPr lang="en-US" sz="1200" dirty="0">
-                <a:latin typeface="+mj-lt"/>
-                <a:cs typeface="Times New Roman" panose="02020603050405020304" pitchFamily="18" charset="0"/>
-              </a:rPr>
-              <a:t>used</a:t>
-            </a:r>
-          </a:p>
-        </p:txBody>
-      </p:sp>
-      <p:sp>
-        <p:nvSpPr>
-          <p:cNvPr id="45" name="TextBox 44">
-            <a:extLst>
-              <a:ext uri="{FF2B5EF4-FFF2-40B4-BE49-F238E27FC236}">
-                <a16:creationId xmlns:a16="http://schemas.microsoft.com/office/drawing/2014/main" id="{0909D81B-E2EA-1B4A-88FA-637B628A0894}"/>
-              </a:ext>
-            </a:extLst>
-          </p:cNvPr>
-          <p:cNvSpPr txBox="1"/>
-          <p:nvPr/>
-        </p:nvSpPr>
-        <p:spPr>
-          <a:xfrm>
-            <a:off x="4530708" y="899098"/>
+            <a:off x="7007412" y="5699158"/>
             <a:ext cx="479618" cy="276999"/>
           </a:xfrm>
           <a:prstGeom prst="rect">
@@ -5145,10 +8581,10 @@
       </p:sp>
       <p:sp>
         <p:nvSpPr>
-          <p:cNvPr id="47" name="TextBox 46">
-            <a:extLst>
-              <a:ext uri="{FF2B5EF4-FFF2-40B4-BE49-F238E27FC236}">
-                <a16:creationId xmlns:a16="http://schemas.microsoft.com/office/drawing/2014/main" id="{ACDB9B83-7FA9-F34E-9FFD-62B731AD3F63}"/>
+          <p:cNvPr id="174" name="TextBox 173">
+            <a:extLst>
+              <a:ext uri="{FF2B5EF4-FFF2-40B4-BE49-F238E27FC236}">
+                <a16:creationId xmlns:a16="http://schemas.microsoft.com/office/drawing/2014/main" id="{98D17580-50A7-EF4B-9EE7-DD9528B89933}"/>
               </a:ext>
             </a:extLst>
           </p:cNvPr>
@@ -5157,7 +8593,7 @@
         </p:nvSpPr>
         <p:spPr>
           <a:xfrm>
-            <a:off x="3623731" y="873744"/>
+            <a:off x="6100435" y="5673804"/>
             <a:ext cx="510333" cy="276999"/>
           </a:xfrm>
           <a:prstGeom prst="rect">
@@ -5187,23 +8623,24 @@
       </p:sp>
       <p:cxnSp>
         <p:nvCxnSpPr>
-          <p:cNvPr id="55" name="Straight Arrow Connector 54">
-            <a:extLst>
-              <a:ext uri="{FF2B5EF4-FFF2-40B4-BE49-F238E27FC236}">
-                <a16:creationId xmlns:a16="http://schemas.microsoft.com/office/drawing/2014/main" id="{256322CD-CB7B-EE43-B71C-7B87AC68DEAC}"/>
+          <p:cNvPr id="175" name="Straight Arrow Connector 174">
+            <a:extLst>
+              <a:ext uri="{FF2B5EF4-FFF2-40B4-BE49-F238E27FC236}">
+                <a16:creationId xmlns:a16="http://schemas.microsoft.com/office/drawing/2014/main" id="{417B028F-7D05-1C44-A745-9506E51369CC}"/>
               </a:ext>
             </a:extLst>
           </p:cNvPr>
           <p:cNvCxnSpPr>
-            <a:stCxn id="30" idx="1"/>
-            <a:endCxn id="27" idx="6"/>
+            <a:cxnSpLocks/>
+            <a:stCxn id="180" idx="4"/>
+            <a:endCxn id="162" idx="6"/>
           </p:cNvCxnSpPr>
           <p:nvPr/>
         </p:nvCxnSpPr>
         <p:spPr>
           <a:xfrm flipH="1">
-            <a:off x="4504048" y="265755"/>
-            <a:ext cx="493858" cy="887291"/>
+            <a:off x="6980752" y="4987511"/>
+            <a:ext cx="1076141" cy="965595"/>
           </a:xfrm>
           <a:prstGeom prst="straightConnector1">
             <a:avLst/>
@@ -5232,10 +8669,10 @@
       </p:cxnSp>
       <p:sp>
         <p:nvSpPr>
-          <p:cNvPr id="201" name="Right Arrow 200">
-            <a:extLst>
-              <a:ext uri="{FF2B5EF4-FFF2-40B4-BE49-F238E27FC236}">
-                <a16:creationId xmlns:a16="http://schemas.microsoft.com/office/drawing/2014/main" id="{53C320BB-ACDE-4141-A63B-A149F2633898}"/>
+          <p:cNvPr id="177" name="Rectangle 176">
+            <a:extLst>
+              <a:ext uri="{FF2B5EF4-FFF2-40B4-BE49-F238E27FC236}">
+                <a16:creationId xmlns:a16="http://schemas.microsoft.com/office/drawing/2014/main" id="{6EDA43DC-F7AC-0B4C-AA26-40346AE05F62}"/>
               </a:ext>
             </a:extLst>
           </p:cNvPr>
@@ -5243,23 +8680,236 @@
           <p:nvPr/>
         </p:nvSpPr>
         <p:spPr>
-          <a:xfrm rot="7795786">
-            <a:off x="2993955" y="1495397"/>
-            <a:ext cx="434774" cy="435595"/>
+          <a:xfrm>
+            <a:off x="8385505" y="5348376"/>
+            <a:ext cx="484428" cy="276999"/>
           </a:xfrm>
-          <a:prstGeom prst="rightArrow">
+          <a:prstGeom prst="rect">
+            <a:avLst/>
+          </a:prstGeom>
+        </p:spPr>
+        <p:txBody>
+          <a:bodyPr wrap="none">
+            <a:spAutoFit/>
+          </a:bodyPr>
+          <a:lstStyle/>
+          <a:p>
+            <a:pPr lvl="0"/>
+            <a:r>
+              <a:rPr lang="en-US" sz="1200" dirty="0">
+                <a:solidFill>
+                  <a:prstClr val="black"/>
+                </a:solidFill>
+                <a:latin typeface="Times New Roman" panose="02020603050405020304" pitchFamily="18" charset="0"/>
+                <a:cs typeface="Times New Roman" panose="02020603050405020304" pitchFamily="18" charset="0"/>
+              </a:rPr>
+              <a:t>(e-1)</a:t>
+            </a:r>
+          </a:p>
+        </p:txBody>
+      </p:sp>
+      <p:sp>
+        <p:nvSpPr>
+          <p:cNvPr id="178" name="TextBox 177">
+            <a:extLst>
+              <a:ext uri="{FF2B5EF4-FFF2-40B4-BE49-F238E27FC236}">
+                <a16:creationId xmlns:a16="http://schemas.microsoft.com/office/drawing/2014/main" id="{638A3484-3F0B-CC4E-A836-B5D3B0E4F8B9}"/>
+              </a:ext>
+            </a:extLst>
+          </p:cNvPr>
+          <p:cNvSpPr txBox="1"/>
+          <p:nvPr/>
+        </p:nvSpPr>
+        <p:spPr>
+          <a:xfrm>
+            <a:off x="7130916" y="5367198"/>
+            <a:ext cx="1222514" cy="276999"/>
+          </a:xfrm>
+          <a:prstGeom prst="rect">
+            <a:avLst/>
+          </a:prstGeom>
+          <a:noFill/>
+        </p:spPr>
+        <p:txBody>
+          <a:bodyPr wrap="none" rtlCol="0">
+            <a:spAutoFit/>
+          </a:bodyPr>
+          <a:lstStyle/>
+          <a:p>
+            <a:r>
+              <a:rPr lang="en-US" sz="1200" dirty="0" err="1">
+                <a:latin typeface="+mj-lt"/>
+                <a:cs typeface="Times New Roman" panose="02020603050405020304" pitchFamily="18" charset="0"/>
+              </a:rPr>
+              <a:t>wasInfluencedBy</a:t>
+            </a:r>
+            <a:endParaRPr lang="en-US" sz="1200" dirty="0">
+              <a:latin typeface="+mj-lt"/>
+              <a:cs typeface="Times New Roman" panose="02020603050405020304" pitchFamily="18" charset="0"/>
+            </a:endParaRPr>
+          </a:p>
+        </p:txBody>
+      </p:sp>
+      <p:grpSp>
+        <p:nvGrpSpPr>
+          <p:cNvPr id="179" name="Group 178">
+            <a:extLst>
+              <a:ext uri="{FF2B5EF4-FFF2-40B4-BE49-F238E27FC236}">
+                <a16:creationId xmlns:a16="http://schemas.microsoft.com/office/drawing/2014/main" id="{BC856751-8686-7445-B218-B73E31E9CD7A}"/>
+              </a:ext>
+            </a:extLst>
+          </p:cNvPr>
+          <p:cNvGrpSpPr/>
+          <p:nvPr/>
+        </p:nvGrpSpPr>
+        <p:grpSpPr>
+          <a:xfrm>
+            <a:off x="7838211" y="4592980"/>
+            <a:ext cx="435825" cy="394531"/>
+            <a:chOff x="6672087" y="3970253"/>
+            <a:chExt cx="435825" cy="394531"/>
+          </a:xfrm>
+        </p:grpSpPr>
+        <p:sp>
+          <p:nvSpPr>
+            <p:cNvPr id="180" name="Oval 179">
+              <a:extLst>
+                <a:ext uri="{FF2B5EF4-FFF2-40B4-BE49-F238E27FC236}">
+                  <a16:creationId xmlns:a16="http://schemas.microsoft.com/office/drawing/2014/main" id="{5A48898A-B30C-0B4B-A044-74E37D58D7F1}"/>
+                </a:ext>
+              </a:extLst>
+            </p:cNvPr>
+            <p:cNvSpPr/>
+            <p:nvPr/>
+          </p:nvSpPr>
+          <p:spPr>
+            <a:xfrm>
+              <a:off x="6693503" y="3970253"/>
+              <a:ext cx="394531" cy="394531"/>
+            </a:xfrm>
+            <a:prstGeom prst="ellipse">
+              <a:avLst/>
+            </a:prstGeom>
+            <a:solidFill>
+              <a:schemeClr val="accent3"/>
+            </a:solidFill>
+            <a:ln w="25400">
+              <a:solidFill>
+                <a:schemeClr val="tx1"/>
+              </a:solidFill>
+            </a:ln>
+          </p:spPr>
+          <p:style>
+            <a:lnRef idx="2">
+              <a:schemeClr val="accent1">
+                <a:shade val="50000"/>
+              </a:schemeClr>
+            </a:lnRef>
+            <a:fillRef idx="1">
+              <a:schemeClr val="accent1"/>
+            </a:fillRef>
+            <a:effectRef idx="0">
+              <a:schemeClr val="accent1"/>
+            </a:effectRef>
+            <a:fontRef idx="minor">
+              <a:schemeClr val="lt1"/>
+            </a:fontRef>
+          </p:style>
+          <p:txBody>
+            <a:bodyPr rot="0" spcFirstLastPara="0" vertOverflow="overflow" horzOverflow="overflow" vert="horz" wrap="square" lIns="56757" tIns="28378" rIns="56757" bIns="28378" numCol="1" spcCol="0" rtlCol="0" fromWordArt="0" anchor="ctr" anchorCtr="0" forceAA="0" compatLnSpc="1">
+              <a:prstTxWarp prst="textNoShape">
+                <a:avLst/>
+              </a:prstTxWarp>
+              <a:noAutofit/>
+            </a:bodyPr>
+            <a:lstStyle/>
+            <a:p>
+              <a:pPr algn="ctr"/>
+              <a:endParaRPr lang="en-US" sz="1200">
+                <a:latin typeface="+mj-lt"/>
+                <a:cs typeface="Times New Roman" panose="02020603050405020304" pitchFamily="18" charset="0"/>
+              </a:endParaRPr>
+            </a:p>
+          </p:txBody>
+        </p:sp>
+        <p:sp>
+          <p:nvSpPr>
+            <p:cNvPr id="181" name="TextBox 180">
+              <a:extLst>
+                <a:ext uri="{FF2B5EF4-FFF2-40B4-BE49-F238E27FC236}">
+                  <a16:creationId xmlns:a16="http://schemas.microsoft.com/office/drawing/2014/main" id="{6476D421-C0D7-8F44-9EFA-69B533300916}"/>
+                </a:ext>
+              </a:extLst>
+            </p:cNvPr>
+            <p:cNvSpPr txBox="1"/>
+            <p:nvPr/>
+          </p:nvSpPr>
+          <p:spPr>
+            <a:xfrm>
+              <a:off x="6672087" y="3997583"/>
+              <a:ext cx="435825" cy="276999"/>
+            </a:xfrm>
+            <a:prstGeom prst="rect">
+              <a:avLst/>
+            </a:prstGeom>
+            <a:noFill/>
+          </p:spPr>
+          <p:txBody>
+            <a:bodyPr wrap="none" rtlCol="0">
+              <a:spAutoFit/>
+            </a:bodyPr>
+            <a:lstStyle/>
+            <a:p>
+              <a:r>
+                <a:rPr lang="en-US" sz="1200" dirty="0" err="1">
+                  <a:latin typeface="+mj-lt"/>
+                  <a:cs typeface="Times New Roman" panose="02020603050405020304" pitchFamily="18" charset="0"/>
+                </a:rPr>
+                <a:t>e</a:t>
+              </a:r>
+              <a:r>
+                <a:rPr lang="en-US" sz="1200" baseline="-25000" dirty="0" err="1">
+                  <a:latin typeface="+mj-lt"/>
+                  <a:cs typeface="Times New Roman" panose="02020603050405020304" pitchFamily="18" charset="0"/>
+                </a:rPr>
+                <a:t>new</a:t>
+              </a:r>
+              <a:endParaRPr lang="en-US" sz="1200" baseline="-25000" dirty="0">
+                <a:latin typeface="+mj-lt"/>
+                <a:cs typeface="Times New Roman" panose="02020603050405020304" pitchFamily="18" charset="0"/>
+              </a:endParaRPr>
+            </a:p>
+          </p:txBody>
+        </p:sp>
+      </p:grpSp>
+      <p:sp>
+        <p:nvSpPr>
+          <p:cNvPr id="216" name="Oval 215">
+            <a:extLst>
+              <a:ext uri="{FF2B5EF4-FFF2-40B4-BE49-F238E27FC236}">
+                <a16:creationId xmlns:a16="http://schemas.microsoft.com/office/drawing/2014/main" id="{DD7192FB-A37A-3F42-A440-458EB8A7987D}"/>
+              </a:ext>
+            </a:extLst>
+          </p:cNvPr>
+          <p:cNvSpPr/>
+          <p:nvPr/>
+        </p:nvSpPr>
+        <p:spPr>
+          <a:xfrm>
+            <a:off x="6664001" y="2133348"/>
+            <a:ext cx="394531" cy="394531"/>
+          </a:xfrm>
+          <a:prstGeom prst="ellipse">
             <a:avLst/>
           </a:prstGeom>
           <a:solidFill>
-            <a:schemeClr val="accent2"/>
+            <a:schemeClr val="accent3"/>
           </a:solidFill>
-          <a:effectLst>
-            <a:outerShdw blurRad="50800" dist="38100" dir="2700000" algn="tl" rotWithShape="0">
-              <a:prstClr val="black">
-                <a:alpha val="40000"/>
-              </a:prstClr>
-            </a:outerShdw>
-          </a:effectLst>
+          <a:ln w="25400">
+            <a:solidFill>
+              <a:schemeClr val="tx1"/>
+            </a:solidFill>
+          </a:ln>
         </p:spPr>
         <p:style>
           <a:lnRef idx="2">
@@ -5278,279 +8928,28 @@
           </a:fontRef>
         </p:style>
         <p:txBody>
-          <a:bodyPr rtlCol="0" anchor="ctr"/>
-          <a:lstStyle/>
-          <a:p>
-            <a:pPr algn="ctr"/>
-            <a:endParaRPr lang="en-US" dirty="0"/>
-          </a:p>
-        </p:txBody>
-      </p:sp>
-      <p:sp>
-        <p:nvSpPr>
-          <p:cNvPr id="202" name="Right Arrow 201">
-            <a:extLst>
-              <a:ext uri="{FF2B5EF4-FFF2-40B4-BE49-F238E27FC236}">
-                <a16:creationId xmlns:a16="http://schemas.microsoft.com/office/drawing/2014/main" id="{C53AB098-FB56-6F40-9361-77851AE26F56}"/>
-              </a:ext>
-            </a:extLst>
-          </p:cNvPr>
-          <p:cNvSpPr/>
-          <p:nvPr/>
-        </p:nvSpPr>
-        <p:spPr>
-          <a:xfrm rot="3119805">
-            <a:off x="5200461" y="1517873"/>
-            <a:ext cx="434774" cy="435595"/>
-          </a:xfrm>
-          <a:prstGeom prst="rightArrow">
-            <a:avLst/>
-          </a:prstGeom>
-          <a:solidFill>
-            <a:schemeClr val="accent2"/>
-          </a:solidFill>
-          <a:effectLst>
-            <a:outerShdw blurRad="50800" dist="38100" dir="2700000" algn="tl" rotWithShape="0">
-              <a:prstClr val="black">
-                <a:alpha val="40000"/>
-              </a:prstClr>
-            </a:outerShdw>
-          </a:effectLst>
-        </p:spPr>
-        <p:style>
-          <a:lnRef idx="2">
-            <a:schemeClr val="accent1">
-              <a:shade val="50000"/>
-            </a:schemeClr>
-          </a:lnRef>
-          <a:fillRef idx="1">
-            <a:schemeClr val="accent1"/>
-          </a:fillRef>
-          <a:effectRef idx="0">
-            <a:schemeClr val="accent1"/>
-          </a:effectRef>
-          <a:fontRef idx="minor">
-            <a:schemeClr val="lt1"/>
-          </a:fontRef>
-        </p:style>
-        <p:txBody>
-          <a:bodyPr rtlCol="0" anchor="ctr"/>
-          <a:lstStyle/>
-          <a:p>
-            <a:pPr algn="ctr"/>
-            <a:endParaRPr lang="en-US" dirty="0"/>
-          </a:p>
-        </p:txBody>
-      </p:sp>
-      <p:sp>
-        <p:nvSpPr>
-          <p:cNvPr id="58" name="Rectangle 57">
-            <a:extLst>
-              <a:ext uri="{FF2B5EF4-FFF2-40B4-BE49-F238E27FC236}">
-                <a16:creationId xmlns:a16="http://schemas.microsoft.com/office/drawing/2014/main" id="{B1E36DF9-63C5-DF44-B0CB-35E9FC7A9858}"/>
-              </a:ext>
-            </a:extLst>
-          </p:cNvPr>
-          <p:cNvSpPr/>
-          <p:nvPr/>
-        </p:nvSpPr>
-        <p:spPr>
-          <a:xfrm>
-            <a:off x="1548943" y="422462"/>
-            <a:ext cx="963725" cy="276999"/>
-          </a:xfrm>
-          <a:prstGeom prst="rect">
-            <a:avLst/>
-          </a:prstGeom>
-        </p:spPr>
-        <p:txBody>
-          <a:bodyPr wrap="none">
-            <a:spAutoFit/>
+          <a:bodyPr rot="0" spcFirstLastPara="0" vertOverflow="overflow" horzOverflow="overflow" vert="horz" wrap="square" lIns="56757" tIns="28378" rIns="56757" bIns="28378" numCol="1" spcCol="0" rtlCol="0" fromWordArt="0" anchor="ctr" anchorCtr="0" forceAA="0" compatLnSpc="1">
+            <a:prstTxWarp prst="textNoShape">
+              <a:avLst/>
+            </a:prstTxWarp>
+            <a:noAutofit/>
           </a:bodyPr>
           <a:lstStyle/>
           <a:p>
-            <a:pPr lvl="0"/>
-            <a:r>
-              <a:rPr lang="en-US" sz="1200" dirty="0">
-                <a:solidFill>
-                  <a:prstClr val="black"/>
-                </a:solidFill>
-                <a:latin typeface="Times New Roman" panose="02020603050405020304" pitchFamily="18" charset="0"/>
-                <a:cs typeface="Times New Roman" panose="02020603050405020304" pitchFamily="18" charset="0"/>
-              </a:rPr>
-              <a:t>(a-grouping)</a:t>
-            </a:r>
-          </a:p>
-        </p:txBody>
-      </p:sp>
-      <p:sp>
-        <p:nvSpPr>
-          <p:cNvPr id="204" name="Rectangle 203">
-            <a:extLst>
-              <a:ext uri="{FF2B5EF4-FFF2-40B4-BE49-F238E27FC236}">
-                <a16:creationId xmlns:a16="http://schemas.microsoft.com/office/drawing/2014/main" id="{213E4176-A1EC-354E-AE73-8A1FB1057A5E}"/>
-              </a:ext>
-            </a:extLst>
-          </p:cNvPr>
-          <p:cNvSpPr/>
-          <p:nvPr/>
-        </p:nvSpPr>
-        <p:spPr>
-          <a:xfrm>
-            <a:off x="6316199" y="422461"/>
-            <a:ext cx="963725" cy="276999"/>
-          </a:xfrm>
-          <a:prstGeom prst="rect">
-            <a:avLst/>
-          </a:prstGeom>
-        </p:spPr>
-        <p:txBody>
-          <a:bodyPr wrap="none">
-            <a:spAutoFit/>
-          </a:bodyPr>
-          <a:lstStyle/>
-          <a:p>
-            <a:pPr lvl="0"/>
-            <a:r>
-              <a:rPr lang="en-US" sz="1200" dirty="0">
-                <a:solidFill>
-                  <a:prstClr val="black"/>
-                </a:solidFill>
-                <a:latin typeface="Times New Roman" panose="02020603050405020304" pitchFamily="18" charset="0"/>
-                <a:cs typeface="Times New Roman" panose="02020603050405020304" pitchFamily="18" charset="0"/>
-              </a:rPr>
-              <a:t>(e-grouping)</a:t>
-            </a:r>
-          </a:p>
-        </p:txBody>
-      </p:sp>
-      <p:sp>
-        <p:nvSpPr>
-          <p:cNvPr id="303" name="Rectangle 302">
-            <a:extLst>
-              <a:ext uri="{FF2B5EF4-FFF2-40B4-BE49-F238E27FC236}">
-                <a16:creationId xmlns:a16="http://schemas.microsoft.com/office/drawing/2014/main" id="{2F6A9014-7537-5049-9FD8-0666FEDC5B8E}"/>
-              </a:ext>
-            </a:extLst>
-          </p:cNvPr>
-          <p:cNvSpPr/>
-          <p:nvPr/>
-        </p:nvSpPr>
-        <p:spPr>
-          <a:xfrm>
-            <a:off x="2219517" y="1461741"/>
-            <a:ext cx="744819" cy="276999"/>
-          </a:xfrm>
-          <a:prstGeom prst="rect">
-            <a:avLst/>
-          </a:prstGeom>
-        </p:spPr>
-        <p:txBody>
-          <a:bodyPr wrap="square">
-            <a:spAutoFit/>
-          </a:bodyPr>
-          <a:lstStyle/>
-          <a:p>
-            <a:pPr lvl="0"/>
-            <a:r>
-              <a:rPr lang="en-US" sz="1200" i="1" dirty="0">
-                <a:solidFill>
-                  <a:prstClr val="black"/>
-                </a:solidFill>
-                <a:latin typeface="Times New Roman" panose="02020603050405020304" pitchFamily="18" charset="0"/>
-                <a:cs typeface="Times New Roman" panose="02020603050405020304" pitchFamily="18" charset="0"/>
-              </a:rPr>
-              <a:t>(replace)</a:t>
-            </a:r>
-          </a:p>
-        </p:txBody>
-      </p:sp>
-      <p:sp>
-        <p:nvSpPr>
-          <p:cNvPr id="309" name="TextBox 308">
-            <a:extLst>
-              <a:ext uri="{FF2B5EF4-FFF2-40B4-BE49-F238E27FC236}">
-                <a16:creationId xmlns:a16="http://schemas.microsoft.com/office/drawing/2014/main" id="{C7593B29-7DB5-034C-9298-C368E82E9DF7}"/>
-              </a:ext>
-            </a:extLst>
-          </p:cNvPr>
-          <p:cNvSpPr txBox="1"/>
-          <p:nvPr/>
-        </p:nvSpPr>
-        <p:spPr>
-          <a:xfrm>
-            <a:off x="3610317" y="30129"/>
-            <a:ext cx="510333" cy="276999"/>
-          </a:xfrm>
-          <a:prstGeom prst="rect">
-            <a:avLst/>
-          </a:prstGeom>
-          <a:noFill/>
-        </p:spPr>
-        <p:txBody>
-          <a:bodyPr wrap="none" rtlCol="0">
-            <a:spAutoFit/>
-          </a:bodyPr>
-          <a:lstStyle/>
-          <a:p>
-            <a:r>
-              <a:rPr lang="en-US" sz="1200" dirty="0" err="1">
-                <a:latin typeface="+mj-lt"/>
-                <a:cs typeface="Times New Roman" panose="02020603050405020304" pitchFamily="18" charset="0"/>
-              </a:rPr>
-              <a:t>wgBy</a:t>
-            </a:r>
-            <a:endParaRPr lang="en-US" sz="1200" dirty="0">
+            <a:pPr algn="ctr"/>
+            <a:endParaRPr lang="en-US" sz="1200">
               <a:latin typeface="+mj-lt"/>
               <a:cs typeface="Times New Roman" panose="02020603050405020304" pitchFamily="18" charset="0"/>
             </a:endParaRPr>
-          </a:p>
-        </p:txBody>
-      </p:sp>
-      <p:sp>
-        <p:nvSpPr>
-          <p:cNvPr id="310" name="TextBox 309">
-            <a:extLst>
-              <a:ext uri="{FF2B5EF4-FFF2-40B4-BE49-F238E27FC236}">
-                <a16:creationId xmlns:a16="http://schemas.microsoft.com/office/drawing/2014/main" id="{D3197F1D-47A0-9544-88F6-F8AEEF62C33A}"/>
-              </a:ext>
-            </a:extLst>
-          </p:cNvPr>
-          <p:cNvSpPr txBox="1"/>
-          <p:nvPr/>
-        </p:nvSpPr>
-        <p:spPr>
-          <a:xfrm>
-            <a:off x="4341302" y="408094"/>
-            <a:ext cx="482824" cy="276999"/>
-          </a:xfrm>
-          <a:prstGeom prst="rect">
-            <a:avLst/>
-          </a:prstGeom>
-          <a:noFill/>
-        </p:spPr>
-        <p:txBody>
-          <a:bodyPr wrap="none" rtlCol="0">
-            <a:spAutoFit/>
-          </a:bodyPr>
-          <a:lstStyle/>
-          <a:p>
-            <a:r>
-              <a:rPr lang="en-US" sz="1200" dirty="0">
-                <a:latin typeface="+mj-lt"/>
-                <a:cs typeface="Times New Roman" panose="02020603050405020304" pitchFamily="18" charset="0"/>
-              </a:rPr>
-              <a:t>used</a:t>
-            </a:r>
           </a:p>
         </p:txBody>
       </p:sp>
       <p:grpSp>
         <p:nvGrpSpPr>
-          <p:cNvPr id="230" name="Group 229">
-            <a:extLst>
-              <a:ext uri="{FF2B5EF4-FFF2-40B4-BE49-F238E27FC236}">
-                <a16:creationId xmlns:a16="http://schemas.microsoft.com/office/drawing/2014/main" id="{BD0951E2-321A-BA40-B3A9-95CF5A673C4F}"/>
+          <p:cNvPr id="217" name="Group 216">
+            <a:extLst>
+              <a:ext uri="{FF2B5EF4-FFF2-40B4-BE49-F238E27FC236}">
+                <a16:creationId xmlns:a16="http://schemas.microsoft.com/office/drawing/2014/main" id="{9FF24DD5-64F4-7842-A62C-88CD703CFB79}"/>
               </a:ext>
             </a:extLst>
           </p:cNvPr>
@@ -5559,10 +8958,10 @@
         </p:nvGrpSpPr>
         <p:grpSpPr>
           <a:xfrm>
-            <a:off x="5684743" y="2002182"/>
-            <a:ext cx="370458" cy="394531"/>
-            <a:chOff x="2651620" y="4455131"/>
-            <a:chExt cx="370458" cy="394531"/>
+            <a:off x="4941686" y="2149332"/>
+            <a:ext cx="363601" cy="394531"/>
+            <a:chOff x="1836752" y="4466258"/>
+            <a:chExt cx="363601" cy="394531"/>
           </a:xfrm>
           <a:solidFill>
             <a:schemeClr val="accent3"/>
@@ -5570,10 +8969,10 @@
         </p:grpSpPr>
         <p:sp>
           <p:nvSpPr>
-            <p:cNvPr id="231" name="Rectangle 230">
+            <p:cNvPr id="258" name="Rectangle 257">
               <a:extLst>
                 <a:ext uri="{FF2B5EF4-FFF2-40B4-BE49-F238E27FC236}">
-                  <a16:creationId xmlns:a16="http://schemas.microsoft.com/office/drawing/2014/main" id="{3A240ACB-E31B-4C49-862D-2EC6FC41164C}"/>
+                  <a16:creationId xmlns:a16="http://schemas.microsoft.com/office/drawing/2014/main" id="{42226713-7C39-564E-BFFA-C5441D43157C}"/>
                 </a:ext>
               </a:extLst>
             </p:cNvPr>
@@ -5582,7 +8981,7 @@
           </p:nvSpPr>
           <p:spPr>
             <a:xfrm>
-              <a:off x="2658477" y="4455131"/>
+              <a:off x="1836752" y="4466258"/>
               <a:ext cx="363601" cy="394531"/>
             </a:xfrm>
             <a:prstGeom prst="rect">
@@ -5632,10 +9031,10 @@
         </p:sp>
         <p:sp>
           <p:nvSpPr>
-            <p:cNvPr id="232" name="TextBox 231">
+            <p:cNvPr id="259" name="TextBox 258">
               <a:extLst>
                 <a:ext uri="{FF2B5EF4-FFF2-40B4-BE49-F238E27FC236}">
-                  <a16:creationId xmlns:a16="http://schemas.microsoft.com/office/drawing/2014/main" id="{4D4685CA-090A-3E4A-96C5-7F7442BCD5B8}"/>
+                  <a16:creationId xmlns:a16="http://schemas.microsoft.com/office/drawing/2014/main" id="{A6876BD9-DCC6-6249-AC8B-6232A3620EB4}"/>
                 </a:ext>
               </a:extLst>
             </p:cNvPr>
@@ -5644,7 +9043,7 @@
           </p:nvSpPr>
           <p:spPr>
             <a:xfrm>
-              <a:off x="2651620" y="4486608"/>
+              <a:off x="1844565" y="4533426"/>
               <a:ext cx="336952" cy="276999"/>
             </a:xfrm>
             <a:prstGeom prst="rect">
@@ -5671,10 +9070,10 @@
       </p:grpSp>
       <p:grpSp>
         <p:nvGrpSpPr>
-          <p:cNvPr id="233" name="Group 232">
-            <a:extLst>
-              <a:ext uri="{FF2B5EF4-FFF2-40B4-BE49-F238E27FC236}">
-                <a16:creationId xmlns:a16="http://schemas.microsoft.com/office/drawing/2014/main" id="{A479AE30-7B81-F34C-9F87-A77D2EE6F220}"/>
+          <p:cNvPr id="218" name="Group 217">
+            <a:extLst>
+              <a:ext uri="{FF2B5EF4-FFF2-40B4-BE49-F238E27FC236}">
+                <a16:creationId xmlns:a16="http://schemas.microsoft.com/office/drawing/2014/main" id="{96176894-AEEA-1045-BB50-995248E35302}"/>
               </a:ext>
             </a:extLst>
           </p:cNvPr>
@@ -5683,7 +9082,7 @@
         </p:nvGrpSpPr>
         <p:grpSpPr>
           <a:xfrm>
-            <a:off x="5700572" y="2873372"/>
+            <a:off x="4933994" y="3008370"/>
             <a:ext cx="363601" cy="394531"/>
             <a:chOff x="2658477" y="5322765"/>
             <a:chExt cx="363601" cy="394531"/>
@@ -5694,10 +9093,10 @@
         </p:grpSpPr>
         <p:sp>
           <p:nvSpPr>
-            <p:cNvPr id="234" name="Rectangle 233">
+            <p:cNvPr id="256" name="Rectangle 255">
               <a:extLst>
                 <a:ext uri="{FF2B5EF4-FFF2-40B4-BE49-F238E27FC236}">
-                  <a16:creationId xmlns:a16="http://schemas.microsoft.com/office/drawing/2014/main" id="{E2E6F03F-E059-7941-BC04-668181B3D723}"/>
+                  <a16:creationId xmlns:a16="http://schemas.microsoft.com/office/drawing/2014/main" id="{1EDA8642-AB54-6F45-9D41-9955B44537BD}"/>
                 </a:ext>
               </a:extLst>
             </p:cNvPr>
@@ -5756,10 +9155,10 @@
         </p:sp>
         <p:sp>
           <p:nvSpPr>
-            <p:cNvPr id="235" name="TextBox 234">
+            <p:cNvPr id="257" name="TextBox 256">
               <a:extLst>
                 <a:ext uri="{FF2B5EF4-FFF2-40B4-BE49-F238E27FC236}">
-                  <a16:creationId xmlns:a16="http://schemas.microsoft.com/office/drawing/2014/main" id="{BE73603F-0CF6-6544-956F-93C5F03C4BD1}"/>
+                  <a16:creationId xmlns:a16="http://schemas.microsoft.com/office/drawing/2014/main" id="{1CD588BA-0FB2-FC45-A594-98952E62DAAD}"/>
                 </a:ext>
               </a:extLst>
             </p:cNvPr>
@@ -5795,10 +9194,48 @@
       </p:grpSp>
       <p:sp>
         <p:nvSpPr>
-          <p:cNvPr id="238" name="Oval 237">
-            <a:extLst>
-              <a:ext uri="{FF2B5EF4-FFF2-40B4-BE49-F238E27FC236}">
-                <a16:creationId xmlns:a16="http://schemas.microsoft.com/office/drawing/2014/main" id="{C28E2A15-F85C-844E-8611-651B28462BB6}"/>
+          <p:cNvPr id="219" name="TextBox 218">
+            <a:extLst>
+              <a:ext uri="{FF2B5EF4-FFF2-40B4-BE49-F238E27FC236}">
+                <a16:creationId xmlns:a16="http://schemas.microsoft.com/office/drawing/2014/main" id="{82ECC6C5-37E0-5644-888D-EDE7DF8F9DEF}"/>
+              </a:ext>
+            </a:extLst>
+          </p:cNvPr>
+          <p:cNvSpPr txBox="1"/>
+          <p:nvPr/>
+        </p:nvSpPr>
+        <p:spPr>
+          <a:xfrm>
+            <a:off x="6693937" y="2186742"/>
+            <a:ext cx="373718" cy="276999"/>
+          </a:xfrm>
+          <a:prstGeom prst="rect">
+            <a:avLst/>
+          </a:prstGeom>
+          <a:noFill/>
+        </p:spPr>
+        <p:txBody>
+          <a:bodyPr wrap="square" rtlCol="0">
+            <a:spAutoFit/>
+          </a:bodyPr>
+          <a:lstStyle/>
+          <a:p>
+            <a:r>
+              <a:rPr lang="en-US" sz="1200" dirty="0">
+                <a:latin typeface="+mj-lt"/>
+                <a:cs typeface="Times New Roman" panose="02020603050405020304" pitchFamily="18" charset="0"/>
+              </a:rPr>
+              <a:t>e4</a:t>
+            </a:r>
+          </a:p>
+        </p:txBody>
+      </p:sp>
+      <p:sp>
+        <p:nvSpPr>
+          <p:cNvPr id="220" name="Oval 219">
+            <a:extLst>
+              <a:ext uri="{FF2B5EF4-FFF2-40B4-BE49-F238E27FC236}">
+                <a16:creationId xmlns:a16="http://schemas.microsoft.com/office/drawing/2014/main" id="{8BD665CA-94B4-B547-9AB3-512A9707E5C1}"/>
               </a:ext>
             </a:extLst>
           </p:cNvPr>
@@ -5807,7 +9244,7 @@
         </p:nvSpPr>
         <p:spPr>
           <a:xfrm>
-            <a:off x="6577200" y="2875404"/>
+            <a:off x="6649011" y="3011427"/>
             <a:ext cx="394531" cy="394531"/>
           </a:xfrm>
           <a:prstGeom prst="ellipse">
@@ -5853,50 +9290,12 @@
           </a:p>
         </p:txBody>
       </p:sp>
-      <p:sp>
-        <p:nvSpPr>
-          <p:cNvPr id="239" name="TextBox 238">
-            <a:extLst>
-              <a:ext uri="{FF2B5EF4-FFF2-40B4-BE49-F238E27FC236}">
-                <a16:creationId xmlns:a16="http://schemas.microsoft.com/office/drawing/2014/main" id="{E5935A70-E5AE-904E-AD6A-702C026AC86F}"/>
-              </a:ext>
-            </a:extLst>
-          </p:cNvPr>
-          <p:cNvSpPr txBox="1"/>
-          <p:nvPr/>
-        </p:nvSpPr>
-        <p:spPr>
-          <a:xfrm>
-            <a:off x="6582083" y="2934169"/>
-            <a:ext cx="340158" cy="276999"/>
-          </a:xfrm>
-          <a:prstGeom prst="rect">
-            <a:avLst/>
-          </a:prstGeom>
-          <a:noFill/>
-        </p:spPr>
-        <p:txBody>
-          <a:bodyPr wrap="none" rtlCol="0">
-            <a:spAutoFit/>
-          </a:bodyPr>
-          <a:lstStyle/>
-          <a:p>
-            <a:r>
-              <a:rPr lang="en-US" sz="1200" dirty="0">
-                <a:latin typeface="+mj-lt"/>
-                <a:cs typeface="Times New Roman" panose="02020603050405020304" pitchFamily="18" charset="0"/>
-              </a:rPr>
-              <a:t>e5</a:t>
-            </a:r>
-          </a:p>
-        </p:txBody>
-      </p:sp>
       <p:grpSp>
         <p:nvGrpSpPr>
-          <p:cNvPr id="243" name="Group 242">
-            <a:extLst>
-              <a:ext uri="{FF2B5EF4-FFF2-40B4-BE49-F238E27FC236}">
-                <a16:creationId xmlns:a16="http://schemas.microsoft.com/office/drawing/2014/main" id="{AC1857EF-6465-B243-A0EC-C86F9D2A3E8A}"/>
+          <p:cNvPr id="221" name="Group 220">
+            <a:extLst>
+              <a:ext uri="{FF2B5EF4-FFF2-40B4-BE49-F238E27FC236}">
+                <a16:creationId xmlns:a16="http://schemas.microsoft.com/office/drawing/2014/main" id="{AE936A2E-F9E9-0045-9C78-502C5306DD3C}"/>
               </a:ext>
             </a:extLst>
           </p:cNvPr>
@@ -5905,7 +9304,129 @@
         </p:nvGrpSpPr>
         <p:grpSpPr>
           <a:xfrm>
-            <a:off x="7476006" y="2873371"/>
+            <a:off x="8417246" y="2133348"/>
+            <a:ext cx="363601" cy="394531"/>
+            <a:chOff x="2658477" y="4475009"/>
+            <a:chExt cx="363601" cy="394531"/>
+          </a:xfrm>
+          <a:solidFill>
+            <a:schemeClr val="accent3"/>
+          </a:solidFill>
+        </p:grpSpPr>
+        <p:sp>
+          <p:nvSpPr>
+            <p:cNvPr id="254" name="Rectangle 253">
+              <a:extLst>
+                <a:ext uri="{FF2B5EF4-FFF2-40B4-BE49-F238E27FC236}">
+                  <a16:creationId xmlns:a16="http://schemas.microsoft.com/office/drawing/2014/main" id="{54F8FF58-4AE0-4E4A-AA7A-C31A227578F9}"/>
+                </a:ext>
+              </a:extLst>
+            </p:cNvPr>
+            <p:cNvSpPr/>
+            <p:nvPr/>
+          </p:nvSpPr>
+          <p:spPr>
+            <a:xfrm>
+              <a:off x="2658477" y="4475009"/>
+              <a:ext cx="363601" cy="394531"/>
+            </a:xfrm>
+            <a:prstGeom prst="rect">
+              <a:avLst/>
+            </a:prstGeom>
+            <a:grpFill/>
+            <a:ln w="25400">
+              <a:solidFill>
+                <a:schemeClr val="tx1"/>
+              </a:solidFill>
+            </a:ln>
+          </p:spPr>
+          <p:style>
+            <a:lnRef idx="2">
+              <a:schemeClr val="accent1">
+                <a:shade val="50000"/>
+              </a:schemeClr>
+            </a:lnRef>
+            <a:fillRef idx="1">
+              <a:schemeClr val="accent1"/>
+            </a:fillRef>
+            <a:effectRef idx="0">
+              <a:schemeClr val="accent1"/>
+            </a:effectRef>
+            <a:fontRef idx="minor">
+              <a:schemeClr val="lt1"/>
+            </a:fontRef>
+          </p:style>
+          <p:txBody>
+            <a:bodyPr rot="0" spcFirstLastPara="0" vertOverflow="overflow" horzOverflow="overflow" vert="horz" wrap="square" lIns="56757" tIns="28378" rIns="56757" bIns="28378" numCol="1" spcCol="0" rtlCol="0" fromWordArt="0" anchor="ctr" anchorCtr="0" forceAA="0" compatLnSpc="1">
+              <a:prstTxWarp prst="textNoShape">
+                <a:avLst/>
+              </a:prstTxWarp>
+              <a:noAutofit/>
+            </a:bodyPr>
+            <a:lstStyle/>
+            <a:p>
+              <a:pPr algn="ctr"/>
+              <a:endParaRPr lang="en-US" sz="1200">
+                <a:latin typeface="+mj-lt"/>
+                <a:cs typeface="Times New Roman" panose="02020603050405020304" pitchFamily="18" charset="0"/>
+              </a:endParaRPr>
+            </a:p>
+          </p:txBody>
+        </p:sp>
+        <p:sp>
+          <p:nvSpPr>
+            <p:cNvPr id="255" name="TextBox 254">
+              <a:extLst>
+                <a:ext uri="{FF2B5EF4-FFF2-40B4-BE49-F238E27FC236}">
+                  <a16:creationId xmlns:a16="http://schemas.microsoft.com/office/drawing/2014/main" id="{F58F7997-658B-DC4E-A9AE-7120B8DFAAAD}"/>
+                </a:ext>
+              </a:extLst>
+            </p:cNvPr>
+            <p:cNvSpPr txBox="1"/>
+            <p:nvPr/>
+          </p:nvSpPr>
+          <p:spPr>
+            <a:xfrm>
+              <a:off x="2675413" y="4498507"/>
+              <a:ext cx="336952" cy="276999"/>
+            </a:xfrm>
+            <a:prstGeom prst="rect">
+              <a:avLst/>
+            </a:prstGeom>
+            <a:noFill/>
+          </p:spPr>
+          <p:txBody>
+            <a:bodyPr wrap="none" rtlCol="0">
+              <a:spAutoFit/>
+            </a:bodyPr>
+            <a:lstStyle/>
+            <a:p>
+              <a:r>
+                <a:rPr lang="en-US" sz="1200" dirty="0">
+                  <a:latin typeface="+mj-lt"/>
+                  <a:cs typeface="Times New Roman" panose="02020603050405020304" pitchFamily="18" charset="0"/>
+                </a:rPr>
+                <a:t>a2</a:t>
+              </a:r>
+            </a:p>
+          </p:txBody>
+        </p:sp>
+      </p:grpSp>
+      <p:grpSp>
+        <p:nvGrpSpPr>
+          <p:cNvPr id="222" name="Group 221">
+            <a:extLst>
+              <a:ext uri="{FF2B5EF4-FFF2-40B4-BE49-F238E27FC236}">
+                <a16:creationId xmlns:a16="http://schemas.microsoft.com/office/drawing/2014/main" id="{2A6E796C-BA44-3B47-B0E2-00C640C7D4B0}"/>
+              </a:ext>
+            </a:extLst>
+          </p:cNvPr>
+          <p:cNvGrpSpPr/>
+          <p:nvPr/>
+        </p:nvGrpSpPr>
+        <p:grpSpPr>
+          <a:xfrm>
+            <a:off x="8417245" y="3001734"/>
             <a:ext cx="363601" cy="394531"/>
             <a:chOff x="2658477" y="4455131"/>
             <a:chExt cx="363601" cy="394531"/>
@@ -5913,10 +9434,10 @@
         </p:grpSpPr>
         <p:sp>
           <p:nvSpPr>
-            <p:cNvPr id="244" name="Rectangle 243">
+            <p:cNvPr id="248" name="Rectangle 247">
               <a:extLst>
                 <a:ext uri="{FF2B5EF4-FFF2-40B4-BE49-F238E27FC236}">
-                  <a16:creationId xmlns:a16="http://schemas.microsoft.com/office/drawing/2014/main" id="{CFEE2760-3CFA-484C-85E3-A23FF263D388}"/>
+                  <a16:creationId xmlns:a16="http://schemas.microsoft.com/office/drawing/2014/main" id="{12479122-FF36-FA4B-941C-D478FDA681B6}"/>
                 </a:ext>
               </a:extLst>
             </p:cNvPr>
@@ -5973,10 +9494,10 @@
         </p:sp>
         <p:sp>
           <p:nvSpPr>
-            <p:cNvPr id="245" name="TextBox 244">
+            <p:cNvPr id="253" name="TextBox 252">
               <a:extLst>
                 <a:ext uri="{FF2B5EF4-FFF2-40B4-BE49-F238E27FC236}">
-                  <a16:creationId xmlns:a16="http://schemas.microsoft.com/office/drawing/2014/main" id="{FB7E0D16-6D77-1147-93FF-2BA9ADCC89B9}"/>
+                  <a16:creationId xmlns:a16="http://schemas.microsoft.com/office/drawing/2014/main" id="{0383F5A1-4C0F-E545-91AE-E17FB48DB904}"/>
                 </a:ext>
               </a:extLst>
             </p:cNvPr>
@@ -6012,24 +9533,24 @@
       </p:grpSp>
       <p:cxnSp>
         <p:nvCxnSpPr>
-          <p:cNvPr id="246" name="Straight Arrow Connector 245">
-            <a:extLst>
-              <a:ext uri="{FF2B5EF4-FFF2-40B4-BE49-F238E27FC236}">
-                <a16:creationId xmlns:a16="http://schemas.microsoft.com/office/drawing/2014/main" id="{91307118-EC67-CD49-972A-BF99A397D859}"/>
+          <p:cNvPr id="223" name="Straight Arrow Connector 222">
+            <a:extLst>
+              <a:ext uri="{FF2B5EF4-FFF2-40B4-BE49-F238E27FC236}">
+                <a16:creationId xmlns:a16="http://schemas.microsoft.com/office/drawing/2014/main" id="{50406F96-FBE4-2C46-8E08-9DC20EF9E9FA}"/>
               </a:ext>
             </a:extLst>
           </p:cNvPr>
           <p:cNvCxnSpPr>
             <a:cxnSpLocks/>
-            <a:stCxn id="167" idx="1"/>
-            <a:endCxn id="231" idx="3"/>
+            <a:stCxn id="216" idx="2"/>
+            <a:endCxn id="258" idx="3"/>
           </p:cNvCxnSpPr>
           <p:nvPr/>
         </p:nvCxnSpPr>
         <p:spPr>
           <a:xfrm flipH="1">
-            <a:off x="6055201" y="2184502"/>
-            <a:ext cx="944258" cy="14946"/>
+            <a:off x="5305287" y="2330614"/>
+            <a:ext cx="1358714" cy="15984"/>
           </a:xfrm>
           <a:prstGeom prst="straightConnector1">
             <a:avLst/>
@@ -6058,23 +9579,24 @@
       </p:cxnSp>
       <p:cxnSp>
         <p:nvCxnSpPr>
-          <p:cNvPr id="247" name="Straight Arrow Connector 246">
-            <a:extLst>
-              <a:ext uri="{FF2B5EF4-FFF2-40B4-BE49-F238E27FC236}">
-                <a16:creationId xmlns:a16="http://schemas.microsoft.com/office/drawing/2014/main" id="{A839CB51-131E-8547-A455-AA0DF99ABF7A}"/>
+          <p:cNvPr id="224" name="Straight Arrow Connector 223">
+            <a:extLst>
+              <a:ext uri="{FF2B5EF4-FFF2-40B4-BE49-F238E27FC236}">
+                <a16:creationId xmlns:a16="http://schemas.microsoft.com/office/drawing/2014/main" id="{E078CA98-C67F-1F48-A8D0-E407603A6FDF}"/>
               </a:ext>
             </a:extLst>
           </p:cNvPr>
           <p:cNvCxnSpPr>
-            <a:stCxn id="238" idx="2"/>
-            <a:endCxn id="235" idx="3"/>
+            <a:cxnSpLocks/>
+            <a:stCxn id="237" idx="1"/>
+            <a:endCxn id="257" idx="3"/>
           </p:cNvCxnSpPr>
           <p:nvPr/>
         </p:nvCxnSpPr>
         <p:spPr>
           <a:xfrm flipH="1" flipV="1">
-            <a:off x="6060334" y="3055683"/>
-            <a:ext cx="516866" cy="16987"/>
+            <a:off x="5293756" y="3190681"/>
+            <a:ext cx="1368362" cy="2649"/>
           </a:xfrm>
           <a:prstGeom prst="straightConnector1">
             <a:avLst/>
@@ -6103,23 +9625,69 @@
       </p:cxnSp>
       <p:cxnSp>
         <p:nvCxnSpPr>
-          <p:cNvPr id="249" name="Straight Arrow Connector 248">
-            <a:extLst>
-              <a:ext uri="{FF2B5EF4-FFF2-40B4-BE49-F238E27FC236}">
-                <a16:creationId xmlns:a16="http://schemas.microsoft.com/office/drawing/2014/main" id="{28ECDE7B-AFCD-BF43-B59D-1DF74C5F2BF8}"/>
+          <p:cNvPr id="225" name="Straight Arrow Connector 224">
+            <a:extLst>
+              <a:ext uri="{FF2B5EF4-FFF2-40B4-BE49-F238E27FC236}">
+                <a16:creationId xmlns:a16="http://schemas.microsoft.com/office/drawing/2014/main" id="{AF153ACF-BA09-E34F-BB6D-A6794BA80632}"/>
               </a:ext>
             </a:extLst>
           </p:cNvPr>
           <p:cNvCxnSpPr>
-            <a:stCxn id="244" idx="1"/>
-            <a:endCxn id="238" idx="6"/>
+            <a:cxnSpLocks/>
+            <a:stCxn id="254" idx="1"/>
+            <a:endCxn id="219" idx="3"/>
+          </p:cNvCxnSpPr>
+          <p:nvPr/>
+        </p:nvCxnSpPr>
+        <p:spPr>
+          <a:xfrm flipH="1" flipV="1">
+            <a:off x="7067655" y="2325242"/>
+            <a:ext cx="1349591" cy="5372"/>
+          </a:xfrm>
+          <a:prstGeom prst="straightConnector1">
+            <a:avLst/>
+          </a:prstGeom>
+          <a:ln w="25400">
+            <a:solidFill>
+              <a:schemeClr val="tx1"/>
+            </a:solidFill>
+            <a:tailEnd type="triangle"/>
+          </a:ln>
+        </p:spPr>
+        <p:style>
+          <a:lnRef idx="1">
+            <a:schemeClr val="accent1"/>
+          </a:lnRef>
+          <a:fillRef idx="0">
+            <a:schemeClr val="accent1"/>
+          </a:fillRef>
+          <a:effectRef idx="0">
+            <a:schemeClr val="accent1"/>
+          </a:effectRef>
+          <a:fontRef idx="minor">
+            <a:schemeClr val="tx1"/>
+          </a:fontRef>
+        </p:style>
+      </p:cxnSp>
+      <p:cxnSp>
+        <p:nvCxnSpPr>
+          <p:cNvPr id="226" name="Straight Arrow Connector 225">
+            <a:extLst>
+              <a:ext uri="{FF2B5EF4-FFF2-40B4-BE49-F238E27FC236}">
+                <a16:creationId xmlns:a16="http://schemas.microsoft.com/office/drawing/2014/main" id="{EF129BE1-3FE8-DA4C-A32F-991A27FA6BB3}"/>
+              </a:ext>
+            </a:extLst>
+          </p:cNvPr>
+          <p:cNvCxnSpPr>
+            <a:stCxn id="248" idx="1"/>
+            <a:endCxn id="220" idx="6"/>
           </p:cNvCxnSpPr>
           <p:nvPr/>
         </p:nvCxnSpPr>
         <p:spPr>
           <a:xfrm flipH="1">
-            <a:off x="6971731" y="3070637"/>
-            <a:ext cx="504275" cy="2033"/>
+            <a:off x="7043542" y="3199000"/>
+            <a:ext cx="1373703" cy="9693"/>
           </a:xfrm>
           <a:prstGeom prst="straightConnector1">
             <a:avLst/>
@@ -6148,10 +9716,10 @@
       </p:cxnSp>
       <p:sp>
         <p:nvSpPr>
-          <p:cNvPr id="250" name="TextBox 249">
-            <a:extLst>
-              <a:ext uri="{FF2B5EF4-FFF2-40B4-BE49-F238E27FC236}">
-                <a16:creationId xmlns:a16="http://schemas.microsoft.com/office/drawing/2014/main" id="{5A8E7D6E-2F1B-424F-95F0-AE02C3C577D6}"/>
+          <p:cNvPr id="227" name="TextBox 226">
+            <a:extLst>
+              <a:ext uri="{FF2B5EF4-FFF2-40B4-BE49-F238E27FC236}">
+                <a16:creationId xmlns:a16="http://schemas.microsoft.com/office/drawing/2014/main" id="{1230653B-EA07-7749-8E23-4F7E83C3E409}"/>
               </a:ext>
             </a:extLst>
           </p:cNvPr>
@@ -6160,7 +9728,7 @@
         </p:nvSpPr>
         <p:spPr>
           <a:xfrm>
-            <a:off x="6998391" y="2818722"/>
+            <a:off x="7590337" y="2954926"/>
             <a:ext cx="479618" cy="276999"/>
           </a:xfrm>
           <a:prstGeom prst="rect">
@@ -6186,10 +9754,10 @@
       </p:sp>
       <p:sp>
         <p:nvSpPr>
-          <p:cNvPr id="251" name="TextBox 250">
-            <a:extLst>
-              <a:ext uri="{FF2B5EF4-FFF2-40B4-BE49-F238E27FC236}">
-                <a16:creationId xmlns:a16="http://schemas.microsoft.com/office/drawing/2014/main" id="{D5D20565-72CC-0C48-BE57-5B2F33FB9C19}"/>
+          <p:cNvPr id="228" name="TextBox 227">
+            <a:extLst>
+              <a:ext uri="{FF2B5EF4-FFF2-40B4-BE49-F238E27FC236}">
+                <a16:creationId xmlns:a16="http://schemas.microsoft.com/office/drawing/2014/main" id="{207C6B41-1C59-DB4C-A3A8-6301FF858CBE}"/>
               </a:ext>
             </a:extLst>
           </p:cNvPr>
@@ -6198,7 +9766,7 @@
         </p:nvSpPr>
         <p:spPr>
           <a:xfrm>
-            <a:off x="6091414" y="2793368"/>
+            <a:off x="5705047" y="2858979"/>
             <a:ext cx="510333" cy="276999"/>
           </a:xfrm>
           <a:prstGeom prst="rect">
@@ -6207,7 +9775,7 @@
           <a:noFill/>
         </p:spPr>
         <p:txBody>
-          <a:bodyPr wrap="none" rtlCol="0">
+          <a:bodyPr wrap="square" rtlCol="0">
             <a:spAutoFit/>
           </a:bodyPr>
           <a:lstStyle/>
@@ -6228,24 +9796,23 @@
       </p:sp>
       <p:cxnSp>
         <p:nvCxnSpPr>
-          <p:cNvPr id="252" name="Straight Arrow Connector 251">
-            <a:extLst>
-              <a:ext uri="{FF2B5EF4-FFF2-40B4-BE49-F238E27FC236}">
-                <a16:creationId xmlns:a16="http://schemas.microsoft.com/office/drawing/2014/main" id="{975B4252-EA73-7147-A88B-5A8FC3413055}"/>
+          <p:cNvPr id="229" name="Straight Arrow Connector 228">
+            <a:extLst>
+              <a:ext uri="{FF2B5EF4-FFF2-40B4-BE49-F238E27FC236}">
+                <a16:creationId xmlns:a16="http://schemas.microsoft.com/office/drawing/2014/main" id="{349BD7D6-3346-8B4A-8D48-885F51748345}"/>
               </a:ext>
             </a:extLst>
           </p:cNvPr>
           <p:cNvCxnSpPr>
-            <a:cxnSpLocks/>
-            <a:stCxn id="166" idx="4"/>
-            <a:endCxn id="238" idx="6"/>
+            <a:stCxn id="254" idx="1"/>
+            <a:endCxn id="220" idx="6"/>
           </p:cNvCxnSpPr>
           <p:nvPr/>
         </p:nvCxnSpPr>
         <p:spPr>
           <a:xfrm flipH="1">
-            <a:off x="6971731" y="2413203"/>
-            <a:ext cx="246410" cy="659467"/>
+            <a:off x="7043542" y="2330614"/>
+            <a:ext cx="1373704" cy="878079"/>
           </a:xfrm>
           <a:prstGeom prst="straightConnector1">
             <a:avLst/>
@@ -6274,10 +9841,10 @@
       </p:cxnSp>
       <p:sp>
         <p:nvSpPr>
-          <p:cNvPr id="306" name="TextBox 305">
-            <a:extLst>
-              <a:ext uri="{FF2B5EF4-FFF2-40B4-BE49-F238E27FC236}">
-                <a16:creationId xmlns:a16="http://schemas.microsoft.com/office/drawing/2014/main" id="{4E336106-A539-AA4B-B354-41D0146BC8E2}"/>
+          <p:cNvPr id="236" name="TextBox 235">
+            <a:extLst>
+              <a:ext uri="{FF2B5EF4-FFF2-40B4-BE49-F238E27FC236}">
+                <a16:creationId xmlns:a16="http://schemas.microsoft.com/office/drawing/2014/main" id="{B8A06B64-B281-5146-A5D2-F99C6F5C4036}"/>
               </a:ext>
             </a:extLst>
           </p:cNvPr>
@@ -6286,8 +9853,8 @@
         </p:nvSpPr>
         <p:spPr>
           <a:xfrm>
-            <a:off x="6296645" y="1881566"/>
-            <a:ext cx="510333" cy="276999"/>
+            <a:off x="7425415" y="2033687"/>
+            <a:ext cx="482824" cy="276999"/>
           </a:xfrm>
           <a:prstGeom prst="rect">
             <a:avLst/>
@@ -6301,148 +9868,21 @@
           <a:lstStyle/>
           <a:p>
             <a:r>
-              <a:rPr lang="en-US" sz="1200" dirty="0" err="1">
+              <a:rPr lang="en-US" sz="1200" dirty="0">
                 <a:latin typeface="+mj-lt"/>
                 <a:cs typeface="Times New Roman" panose="02020603050405020304" pitchFamily="18" charset="0"/>
               </a:rPr>
-              <a:t>wgBy</a:t>
+              <a:t>used</a:t>
             </a:r>
-            <a:endParaRPr lang="en-US" sz="1200" dirty="0">
-              <a:latin typeface="+mj-lt"/>
-              <a:cs typeface="Times New Roman" panose="02020603050405020304" pitchFamily="18" charset="0"/>
-            </a:endParaRPr>
           </a:p>
         </p:txBody>
       </p:sp>
       <p:sp>
         <p:nvSpPr>
-          <p:cNvPr id="315" name="Rectangle 314">
-            <a:extLst>
-              <a:ext uri="{FF2B5EF4-FFF2-40B4-BE49-F238E27FC236}">
-                <a16:creationId xmlns:a16="http://schemas.microsoft.com/office/drawing/2014/main" id="{F991FCD7-2A7B-7840-839B-8BBCF6BBEDC9}"/>
-              </a:ext>
-            </a:extLst>
-          </p:cNvPr>
-          <p:cNvSpPr/>
-          <p:nvPr/>
-        </p:nvSpPr>
-        <p:spPr>
-          <a:xfrm>
-            <a:off x="275336" y="2516369"/>
-            <a:ext cx="484428" cy="276999"/>
-          </a:xfrm>
-          <a:prstGeom prst="rect">
-            <a:avLst/>
-          </a:prstGeom>
-        </p:spPr>
-        <p:txBody>
-          <a:bodyPr wrap="square">
-            <a:spAutoFit/>
-          </a:bodyPr>
-          <a:lstStyle/>
-          <a:p>
-            <a:pPr lvl="0"/>
-            <a:r>
-              <a:rPr lang="en-US" sz="1200" dirty="0">
-                <a:solidFill>
-                  <a:prstClr val="black"/>
-                </a:solidFill>
-                <a:latin typeface="Times New Roman" panose="02020603050405020304" pitchFamily="18" charset="0"/>
-                <a:cs typeface="Times New Roman" panose="02020603050405020304" pitchFamily="18" charset="0"/>
-              </a:rPr>
-              <a:t>(a-1)</a:t>
-            </a:r>
-          </a:p>
-        </p:txBody>
-      </p:sp>
-      <p:sp>
-        <p:nvSpPr>
-          <p:cNvPr id="342" name="Rectangle 341">
-            <a:extLst>
-              <a:ext uri="{FF2B5EF4-FFF2-40B4-BE49-F238E27FC236}">
-                <a16:creationId xmlns:a16="http://schemas.microsoft.com/office/drawing/2014/main" id="{E3611545-72C7-7148-B4BD-B8CC557F731A}"/>
-              </a:ext>
-            </a:extLst>
-          </p:cNvPr>
-          <p:cNvSpPr/>
-          <p:nvPr/>
-        </p:nvSpPr>
-        <p:spPr>
-          <a:xfrm>
-            <a:off x="5684743" y="1425069"/>
-            <a:ext cx="744819" cy="276999"/>
-          </a:xfrm>
-          <a:prstGeom prst="rect">
-            <a:avLst/>
-          </a:prstGeom>
-        </p:spPr>
-        <p:txBody>
-          <a:bodyPr wrap="none">
-            <a:spAutoFit/>
-          </a:bodyPr>
-          <a:lstStyle/>
-          <a:p>
-            <a:pPr lvl="0"/>
-            <a:r>
-              <a:rPr lang="en-US" sz="1200" i="1" dirty="0">
-                <a:solidFill>
-                  <a:prstClr val="black"/>
-                </a:solidFill>
-                <a:latin typeface="Times New Roman" panose="02020603050405020304" pitchFamily="18" charset="0"/>
-                <a:cs typeface="Times New Roman" panose="02020603050405020304" pitchFamily="18" charset="0"/>
-              </a:rPr>
-              <a:t>(replace)</a:t>
-            </a:r>
-          </a:p>
-        </p:txBody>
-      </p:sp>
-      <p:sp>
-        <p:nvSpPr>
-          <p:cNvPr id="144" name="Rectangle 143">
-            <a:extLst>
-              <a:ext uri="{FF2B5EF4-FFF2-40B4-BE49-F238E27FC236}">
-                <a16:creationId xmlns:a16="http://schemas.microsoft.com/office/drawing/2014/main" id="{069AEE44-B358-F34E-BAC7-0F34384B61D0}"/>
-              </a:ext>
-            </a:extLst>
-          </p:cNvPr>
-          <p:cNvSpPr/>
-          <p:nvPr/>
-        </p:nvSpPr>
-        <p:spPr>
-          <a:xfrm>
-            <a:off x="8376484" y="2467940"/>
-            <a:ext cx="484428" cy="276999"/>
-          </a:xfrm>
-          <a:prstGeom prst="rect">
-            <a:avLst/>
-          </a:prstGeom>
-        </p:spPr>
-        <p:txBody>
-          <a:bodyPr wrap="none">
-            <a:spAutoFit/>
-          </a:bodyPr>
-          <a:lstStyle/>
-          <a:p>
-            <a:pPr lvl="0"/>
-            <a:r>
-              <a:rPr lang="en-US" sz="1200" dirty="0">
-                <a:solidFill>
-                  <a:prstClr val="black"/>
-                </a:solidFill>
-                <a:latin typeface="Times New Roman" panose="02020603050405020304" pitchFamily="18" charset="0"/>
-                <a:cs typeface="Times New Roman" panose="02020603050405020304" pitchFamily="18" charset="0"/>
-              </a:rPr>
-              <a:t>(e-1)</a:t>
-            </a:r>
-          </a:p>
-        </p:txBody>
-      </p:sp>
-      <p:sp>
-        <p:nvSpPr>
-          <p:cNvPr id="4" name="TextBox 3">
-            <a:extLst>
-              <a:ext uri="{FF2B5EF4-FFF2-40B4-BE49-F238E27FC236}">
-                <a16:creationId xmlns:a16="http://schemas.microsoft.com/office/drawing/2014/main" id="{7AEA98BA-0B5A-7146-96FE-5B5A0B2795FB}"/>
+          <p:cNvPr id="237" name="TextBox 236">
+            <a:extLst>
+              <a:ext uri="{FF2B5EF4-FFF2-40B4-BE49-F238E27FC236}">
+                <a16:creationId xmlns:a16="http://schemas.microsoft.com/office/drawing/2014/main" id="{1F3947CD-ABFC-0343-9B11-604BDAB5BAA6}"/>
               </a:ext>
             </a:extLst>
           </p:cNvPr>
@@ -6451,7 +9891,7 @@
         </p:nvSpPr>
         <p:spPr>
           <a:xfrm>
-            <a:off x="4122624" y="999183"/>
+            <a:off x="6662118" y="3054830"/>
             <a:ext cx="338554" cy="276999"/>
           </a:xfrm>
           <a:prstGeom prst="rect">
@@ -6475,1138 +9915,12 @@
           </a:p>
         </p:txBody>
       </p:sp>
-      <p:grpSp>
-        <p:nvGrpSpPr>
-          <p:cNvPr id="8" name="Group 7">
-            <a:extLst>
-              <a:ext uri="{FF2B5EF4-FFF2-40B4-BE49-F238E27FC236}">
-                <a16:creationId xmlns:a16="http://schemas.microsoft.com/office/drawing/2014/main" id="{394D525F-468E-C44A-85AC-58F998FDD943}"/>
-              </a:ext>
-            </a:extLst>
-          </p:cNvPr>
-          <p:cNvGrpSpPr/>
-          <p:nvPr/>
-        </p:nvGrpSpPr>
-        <p:grpSpPr>
-          <a:xfrm>
-            <a:off x="948358" y="2002181"/>
-            <a:ext cx="2176451" cy="1367032"/>
-            <a:chOff x="841221" y="3784826"/>
-            <a:chExt cx="2176451" cy="1367032"/>
-          </a:xfrm>
-        </p:grpSpPr>
-        <p:grpSp>
-          <p:nvGrpSpPr>
-            <p:cNvPr id="282" name="Group 281">
-              <a:extLst>
-                <a:ext uri="{FF2B5EF4-FFF2-40B4-BE49-F238E27FC236}">
-                  <a16:creationId xmlns:a16="http://schemas.microsoft.com/office/drawing/2014/main" id="{5F6007A8-6066-A34B-BF9C-DB0280306123}"/>
-                </a:ext>
-              </a:extLst>
-            </p:cNvPr>
-            <p:cNvGrpSpPr/>
-            <p:nvPr/>
-          </p:nvGrpSpPr>
-          <p:grpSpPr>
-            <a:xfrm>
-              <a:off x="841221" y="4755295"/>
-              <a:ext cx="363601" cy="394531"/>
-              <a:chOff x="2658477" y="5322765"/>
-              <a:chExt cx="363601" cy="394531"/>
-            </a:xfrm>
-            <a:solidFill>
-              <a:schemeClr val="accent3"/>
-            </a:solidFill>
-          </p:grpSpPr>
-          <p:sp>
-            <p:nvSpPr>
-              <p:cNvPr id="283" name="Rectangle 282">
-                <a:extLst>
-                  <a:ext uri="{FF2B5EF4-FFF2-40B4-BE49-F238E27FC236}">
-                    <a16:creationId xmlns:a16="http://schemas.microsoft.com/office/drawing/2014/main" id="{DC5702D4-8E22-2C45-8C47-9CDB6BC6DAC5}"/>
-                  </a:ext>
-                </a:extLst>
-              </p:cNvPr>
-              <p:cNvSpPr/>
-              <p:nvPr/>
-            </p:nvSpPr>
-            <p:spPr>
-              <a:xfrm>
-                <a:off x="2658477" y="5322765"/>
-                <a:ext cx="363601" cy="394531"/>
-              </a:xfrm>
-              <a:prstGeom prst="rect">
-                <a:avLst/>
-              </a:prstGeom>
-              <a:solidFill>
-                <a:schemeClr val="bg1"/>
-              </a:solidFill>
-              <a:ln w="25400">
-                <a:solidFill>
-                  <a:schemeClr val="tx1"/>
-                </a:solidFill>
-              </a:ln>
-            </p:spPr>
-            <p:style>
-              <a:lnRef idx="2">
-                <a:schemeClr val="accent1">
-                  <a:shade val="50000"/>
-                </a:schemeClr>
-              </a:lnRef>
-              <a:fillRef idx="1">
-                <a:schemeClr val="accent1"/>
-              </a:fillRef>
-              <a:effectRef idx="0">
-                <a:schemeClr val="accent1"/>
-              </a:effectRef>
-              <a:fontRef idx="minor">
-                <a:schemeClr val="lt1"/>
-              </a:fontRef>
-            </p:style>
-            <p:txBody>
-              <a:bodyPr rot="0" spcFirstLastPara="0" vertOverflow="overflow" horzOverflow="overflow" vert="horz" wrap="square" lIns="56757" tIns="28378" rIns="56757" bIns="28378" numCol="1" spcCol="0" rtlCol="0" fromWordArt="0" anchor="ctr" anchorCtr="0" forceAA="0" compatLnSpc="1">
-                <a:prstTxWarp prst="textNoShape">
-                  <a:avLst/>
-                </a:prstTxWarp>
-                <a:noAutofit/>
-              </a:bodyPr>
-              <a:lstStyle/>
-              <a:p>
-                <a:pPr algn="ctr"/>
-                <a:endParaRPr lang="en-US" sz="1200">
-                  <a:latin typeface="+mj-lt"/>
-                  <a:cs typeface="Times New Roman" panose="02020603050405020304" pitchFamily="18" charset="0"/>
-                </a:endParaRPr>
-              </a:p>
-            </p:txBody>
-          </p:sp>
-          <p:sp>
-            <p:nvSpPr>
-              <p:cNvPr id="284" name="TextBox 283">
-                <a:extLst>
-                  <a:ext uri="{FF2B5EF4-FFF2-40B4-BE49-F238E27FC236}">
-                    <a16:creationId xmlns:a16="http://schemas.microsoft.com/office/drawing/2014/main" id="{9A660207-22BF-914E-BE45-10523F140C73}"/>
-                  </a:ext>
-                </a:extLst>
-              </p:cNvPr>
-              <p:cNvSpPr txBox="1"/>
-              <p:nvPr/>
-            </p:nvSpPr>
-            <p:spPr>
-              <a:xfrm>
-                <a:off x="2681287" y="5366576"/>
-                <a:ext cx="336952" cy="276999"/>
-              </a:xfrm>
-              <a:prstGeom prst="rect">
-                <a:avLst/>
-              </a:prstGeom>
-              <a:noFill/>
-            </p:spPr>
-            <p:txBody>
-              <a:bodyPr wrap="none" rtlCol="0">
-                <a:spAutoFit/>
-              </a:bodyPr>
-              <a:lstStyle/>
-              <a:p>
-                <a:r>
-                  <a:rPr lang="en-US" sz="1200" dirty="0">
-                    <a:latin typeface="+mj-lt"/>
-                    <a:cs typeface="Times New Roman" panose="02020603050405020304" pitchFamily="18" charset="0"/>
-                  </a:rPr>
-                  <a:t>a3</a:t>
-                </a:r>
-              </a:p>
-            </p:txBody>
-          </p:sp>
-        </p:grpSp>
-        <p:sp>
-          <p:nvSpPr>
-            <p:cNvPr id="287" name="Oval 286">
-              <a:extLst>
-                <a:ext uri="{FF2B5EF4-FFF2-40B4-BE49-F238E27FC236}">
-                  <a16:creationId xmlns:a16="http://schemas.microsoft.com/office/drawing/2014/main" id="{8D972AD8-010D-AB46-8B67-50CC7E6C5CC2}"/>
-                </a:ext>
-              </a:extLst>
-            </p:cNvPr>
-            <p:cNvSpPr/>
-            <p:nvPr/>
-          </p:nvSpPr>
-          <p:spPr>
-            <a:xfrm>
-              <a:off x="1717849" y="4757327"/>
-              <a:ext cx="394531" cy="394531"/>
-            </a:xfrm>
-            <a:prstGeom prst="ellipse">
-              <a:avLst/>
-            </a:prstGeom>
-            <a:noFill/>
-            <a:ln w="25400">
-              <a:solidFill>
-                <a:schemeClr val="tx1"/>
-              </a:solidFill>
-            </a:ln>
-          </p:spPr>
-          <p:style>
-            <a:lnRef idx="2">
-              <a:schemeClr val="accent1">
-                <a:shade val="50000"/>
-              </a:schemeClr>
-            </a:lnRef>
-            <a:fillRef idx="1">
-              <a:schemeClr val="accent1"/>
-            </a:fillRef>
-            <a:effectRef idx="0">
-              <a:schemeClr val="accent1"/>
-            </a:effectRef>
-            <a:fontRef idx="minor">
-              <a:schemeClr val="lt1"/>
-            </a:fontRef>
-          </p:style>
-          <p:txBody>
-            <a:bodyPr rot="0" spcFirstLastPara="0" vertOverflow="overflow" horzOverflow="overflow" vert="horz" wrap="square" lIns="56757" tIns="28378" rIns="56757" bIns="28378" numCol="1" spcCol="0" rtlCol="0" fromWordArt="0" anchor="ctr" anchorCtr="0" forceAA="0" compatLnSpc="1">
-              <a:prstTxWarp prst="textNoShape">
-                <a:avLst/>
-              </a:prstTxWarp>
-              <a:noAutofit/>
-            </a:bodyPr>
-            <a:lstStyle/>
-            <a:p>
-              <a:pPr algn="ctr"/>
-              <a:endParaRPr lang="en-US" sz="1200">
-                <a:latin typeface="+mj-lt"/>
-                <a:cs typeface="Times New Roman" panose="02020603050405020304" pitchFamily="18" charset="0"/>
-              </a:endParaRPr>
-            </a:p>
-          </p:txBody>
-        </p:sp>
-        <p:sp>
-          <p:nvSpPr>
-            <p:cNvPr id="288" name="TextBox 287">
-              <a:extLst>
-                <a:ext uri="{FF2B5EF4-FFF2-40B4-BE49-F238E27FC236}">
-                  <a16:creationId xmlns:a16="http://schemas.microsoft.com/office/drawing/2014/main" id="{13D4D59F-F032-3446-A503-D923B39069A2}"/>
-                </a:ext>
-              </a:extLst>
-            </p:cNvPr>
-            <p:cNvSpPr txBox="1"/>
-            <p:nvPr/>
-          </p:nvSpPr>
-          <p:spPr>
-            <a:xfrm>
-              <a:off x="1722732" y="4816092"/>
-              <a:ext cx="340158" cy="276999"/>
-            </a:xfrm>
-            <a:prstGeom prst="rect">
-              <a:avLst/>
-            </a:prstGeom>
-            <a:noFill/>
-          </p:spPr>
-          <p:txBody>
-            <a:bodyPr wrap="square" rtlCol="0">
-              <a:spAutoFit/>
-            </a:bodyPr>
-            <a:lstStyle/>
-            <a:p>
-              <a:r>
-                <a:rPr lang="en-US" sz="1200" dirty="0">
-                  <a:latin typeface="+mj-lt"/>
-                  <a:cs typeface="Times New Roman" panose="02020603050405020304" pitchFamily="18" charset="0"/>
-                </a:rPr>
-                <a:t>e5</a:t>
-              </a:r>
-            </a:p>
-          </p:txBody>
-        </p:sp>
-        <p:grpSp>
-          <p:nvGrpSpPr>
-            <p:cNvPr id="289" name="Group 288">
-              <a:extLst>
-                <a:ext uri="{FF2B5EF4-FFF2-40B4-BE49-F238E27FC236}">
-                  <a16:creationId xmlns:a16="http://schemas.microsoft.com/office/drawing/2014/main" id="{516B89AB-2454-9E48-BCE7-D596AA170215}"/>
-                </a:ext>
-              </a:extLst>
-            </p:cNvPr>
-            <p:cNvGrpSpPr/>
-            <p:nvPr/>
-          </p:nvGrpSpPr>
-          <p:grpSpPr>
-            <a:xfrm>
-              <a:off x="2585053" y="3850158"/>
-              <a:ext cx="432619" cy="394531"/>
-              <a:chOff x="2637292" y="4455131"/>
-              <a:chExt cx="432619" cy="394531"/>
-            </a:xfrm>
-            <a:solidFill>
-              <a:schemeClr val="accent3"/>
-            </a:solidFill>
-          </p:grpSpPr>
-          <p:sp>
-            <p:nvSpPr>
-              <p:cNvPr id="290" name="Rectangle 289">
-                <a:extLst>
-                  <a:ext uri="{FF2B5EF4-FFF2-40B4-BE49-F238E27FC236}">
-                    <a16:creationId xmlns:a16="http://schemas.microsoft.com/office/drawing/2014/main" id="{E8E9CB56-5BA3-E04B-AD0D-F56D59C854EE}"/>
-                  </a:ext>
-                </a:extLst>
-              </p:cNvPr>
-              <p:cNvSpPr/>
-              <p:nvPr/>
-            </p:nvSpPr>
-            <p:spPr>
-              <a:xfrm>
-                <a:off x="2658477" y="4455131"/>
-                <a:ext cx="363601" cy="394531"/>
-              </a:xfrm>
-              <a:prstGeom prst="rect">
-                <a:avLst/>
-              </a:prstGeom>
-              <a:grpFill/>
-              <a:ln w="25400">
-                <a:solidFill>
-                  <a:schemeClr val="tx1"/>
-                </a:solidFill>
-              </a:ln>
-            </p:spPr>
-            <p:style>
-              <a:lnRef idx="2">
-                <a:schemeClr val="accent1">
-                  <a:shade val="50000"/>
-                </a:schemeClr>
-              </a:lnRef>
-              <a:fillRef idx="1">
-                <a:schemeClr val="accent1"/>
-              </a:fillRef>
-              <a:effectRef idx="0">
-                <a:schemeClr val="accent1"/>
-              </a:effectRef>
-              <a:fontRef idx="minor">
-                <a:schemeClr val="lt1"/>
-              </a:fontRef>
-            </p:style>
-            <p:txBody>
-              <a:bodyPr rot="0" spcFirstLastPara="0" vertOverflow="overflow" horzOverflow="overflow" vert="horz" wrap="square" lIns="56757" tIns="28378" rIns="56757" bIns="28378" numCol="1" spcCol="0" rtlCol="0" fromWordArt="0" anchor="ctr" anchorCtr="0" forceAA="0" compatLnSpc="1">
-                <a:prstTxWarp prst="textNoShape">
-                  <a:avLst/>
-                </a:prstTxWarp>
-                <a:noAutofit/>
-              </a:bodyPr>
-              <a:lstStyle/>
-              <a:p>
-                <a:pPr algn="ctr"/>
-                <a:endParaRPr lang="en-US" sz="1200">
-                  <a:latin typeface="+mj-lt"/>
-                  <a:cs typeface="Times New Roman" panose="02020603050405020304" pitchFamily="18" charset="0"/>
-                </a:endParaRPr>
-              </a:p>
-            </p:txBody>
-          </p:sp>
-          <p:sp>
-            <p:nvSpPr>
-              <p:cNvPr id="291" name="TextBox 290">
-                <a:extLst>
-                  <a:ext uri="{FF2B5EF4-FFF2-40B4-BE49-F238E27FC236}">
-                    <a16:creationId xmlns:a16="http://schemas.microsoft.com/office/drawing/2014/main" id="{CA601F40-3B18-3043-8A1D-C21C540484B5}"/>
-                  </a:ext>
-                </a:extLst>
-              </p:cNvPr>
-              <p:cNvSpPr txBox="1"/>
-              <p:nvPr/>
-            </p:nvSpPr>
-            <p:spPr>
-              <a:xfrm>
-                <a:off x="2637292" y="4506221"/>
-                <a:ext cx="432619" cy="276999"/>
-              </a:xfrm>
-              <a:prstGeom prst="rect">
-                <a:avLst/>
-              </a:prstGeom>
-              <a:noFill/>
-            </p:spPr>
-            <p:txBody>
-              <a:bodyPr wrap="none" rtlCol="0">
-                <a:spAutoFit/>
-              </a:bodyPr>
-              <a:lstStyle/>
-              <a:p>
-                <a:r>
-                  <a:rPr lang="en-US" sz="1200" dirty="0">
-                    <a:latin typeface="+mj-lt"/>
-                    <a:cs typeface="Times New Roman" panose="02020603050405020304" pitchFamily="18" charset="0"/>
-                  </a:rPr>
-                  <a:t>a</a:t>
-                </a:r>
-                <a:r>
-                  <a:rPr lang="en-US" sz="1200" baseline="-25000" dirty="0">
-                    <a:latin typeface="+mj-lt"/>
-                    <a:cs typeface="Times New Roman" panose="02020603050405020304" pitchFamily="18" charset="0"/>
-                  </a:rPr>
-                  <a:t>new</a:t>
-                </a:r>
-              </a:p>
-            </p:txBody>
-          </p:sp>
-        </p:grpSp>
-        <p:grpSp>
-          <p:nvGrpSpPr>
-            <p:cNvPr id="292" name="Group 291">
-              <a:extLst>
-                <a:ext uri="{FF2B5EF4-FFF2-40B4-BE49-F238E27FC236}">
-                  <a16:creationId xmlns:a16="http://schemas.microsoft.com/office/drawing/2014/main" id="{B3F1FD04-551E-614F-838B-2F8FCA699444}"/>
-                </a:ext>
-              </a:extLst>
-            </p:cNvPr>
-            <p:cNvGrpSpPr/>
-            <p:nvPr/>
-          </p:nvGrpSpPr>
-          <p:grpSpPr>
-            <a:xfrm>
-              <a:off x="2616655" y="4755294"/>
-              <a:ext cx="363601" cy="394531"/>
-              <a:chOff x="2658477" y="4455131"/>
-              <a:chExt cx="363601" cy="394531"/>
-            </a:xfrm>
-          </p:grpSpPr>
-          <p:sp>
-            <p:nvSpPr>
-              <p:cNvPr id="293" name="Rectangle 292">
-                <a:extLst>
-                  <a:ext uri="{FF2B5EF4-FFF2-40B4-BE49-F238E27FC236}">
-                    <a16:creationId xmlns:a16="http://schemas.microsoft.com/office/drawing/2014/main" id="{F1BFEA2A-CF81-EE48-B99B-21874F482007}"/>
-                  </a:ext>
-                </a:extLst>
-              </p:cNvPr>
-              <p:cNvSpPr/>
-              <p:nvPr/>
-            </p:nvSpPr>
-            <p:spPr>
-              <a:xfrm>
-                <a:off x="2658477" y="4455131"/>
-                <a:ext cx="363601" cy="394531"/>
-              </a:xfrm>
-              <a:prstGeom prst="rect">
-                <a:avLst/>
-              </a:prstGeom>
-              <a:noFill/>
-              <a:ln w="25400">
-                <a:solidFill>
-                  <a:schemeClr val="tx1"/>
-                </a:solidFill>
-              </a:ln>
-            </p:spPr>
-            <p:style>
-              <a:lnRef idx="2">
-                <a:schemeClr val="accent1">
-                  <a:shade val="50000"/>
-                </a:schemeClr>
-              </a:lnRef>
-              <a:fillRef idx="1">
-                <a:schemeClr val="accent1"/>
-              </a:fillRef>
-              <a:effectRef idx="0">
-                <a:schemeClr val="accent1"/>
-              </a:effectRef>
-              <a:fontRef idx="minor">
-                <a:schemeClr val="lt1"/>
-              </a:fontRef>
-            </p:style>
-            <p:txBody>
-              <a:bodyPr rot="0" spcFirstLastPara="0" vertOverflow="overflow" horzOverflow="overflow" vert="horz" wrap="square" lIns="56757" tIns="28378" rIns="56757" bIns="28378" numCol="1" spcCol="0" rtlCol="0" fromWordArt="0" anchor="ctr" anchorCtr="0" forceAA="0" compatLnSpc="1">
-                <a:prstTxWarp prst="textNoShape">
-                  <a:avLst/>
-                </a:prstTxWarp>
-                <a:noAutofit/>
-              </a:bodyPr>
-              <a:lstStyle/>
-              <a:p>
-                <a:pPr algn="ctr"/>
-                <a:endParaRPr lang="en-US" sz="1200">
-                  <a:latin typeface="+mj-lt"/>
-                  <a:cs typeface="Times New Roman" panose="02020603050405020304" pitchFamily="18" charset="0"/>
-                </a:endParaRPr>
-              </a:p>
-            </p:txBody>
-          </p:sp>
-          <p:sp>
-            <p:nvSpPr>
-              <p:cNvPr id="294" name="TextBox 293">
-                <a:extLst>
-                  <a:ext uri="{FF2B5EF4-FFF2-40B4-BE49-F238E27FC236}">
-                    <a16:creationId xmlns:a16="http://schemas.microsoft.com/office/drawing/2014/main" id="{4522B5EA-0329-EE40-A59E-DF452D4ABA54}"/>
-                  </a:ext>
-                </a:extLst>
-              </p:cNvPr>
-              <p:cNvSpPr txBox="1"/>
-              <p:nvPr/>
-            </p:nvSpPr>
-            <p:spPr>
-              <a:xfrm>
-                <a:off x="2674709" y="4491294"/>
-                <a:ext cx="336952" cy="276999"/>
-              </a:xfrm>
-              <a:prstGeom prst="rect">
-                <a:avLst/>
-              </a:prstGeom>
-              <a:noFill/>
-            </p:spPr>
-            <p:txBody>
-              <a:bodyPr wrap="none" rtlCol="0">
-                <a:spAutoFit/>
-              </a:bodyPr>
-              <a:lstStyle/>
-              <a:p>
-                <a:r>
-                  <a:rPr lang="en-US" sz="1200" dirty="0">
-                    <a:latin typeface="+mj-lt"/>
-                    <a:cs typeface="Times New Roman" panose="02020603050405020304" pitchFamily="18" charset="0"/>
-                  </a:rPr>
-                  <a:t>a4</a:t>
-                </a:r>
-              </a:p>
-            </p:txBody>
-          </p:sp>
-        </p:grpSp>
-        <p:cxnSp>
-          <p:nvCxnSpPr>
-            <p:cNvPr id="296" name="Straight Arrow Connector 295">
-              <a:extLst>
-                <a:ext uri="{FF2B5EF4-FFF2-40B4-BE49-F238E27FC236}">
-                  <a16:creationId xmlns:a16="http://schemas.microsoft.com/office/drawing/2014/main" id="{D3BA0D8C-EA71-AE4B-B5E3-6284F1DD708B}"/>
-                </a:ext>
-              </a:extLst>
-            </p:cNvPr>
-            <p:cNvCxnSpPr>
-              <a:stCxn id="287" idx="2"/>
-              <a:endCxn id="284" idx="3"/>
-            </p:cNvCxnSpPr>
-            <p:nvPr/>
-          </p:nvCxnSpPr>
-          <p:spPr>
-            <a:xfrm flipH="1" flipV="1">
-              <a:off x="1200983" y="4937606"/>
-              <a:ext cx="516866" cy="16987"/>
-            </a:xfrm>
-            <a:prstGeom prst="straightConnector1">
-              <a:avLst/>
-            </a:prstGeom>
-            <a:ln w="25400">
-              <a:solidFill>
-                <a:schemeClr val="tx1"/>
-              </a:solidFill>
-              <a:tailEnd type="triangle"/>
-            </a:ln>
-          </p:spPr>
-          <p:style>
-            <a:lnRef idx="1">
-              <a:schemeClr val="accent1"/>
-            </a:lnRef>
-            <a:fillRef idx="0">
-              <a:schemeClr val="accent1"/>
-            </a:fillRef>
-            <a:effectRef idx="0">
-              <a:schemeClr val="accent1"/>
-            </a:effectRef>
-            <a:fontRef idx="minor">
-              <a:schemeClr val="tx1"/>
-            </a:fontRef>
-          </p:style>
-        </p:cxnSp>
-        <p:cxnSp>
-          <p:nvCxnSpPr>
-            <p:cNvPr id="298" name="Straight Arrow Connector 297">
-              <a:extLst>
-                <a:ext uri="{FF2B5EF4-FFF2-40B4-BE49-F238E27FC236}">
-                  <a16:creationId xmlns:a16="http://schemas.microsoft.com/office/drawing/2014/main" id="{B56DB80C-AF04-5B41-8550-DC9639BDFA4E}"/>
-                </a:ext>
-              </a:extLst>
-            </p:cNvPr>
-            <p:cNvCxnSpPr>
-              <a:stCxn id="293" idx="1"/>
-              <a:endCxn id="287" idx="6"/>
-            </p:cNvCxnSpPr>
-            <p:nvPr/>
-          </p:nvCxnSpPr>
-          <p:spPr>
-            <a:xfrm flipH="1">
-              <a:off x="2112380" y="4952560"/>
-              <a:ext cx="504275" cy="2033"/>
-            </a:xfrm>
-            <a:prstGeom prst="straightConnector1">
-              <a:avLst/>
-            </a:prstGeom>
-            <a:ln w="25400">
-              <a:solidFill>
-                <a:schemeClr val="tx1"/>
-              </a:solidFill>
-              <a:tailEnd type="triangle"/>
-            </a:ln>
-          </p:spPr>
-          <p:style>
-            <a:lnRef idx="1">
-              <a:schemeClr val="accent1"/>
-            </a:lnRef>
-            <a:fillRef idx="0">
-              <a:schemeClr val="accent1"/>
-            </a:fillRef>
-            <a:effectRef idx="0">
-              <a:schemeClr val="accent1"/>
-            </a:effectRef>
-            <a:fontRef idx="minor">
-              <a:schemeClr val="tx1"/>
-            </a:fontRef>
-          </p:style>
-        </p:cxnSp>
-        <p:sp>
-          <p:nvSpPr>
-            <p:cNvPr id="299" name="TextBox 298">
-              <a:extLst>
-                <a:ext uri="{FF2B5EF4-FFF2-40B4-BE49-F238E27FC236}">
-                  <a16:creationId xmlns:a16="http://schemas.microsoft.com/office/drawing/2014/main" id="{A61BC54A-704B-2A41-A542-184737C356D3}"/>
-                </a:ext>
-              </a:extLst>
-            </p:cNvPr>
-            <p:cNvSpPr txBox="1"/>
-            <p:nvPr/>
-          </p:nvSpPr>
-          <p:spPr>
-            <a:xfrm>
-              <a:off x="2139040" y="4700645"/>
-              <a:ext cx="479618" cy="276999"/>
-            </a:xfrm>
-            <a:prstGeom prst="rect">
-              <a:avLst/>
-            </a:prstGeom>
-            <a:noFill/>
-          </p:spPr>
-          <p:txBody>
-            <a:bodyPr wrap="square" rtlCol="0">
-              <a:spAutoFit/>
-            </a:bodyPr>
-            <a:lstStyle/>
-            <a:p>
-              <a:r>
-                <a:rPr lang="en-US" sz="1200" dirty="0">
-                  <a:latin typeface="+mj-lt"/>
-                  <a:cs typeface="Times New Roman" panose="02020603050405020304" pitchFamily="18" charset="0"/>
-                </a:rPr>
-                <a:t>used</a:t>
-              </a:r>
-            </a:p>
-          </p:txBody>
-        </p:sp>
-        <p:sp>
-          <p:nvSpPr>
-            <p:cNvPr id="300" name="TextBox 299">
-              <a:extLst>
-                <a:ext uri="{FF2B5EF4-FFF2-40B4-BE49-F238E27FC236}">
-                  <a16:creationId xmlns:a16="http://schemas.microsoft.com/office/drawing/2014/main" id="{B2B44B3E-DE1D-C047-9730-FF8235EF27B8}"/>
-                </a:ext>
-              </a:extLst>
-            </p:cNvPr>
-            <p:cNvSpPr txBox="1"/>
-            <p:nvPr/>
-          </p:nvSpPr>
-          <p:spPr>
-            <a:xfrm>
-              <a:off x="1232063" y="4675291"/>
-              <a:ext cx="510333" cy="276999"/>
-            </a:xfrm>
-            <a:prstGeom prst="rect">
-              <a:avLst/>
-            </a:prstGeom>
-            <a:noFill/>
-          </p:spPr>
-          <p:txBody>
-            <a:bodyPr wrap="square" rtlCol="0">
-              <a:spAutoFit/>
-            </a:bodyPr>
-            <a:lstStyle/>
-            <a:p>
-              <a:r>
-                <a:rPr lang="en-US" sz="1200" dirty="0" err="1">
-                  <a:latin typeface="+mj-lt"/>
-                  <a:cs typeface="Times New Roman" panose="02020603050405020304" pitchFamily="18" charset="0"/>
-                </a:rPr>
-                <a:t>wgBy</a:t>
-              </a:r>
-              <a:endParaRPr lang="en-US" sz="1200" dirty="0">
-                <a:latin typeface="+mj-lt"/>
-                <a:cs typeface="Times New Roman" panose="02020603050405020304" pitchFamily="18" charset="0"/>
-              </a:endParaRPr>
-            </a:p>
-          </p:txBody>
-        </p:sp>
-        <p:cxnSp>
-          <p:nvCxnSpPr>
-            <p:cNvPr id="301" name="Straight Arrow Connector 300">
-              <a:extLst>
-                <a:ext uri="{FF2B5EF4-FFF2-40B4-BE49-F238E27FC236}">
-                  <a16:creationId xmlns:a16="http://schemas.microsoft.com/office/drawing/2014/main" id="{D66DCD37-052B-3144-BD7D-CA13730BFA26}"/>
-                </a:ext>
-              </a:extLst>
-            </p:cNvPr>
-            <p:cNvCxnSpPr>
-              <a:stCxn id="290" idx="1"/>
-              <a:endCxn id="287" idx="6"/>
-            </p:cNvCxnSpPr>
-            <p:nvPr/>
-          </p:nvCxnSpPr>
-          <p:spPr>
-            <a:xfrm flipH="1">
-              <a:off x="2112380" y="4047424"/>
-              <a:ext cx="493858" cy="907169"/>
-            </a:xfrm>
-            <a:prstGeom prst="straightConnector1">
-              <a:avLst/>
-            </a:prstGeom>
-            <a:ln w="25400">
-              <a:solidFill>
-                <a:schemeClr val="tx1"/>
-              </a:solidFill>
-              <a:tailEnd type="triangle"/>
-            </a:ln>
-          </p:spPr>
-          <p:style>
-            <a:lnRef idx="1">
-              <a:schemeClr val="accent1"/>
-            </a:lnRef>
-            <a:fillRef idx="0">
-              <a:schemeClr val="accent1"/>
-            </a:fillRef>
-            <a:effectRef idx="0">
-              <a:schemeClr val="accent1"/>
-            </a:effectRef>
-            <a:fontRef idx="minor">
-              <a:schemeClr val="tx1"/>
-            </a:fontRef>
-          </p:style>
-        </p:cxnSp>
-        <p:sp>
-          <p:nvSpPr>
-            <p:cNvPr id="46" name="TextBox 45">
-              <a:extLst>
-                <a:ext uri="{FF2B5EF4-FFF2-40B4-BE49-F238E27FC236}">
-                  <a16:creationId xmlns:a16="http://schemas.microsoft.com/office/drawing/2014/main" id="{F6E48A18-590F-BA44-95B6-FE5AE87BCD61}"/>
-                </a:ext>
-              </a:extLst>
-            </p:cNvPr>
-            <p:cNvSpPr txBox="1"/>
-            <p:nvPr/>
-          </p:nvSpPr>
-          <p:spPr>
-            <a:xfrm>
-              <a:off x="1311091" y="3784826"/>
-              <a:ext cx="1222514" cy="276999"/>
-            </a:xfrm>
-            <a:prstGeom prst="rect">
-              <a:avLst/>
-            </a:prstGeom>
-            <a:noFill/>
-          </p:spPr>
-          <p:txBody>
-            <a:bodyPr wrap="none" rtlCol="0">
-              <a:spAutoFit/>
-            </a:bodyPr>
-            <a:lstStyle/>
-            <a:p>
-              <a:r>
-                <a:rPr lang="en-US" sz="1200" dirty="0" err="1">
-                  <a:latin typeface="+mj-lt"/>
-                  <a:cs typeface="Times New Roman" panose="02020603050405020304" pitchFamily="18" charset="0"/>
-                </a:rPr>
-                <a:t>wasInfluencedBy</a:t>
-              </a:r>
-              <a:endParaRPr lang="en-US" sz="1200" dirty="0">
-                <a:latin typeface="+mj-lt"/>
-                <a:cs typeface="Times New Roman" panose="02020603050405020304" pitchFamily="18" charset="0"/>
-              </a:endParaRPr>
-            </a:p>
-          </p:txBody>
-        </p:sp>
-        <p:sp>
-          <p:nvSpPr>
-            <p:cNvPr id="313" name="TextBox 312">
-              <a:extLst>
-                <a:ext uri="{FF2B5EF4-FFF2-40B4-BE49-F238E27FC236}">
-                  <a16:creationId xmlns:a16="http://schemas.microsoft.com/office/drawing/2014/main" id="{15D456A5-1FAB-F94D-9DAE-286998A08CD2}"/>
-                </a:ext>
-              </a:extLst>
-            </p:cNvPr>
-            <p:cNvSpPr txBox="1"/>
-            <p:nvPr/>
-          </p:nvSpPr>
-          <p:spPr>
-            <a:xfrm>
-              <a:off x="1991774" y="4260717"/>
-              <a:ext cx="482824" cy="276999"/>
-            </a:xfrm>
-            <a:prstGeom prst="rect">
-              <a:avLst/>
-            </a:prstGeom>
-            <a:noFill/>
-          </p:spPr>
-          <p:txBody>
-            <a:bodyPr wrap="square" rtlCol="0">
-              <a:spAutoFit/>
-            </a:bodyPr>
-            <a:lstStyle/>
-            <a:p>
-              <a:r>
-                <a:rPr lang="en-US" sz="1200" dirty="0">
-                  <a:latin typeface="+mj-lt"/>
-                  <a:cs typeface="Times New Roman" panose="02020603050405020304" pitchFamily="18" charset="0"/>
-                </a:rPr>
-                <a:t>used</a:t>
-              </a:r>
-            </a:p>
-          </p:txBody>
-        </p:sp>
-        <p:grpSp>
-          <p:nvGrpSpPr>
-            <p:cNvPr id="150" name="Group 149">
-              <a:extLst>
-                <a:ext uri="{FF2B5EF4-FFF2-40B4-BE49-F238E27FC236}">
-                  <a16:creationId xmlns:a16="http://schemas.microsoft.com/office/drawing/2014/main" id="{6C82F491-A1D7-DC49-B19E-2D0C24CEB353}"/>
-                </a:ext>
-              </a:extLst>
-            </p:cNvPr>
-            <p:cNvGrpSpPr/>
-            <p:nvPr/>
-          </p:nvGrpSpPr>
-          <p:grpSpPr>
-            <a:xfrm>
-              <a:off x="844752" y="3849843"/>
-              <a:ext cx="370458" cy="394531"/>
-              <a:chOff x="2651620" y="4455131"/>
-              <a:chExt cx="370458" cy="394531"/>
-            </a:xfrm>
-            <a:noFill/>
-          </p:grpSpPr>
-          <p:sp>
-            <p:nvSpPr>
-              <p:cNvPr id="151" name="Rectangle 150">
-                <a:extLst>
-                  <a:ext uri="{FF2B5EF4-FFF2-40B4-BE49-F238E27FC236}">
-                    <a16:creationId xmlns:a16="http://schemas.microsoft.com/office/drawing/2014/main" id="{C2EFF9F3-45A2-C040-9E80-75B45AC3799F}"/>
-                  </a:ext>
-                </a:extLst>
-              </p:cNvPr>
-              <p:cNvSpPr/>
-              <p:nvPr/>
-            </p:nvSpPr>
-            <p:spPr>
-              <a:xfrm>
-                <a:off x="2658477" y="4455131"/>
-                <a:ext cx="363601" cy="394531"/>
-              </a:xfrm>
-              <a:prstGeom prst="rect">
-                <a:avLst/>
-              </a:prstGeom>
-              <a:grpFill/>
-              <a:ln w="25400">
-                <a:solidFill>
-                  <a:schemeClr val="tx1"/>
-                </a:solidFill>
-              </a:ln>
-            </p:spPr>
-            <p:style>
-              <a:lnRef idx="2">
-                <a:schemeClr val="accent1">
-                  <a:shade val="50000"/>
-                </a:schemeClr>
-              </a:lnRef>
-              <a:fillRef idx="1">
-                <a:schemeClr val="accent1"/>
-              </a:fillRef>
-              <a:effectRef idx="0">
-                <a:schemeClr val="accent1"/>
-              </a:effectRef>
-              <a:fontRef idx="minor">
-                <a:schemeClr val="lt1"/>
-              </a:fontRef>
-            </p:style>
-            <p:txBody>
-              <a:bodyPr rot="0" spcFirstLastPara="0" vertOverflow="overflow" horzOverflow="overflow" vert="horz" wrap="square" lIns="56757" tIns="28378" rIns="56757" bIns="28378" numCol="1" spcCol="0" rtlCol="0" fromWordArt="0" anchor="ctr" anchorCtr="0" forceAA="0" compatLnSpc="1">
-                <a:prstTxWarp prst="textNoShape">
-                  <a:avLst/>
-                </a:prstTxWarp>
-                <a:noAutofit/>
-              </a:bodyPr>
-              <a:lstStyle/>
-              <a:p>
-                <a:pPr algn="ctr"/>
-                <a:endParaRPr lang="en-US" sz="1200">
-                  <a:latin typeface="+mj-lt"/>
-                  <a:cs typeface="Times New Roman" panose="02020603050405020304" pitchFamily="18" charset="0"/>
-                </a:endParaRPr>
-              </a:p>
-            </p:txBody>
-          </p:sp>
-          <p:sp>
-            <p:nvSpPr>
-              <p:cNvPr id="152" name="TextBox 151">
-                <a:extLst>
-                  <a:ext uri="{FF2B5EF4-FFF2-40B4-BE49-F238E27FC236}">
-                    <a16:creationId xmlns:a16="http://schemas.microsoft.com/office/drawing/2014/main" id="{9FE147EB-D9B4-6045-94D5-487E9283F971}"/>
-                  </a:ext>
-                </a:extLst>
-              </p:cNvPr>
-              <p:cNvSpPr txBox="1"/>
-              <p:nvPr/>
-            </p:nvSpPr>
-            <p:spPr>
-              <a:xfrm>
-                <a:off x="2651620" y="4486608"/>
-                <a:ext cx="336952" cy="276999"/>
-              </a:xfrm>
-              <a:prstGeom prst="rect">
-                <a:avLst/>
-              </a:prstGeom>
-              <a:grpFill/>
-            </p:spPr>
-            <p:txBody>
-              <a:bodyPr wrap="none" rtlCol="0">
-                <a:spAutoFit/>
-              </a:bodyPr>
-              <a:lstStyle/>
-              <a:p>
-                <a:r>
-                  <a:rPr lang="en-US" sz="1200" dirty="0">
-                    <a:latin typeface="+mj-lt"/>
-                    <a:cs typeface="Times New Roman" panose="02020603050405020304" pitchFamily="18" charset="0"/>
-                  </a:rPr>
-                  <a:t>a1</a:t>
-                </a:r>
-              </a:p>
-            </p:txBody>
-          </p:sp>
-        </p:grpSp>
-        <p:cxnSp>
-          <p:nvCxnSpPr>
-            <p:cNvPr id="155" name="Straight Arrow Connector 154">
-              <a:extLst>
-                <a:ext uri="{FF2B5EF4-FFF2-40B4-BE49-F238E27FC236}">
-                  <a16:creationId xmlns:a16="http://schemas.microsoft.com/office/drawing/2014/main" id="{1C926A30-FF8F-BE45-8633-3B5F3A496E2D}"/>
-                </a:ext>
-              </a:extLst>
-            </p:cNvPr>
-            <p:cNvCxnSpPr>
-              <a:cxnSpLocks/>
-              <a:stCxn id="291" idx="1"/>
-              <a:endCxn id="151" idx="3"/>
-            </p:cNvCxnSpPr>
-            <p:nvPr/>
-          </p:nvCxnSpPr>
-          <p:spPr>
-            <a:xfrm flipH="1">
-              <a:off x="1215210" y="4039748"/>
-              <a:ext cx="1369843" cy="7361"/>
-            </a:xfrm>
-            <a:prstGeom prst="straightConnector1">
-              <a:avLst/>
-            </a:prstGeom>
-            <a:ln w="25400">
-              <a:solidFill>
-                <a:schemeClr val="tx1"/>
-              </a:solidFill>
-              <a:tailEnd type="triangle"/>
-            </a:ln>
-          </p:spPr>
-          <p:style>
-            <a:lnRef idx="1">
-              <a:schemeClr val="accent1"/>
-            </a:lnRef>
-            <a:fillRef idx="0">
-              <a:schemeClr val="accent1"/>
-            </a:fillRef>
-            <a:effectRef idx="0">
-              <a:schemeClr val="accent1"/>
-            </a:effectRef>
-            <a:fontRef idx="minor">
-              <a:schemeClr val="tx1"/>
-            </a:fontRef>
-          </p:style>
-        </p:cxnSp>
-      </p:grpSp>
       <p:sp>
         <p:nvSpPr>
-          <p:cNvPr id="156" name="TextBox 155">
-            <a:extLst>
-              <a:ext uri="{FF2B5EF4-FFF2-40B4-BE49-F238E27FC236}">
-                <a16:creationId xmlns:a16="http://schemas.microsoft.com/office/drawing/2014/main" id="{AE5DBACF-0EAE-024F-B741-7C5023EEF2B4}"/>
-              </a:ext>
-            </a:extLst>
-          </p:cNvPr>
-          <p:cNvSpPr txBox="1"/>
-          <p:nvPr/>
-        </p:nvSpPr>
-        <p:spPr>
-          <a:xfrm>
-            <a:off x="7121895" y="2486762"/>
-            <a:ext cx="1222514" cy="276999"/>
-          </a:xfrm>
-          <a:prstGeom prst="rect">
-            <a:avLst/>
-          </a:prstGeom>
-          <a:noFill/>
-        </p:spPr>
-        <p:txBody>
-          <a:bodyPr wrap="none" rtlCol="0">
-            <a:spAutoFit/>
-          </a:bodyPr>
-          <a:lstStyle/>
-          <a:p>
-            <a:r>
-              <a:rPr lang="en-US" sz="1200" dirty="0" err="1">
-                <a:latin typeface="+mj-lt"/>
-                <a:cs typeface="Times New Roman" panose="02020603050405020304" pitchFamily="18" charset="0"/>
-              </a:rPr>
-              <a:t>wasInfluencedBy</a:t>
-            </a:r>
-            <a:endParaRPr lang="en-US" sz="1200" dirty="0">
-              <a:latin typeface="+mj-lt"/>
-              <a:cs typeface="Times New Roman" panose="02020603050405020304" pitchFamily="18" charset="0"/>
-            </a:endParaRPr>
-          </a:p>
-        </p:txBody>
-      </p:sp>
-      <p:grpSp>
-        <p:nvGrpSpPr>
-          <p:cNvPr id="165" name="Group 164">
-            <a:extLst>
-              <a:ext uri="{FF2B5EF4-FFF2-40B4-BE49-F238E27FC236}">
-                <a16:creationId xmlns:a16="http://schemas.microsoft.com/office/drawing/2014/main" id="{E4E8A642-41D4-474B-ADEB-6C483AD990B1}"/>
-              </a:ext>
-            </a:extLst>
-          </p:cNvPr>
-          <p:cNvGrpSpPr/>
-          <p:nvPr/>
-        </p:nvGrpSpPr>
-        <p:grpSpPr>
-          <a:xfrm>
-            <a:off x="6999459" y="2018672"/>
-            <a:ext cx="435825" cy="394531"/>
-            <a:chOff x="6672087" y="3970253"/>
-            <a:chExt cx="435825" cy="394531"/>
-          </a:xfrm>
-        </p:grpSpPr>
-        <p:sp>
-          <p:nvSpPr>
-            <p:cNvPr id="166" name="Oval 165">
-              <a:extLst>
-                <a:ext uri="{FF2B5EF4-FFF2-40B4-BE49-F238E27FC236}">
-                  <a16:creationId xmlns:a16="http://schemas.microsoft.com/office/drawing/2014/main" id="{48280841-2FD5-6244-84D3-BA34D38E0724}"/>
-                </a:ext>
-              </a:extLst>
-            </p:cNvPr>
-            <p:cNvSpPr/>
-            <p:nvPr/>
-          </p:nvSpPr>
-          <p:spPr>
-            <a:xfrm>
-              <a:off x="6693503" y="3970253"/>
-              <a:ext cx="394531" cy="394531"/>
-            </a:xfrm>
-            <a:prstGeom prst="ellipse">
-              <a:avLst/>
-            </a:prstGeom>
-            <a:solidFill>
-              <a:schemeClr val="accent3"/>
-            </a:solidFill>
-            <a:ln w="25400">
-              <a:solidFill>
-                <a:schemeClr val="tx1"/>
-              </a:solidFill>
-            </a:ln>
-          </p:spPr>
-          <p:style>
-            <a:lnRef idx="2">
-              <a:schemeClr val="accent1">
-                <a:shade val="50000"/>
-              </a:schemeClr>
-            </a:lnRef>
-            <a:fillRef idx="1">
-              <a:schemeClr val="accent1"/>
-            </a:fillRef>
-            <a:effectRef idx="0">
-              <a:schemeClr val="accent1"/>
-            </a:effectRef>
-            <a:fontRef idx="minor">
-              <a:schemeClr val="lt1"/>
-            </a:fontRef>
-          </p:style>
-          <p:txBody>
-            <a:bodyPr rot="0" spcFirstLastPara="0" vertOverflow="overflow" horzOverflow="overflow" vert="horz" wrap="square" lIns="56757" tIns="28378" rIns="56757" bIns="28378" numCol="1" spcCol="0" rtlCol="0" fromWordArt="0" anchor="ctr" anchorCtr="0" forceAA="0" compatLnSpc="1">
-              <a:prstTxWarp prst="textNoShape">
-                <a:avLst/>
-              </a:prstTxWarp>
-              <a:noAutofit/>
-            </a:bodyPr>
-            <a:lstStyle/>
-            <a:p>
-              <a:pPr algn="ctr"/>
-              <a:endParaRPr lang="en-US" sz="1200">
-                <a:latin typeface="+mj-lt"/>
-                <a:cs typeface="Times New Roman" panose="02020603050405020304" pitchFamily="18" charset="0"/>
-              </a:endParaRPr>
-            </a:p>
-          </p:txBody>
-        </p:sp>
-        <p:sp>
-          <p:nvSpPr>
-            <p:cNvPr id="167" name="TextBox 166">
-              <a:extLst>
-                <a:ext uri="{FF2B5EF4-FFF2-40B4-BE49-F238E27FC236}">
-                  <a16:creationId xmlns:a16="http://schemas.microsoft.com/office/drawing/2014/main" id="{8CA5E794-4A9C-4943-B4EC-528EBD5F8DEA}"/>
-                </a:ext>
-              </a:extLst>
-            </p:cNvPr>
-            <p:cNvSpPr txBox="1"/>
-            <p:nvPr/>
-          </p:nvSpPr>
-          <p:spPr>
-            <a:xfrm>
-              <a:off x="6672087" y="3997583"/>
-              <a:ext cx="435825" cy="276999"/>
-            </a:xfrm>
-            <a:prstGeom prst="rect">
-              <a:avLst/>
-            </a:prstGeom>
-            <a:noFill/>
-          </p:spPr>
-          <p:txBody>
-            <a:bodyPr wrap="none" rtlCol="0">
-              <a:spAutoFit/>
-            </a:bodyPr>
-            <a:lstStyle/>
-            <a:p>
-              <a:r>
-                <a:rPr lang="en-US" sz="1200" dirty="0" err="1">
-                  <a:latin typeface="+mj-lt"/>
-                  <a:cs typeface="Times New Roman" panose="02020603050405020304" pitchFamily="18" charset="0"/>
-                </a:rPr>
-                <a:t>e</a:t>
-              </a:r>
-              <a:r>
-                <a:rPr lang="en-US" sz="1200" baseline="-25000" dirty="0" err="1">
-                  <a:latin typeface="+mj-lt"/>
-                  <a:cs typeface="Times New Roman" panose="02020603050405020304" pitchFamily="18" charset="0"/>
-                </a:rPr>
-                <a:t>new</a:t>
-              </a:r>
-              <a:endParaRPr lang="en-US" sz="1200" baseline="-25000" dirty="0">
-                <a:latin typeface="+mj-lt"/>
-                <a:cs typeface="Times New Roman" panose="02020603050405020304" pitchFamily="18" charset="0"/>
-              </a:endParaRPr>
-            </a:p>
-          </p:txBody>
-        </p:sp>
-      </p:grpSp>
-      <p:sp>
-        <p:nvSpPr>
-          <p:cNvPr id="81" name="Oval 80">
-            <a:extLst>
-              <a:ext uri="{FF2B5EF4-FFF2-40B4-BE49-F238E27FC236}">
-                <a16:creationId xmlns:a16="http://schemas.microsoft.com/office/drawing/2014/main" id="{FE42A72C-73EA-2D41-A173-F01D8A59541A}"/>
+          <p:cNvPr id="240" name="Oval 239">
+            <a:extLst>
+              <a:ext uri="{FF2B5EF4-FFF2-40B4-BE49-F238E27FC236}">
+                <a16:creationId xmlns:a16="http://schemas.microsoft.com/office/drawing/2014/main" id="{45FDADBD-2D21-9843-9405-AA6DDDAC3062}"/>
               </a:ext>
             </a:extLst>
           </p:cNvPr>
@@ -7615,7 +9929,7 @@
         </p:nvSpPr>
         <p:spPr>
           <a:xfrm>
-            <a:off x="4115561" y="947286"/>
+            <a:off x="6655055" y="3002933"/>
             <a:ext cx="394531" cy="394531"/>
           </a:xfrm>
           <a:prstGeom prst="ellipse">
@@ -7658,6 +9972,282 @@
               <a:latin typeface="+mj-lt"/>
               <a:cs typeface="Times New Roman" panose="02020603050405020304" pitchFamily="18" charset="0"/>
             </a:endParaRPr>
+          </a:p>
+        </p:txBody>
+      </p:sp>
+      <p:sp>
+        <p:nvSpPr>
+          <p:cNvPr id="242" name="TextBox 241">
+            <a:extLst>
+              <a:ext uri="{FF2B5EF4-FFF2-40B4-BE49-F238E27FC236}">
+                <a16:creationId xmlns:a16="http://schemas.microsoft.com/office/drawing/2014/main" id="{AA62E519-939D-B847-9CCC-EAEA27804C89}"/>
+              </a:ext>
+            </a:extLst>
+          </p:cNvPr>
+          <p:cNvSpPr txBox="1"/>
+          <p:nvPr/>
+        </p:nvSpPr>
+        <p:spPr>
+          <a:xfrm>
+            <a:off x="6649011" y="2579812"/>
+            <a:ext cx="1222514" cy="276999"/>
+          </a:xfrm>
+          <a:prstGeom prst="rect">
+            <a:avLst/>
+          </a:prstGeom>
+          <a:noFill/>
+        </p:spPr>
+        <p:txBody>
+          <a:bodyPr wrap="none" rtlCol="0">
+            <a:spAutoFit/>
+          </a:bodyPr>
+          <a:lstStyle/>
+          <a:p>
+            <a:r>
+              <a:rPr lang="en-US" sz="1200" dirty="0" err="1">
+                <a:latin typeface="+mj-lt"/>
+                <a:cs typeface="Times New Roman" panose="02020603050405020304" pitchFamily="18" charset="0"/>
+              </a:rPr>
+              <a:t>wasInfluencedBy</a:t>
+            </a:r>
+            <a:endParaRPr lang="en-US" sz="1200" dirty="0">
+              <a:latin typeface="+mj-lt"/>
+              <a:cs typeface="Times New Roman" panose="02020603050405020304" pitchFamily="18" charset="0"/>
+            </a:endParaRPr>
+          </a:p>
+        </p:txBody>
+      </p:sp>
+      <p:sp>
+        <p:nvSpPr>
+          <p:cNvPr id="260" name="TextBox 259">
+            <a:extLst>
+              <a:ext uri="{FF2B5EF4-FFF2-40B4-BE49-F238E27FC236}">
+                <a16:creationId xmlns:a16="http://schemas.microsoft.com/office/drawing/2014/main" id="{EA8A35D3-EDE9-A14B-84B3-E564B20D1E4B}"/>
+              </a:ext>
+            </a:extLst>
+          </p:cNvPr>
+          <p:cNvSpPr txBox="1"/>
+          <p:nvPr/>
+        </p:nvSpPr>
+        <p:spPr>
+          <a:xfrm>
+            <a:off x="5664081" y="2020445"/>
+            <a:ext cx="510333" cy="276999"/>
+          </a:xfrm>
+          <a:prstGeom prst="rect">
+            <a:avLst/>
+          </a:prstGeom>
+          <a:noFill/>
+        </p:spPr>
+        <p:txBody>
+          <a:bodyPr wrap="none" rtlCol="0">
+            <a:spAutoFit/>
+          </a:bodyPr>
+          <a:lstStyle/>
+          <a:p>
+            <a:r>
+              <a:rPr lang="en-US" sz="1200" dirty="0" err="1">
+                <a:latin typeface="+mj-lt"/>
+                <a:cs typeface="Times New Roman" panose="02020603050405020304" pitchFamily="18" charset="0"/>
+              </a:rPr>
+              <a:t>wgBy</a:t>
+            </a:r>
+            <a:endParaRPr lang="en-US" sz="1200" dirty="0">
+              <a:latin typeface="+mj-lt"/>
+              <a:cs typeface="Times New Roman" panose="02020603050405020304" pitchFamily="18" charset="0"/>
+            </a:endParaRPr>
+          </a:p>
+        </p:txBody>
+      </p:sp>
+      <p:sp>
+        <p:nvSpPr>
+          <p:cNvPr id="261" name="TextBox 260">
+            <a:extLst>
+              <a:ext uri="{FF2B5EF4-FFF2-40B4-BE49-F238E27FC236}">
+                <a16:creationId xmlns:a16="http://schemas.microsoft.com/office/drawing/2014/main" id="{D952AD54-FBE3-C94C-A06E-76CEFC08C6CA}"/>
+              </a:ext>
+            </a:extLst>
+          </p:cNvPr>
+          <p:cNvSpPr txBox="1"/>
+          <p:nvPr/>
+        </p:nvSpPr>
+        <p:spPr>
+          <a:xfrm>
+            <a:off x="2946820" y="2052997"/>
+            <a:ext cx="482824" cy="276999"/>
+          </a:xfrm>
+          <a:prstGeom prst="rect">
+            <a:avLst/>
+          </a:prstGeom>
+          <a:noFill/>
+        </p:spPr>
+        <p:txBody>
+          <a:bodyPr wrap="none" rtlCol="0">
+            <a:spAutoFit/>
+          </a:bodyPr>
+          <a:lstStyle/>
+          <a:p>
+            <a:r>
+              <a:rPr lang="en-US" sz="1200" dirty="0">
+                <a:latin typeface="+mj-lt"/>
+                <a:cs typeface="Times New Roman" panose="02020603050405020304" pitchFamily="18" charset="0"/>
+              </a:rPr>
+              <a:t>used</a:t>
+            </a:r>
+          </a:p>
+        </p:txBody>
+      </p:sp>
+      <p:sp>
+        <p:nvSpPr>
+          <p:cNvPr id="262" name="TextBox 261">
+            <a:extLst>
+              <a:ext uri="{FF2B5EF4-FFF2-40B4-BE49-F238E27FC236}">
+                <a16:creationId xmlns:a16="http://schemas.microsoft.com/office/drawing/2014/main" id="{3647BA1F-35D8-F246-9E76-333033A38524}"/>
+              </a:ext>
+            </a:extLst>
+          </p:cNvPr>
+          <p:cNvSpPr txBox="1"/>
+          <p:nvPr/>
+        </p:nvSpPr>
+        <p:spPr>
+          <a:xfrm>
+            <a:off x="6722556" y="4438345"/>
+            <a:ext cx="510333" cy="276999"/>
+          </a:xfrm>
+          <a:prstGeom prst="rect">
+            <a:avLst/>
+          </a:prstGeom>
+          <a:noFill/>
+        </p:spPr>
+        <p:txBody>
+          <a:bodyPr wrap="none" rtlCol="0">
+            <a:spAutoFit/>
+          </a:bodyPr>
+          <a:lstStyle/>
+          <a:p>
+            <a:r>
+              <a:rPr lang="en-US" sz="1200" dirty="0" err="1">
+                <a:latin typeface="+mj-lt"/>
+                <a:cs typeface="Times New Roman" panose="02020603050405020304" pitchFamily="18" charset="0"/>
+              </a:rPr>
+              <a:t>wgBy</a:t>
+            </a:r>
+            <a:endParaRPr lang="en-US" sz="1200" dirty="0">
+              <a:latin typeface="+mj-lt"/>
+              <a:cs typeface="Times New Roman" panose="02020603050405020304" pitchFamily="18" charset="0"/>
+            </a:endParaRPr>
+          </a:p>
+        </p:txBody>
+      </p:sp>
+      <p:sp>
+        <p:nvSpPr>
+          <p:cNvPr id="263" name="Right Arrow 262">
+            <a:extLst>
+              <a:ext uri="{FF2B5EF4-FFF2-40B4-BE49-F238E27FC236}">
+                <a16:creationId xmlns:a16="http://schemas.microsoft.com/office/drawing/2014/main" id="{E785A30E-4B4A-714A-A7C7-5999FC01AE69}"/>
+              </a:ext>
+            </a:extLst>
+          </p:cNvPr>
+          <p:cNvSpPr/>
+          <p:nvPr/>
+        </p:nvSpPr>
+        <p:spPr>
+          <a:xfrm rot="3119805">
+            <a:off x="4807167" y="1509494"/>
+            <a:ext cx="434774" cy="435595"/>
+          </a:xfrm>
+          <a:prstGeom prst="rightArrow">
+            <a:avLst/>
+          </a:prstGeom>
+          <a:solidFill>
+            <a:schemeClr val="accent2"/>
+          </a:solidFill>
+          <a:effectLst>
+            <a:outerShdw blurRad="50800" dist="38100" dir="2700000" algn="tl" rotWithShape="0">
+              <a:prstClr val="black">
+                <a:alpha val="40000"/>
+              </a:prstClr>
+            </a:outerShdw>
+          </a:effectLst>
+        </p:spPr>
+        <p:style>
+          <a:lnRef idx="2">
+            <a:schemeClr val="accent1">
+              <a:shade val="50000"/>
+            </a:schemeClr>
+          </a:lnRef>
+          <a:fillRef idx="1">
+            <a:schemeClr val="accent1"/>
+          </a:fillRef>
+          <a:effectRef idx="0">
+            <a:schemeClr val="accent1"/>
+          </a:effectRef>
+          <a:fontRef idx="minor">
+            <a:schemeClr val="lt1"/>
+          </a:fontRef>
+        </p:style>
+        <p:txBody>
+          <a:bodyPr rtlCol="0" anchor="ctr"/>
+          <a:lstStyle/>
+          <a:p>
+            <a:pPr algn="ctr"/>
+            <a:endParaRPr lang="en-US" dirty="0"/>
+          </a:p>
+        </p:txBody>
+      </p:sp>
+      <p:sp>
+        <p:nvSpPr>
+          <p:cNvPr id="264" name="Right Arrow 263">
+            <a:extLst>
+              <a:ext uri="{FF2B5EF4-FFF2-40B4-BE49-F238E27FC236}">
+                <a16:creationId xmlns:a16="http://schemas.microsoft.com/office/drawing/2014/main" id="{DAC3F463-FABE-0246-8E69-A1EFE4F99869}"/>
+              </a:ext>
+            </a:extLst>
+          </p:cNvPr>
+          <p:cNvSpPr/>
+          <p:nvPr/>
+        </p:nvSpPr>
+        <p:spPr>
+          <a:xfrm rot="5400000">
+            <a:off x="6783897" y="3830665"/>
+            <a:ext cx="434774" cy="435595"/>
+          </a:xfrm>
+          <a:prstGeom prst="rightArrow">
+            <a:avLst/>
+          </a:prstGeom>
+          <a:solidFill>
+            <a:schemeClr val="accent2"/>
+          </a:solidFill>
+          <a:effectLst>
+            <a:outerShdw blurRad="50800" dist="38100" dir="2700000" algn="tl" rotWithShape="0">
+              <a:prstClr val="black">
+                <a:alpha val="40000"/>
+              </a:prstClr>
+            </a:outerShdw>
+          </a:effectLst>
+        </p:spPr>
+        <p:style>
+          <a:lnRef idx="2">
+            <a:schemeClr val="accent1">
+              <a:shade val="50000"/>
+            </a:schemeClr>
+          </a:lnRef>
+          <a:fillRef idx="1">
+            <a:schemeClr val="accent1"/>
+          </a:fillRef>
+          <a:effectRef idx="0">
+            <a:schemeClr val="accent1"/>
+          </a:effectRef>
+          <a:fontRef idx="minor">
+            <a:schemeClr val="lt1"/>
+          </a:fontRef>
+        </p:style>
+        <p:txBody>
+          <a:bodyPr rtlCol="0" anchor="ctr"/>
+          <a:lstStyle/>
+          <a:p>
+            <a:pPr algn="ctr"/>
+            <a:endParaRPr lang="en-US" dirty="0"/>
           </a:p>
         </p:txBody>
       </p:sp>

--- a/FGCS-2019/wasInfluencedBy-example.pptx
+++ b/FGCS-2019/wasInfluencedBy-example.pptx
@@ -4252,7 +4252,7 @@
         </p:nvSpPr>
         <p:spPr>
           <a:xfrm rot="7795786">
-            <a:off x="3312244" y="1522206"/>
+            <a:off x="3699870" y="1522206"/>
             <a:ext cx="434774" cy="435595"/>
           </a:xfrm>
           <a:prstGeom prst="rightArrow">
@@ -4308,7 +4308,7 @@
         </p:nvSpPr>
         <p:spPr>
           <a:xfrm>
-            <a:off x="233488" y="4016222"/>
+            <a:off x="1287759" y="1421165"/>
             <a:ext cx="963725" cy="276999"/>
           </a:xfrm>
           <a:prstGeom prst="rect">
@@ -4349,7 +4349,7 @@
         </p:nvSpPr>
         <p:spPr>
           <a:xfrm>
-            <a:off x="8729738" y="4210089"/>
+            <a:off x="6301623" y="1435021"/>
             <a:ext cx="963725" cy="276999"/>
           </a:xfrm>
           <a:prstGeom prst="rect">
@@ -4390,7 +4390,7 @@
         </p:nvSpPr>
         <p:spPr>
           <a:xfrm>
-            <a:off x="3903750" y="1557890"/>
+            <a:off x="4291376" y="1557890"/>
             <a:ext cx="1090712" cy="276999"/>
           </a:xfrm>
           <a:prstGeom prst="rect">
@@ -4492,7 +4492,7 @@
         </p:nvGrpSpPr>
         <p:grpSpPr>
           <a:xfrm>
-            <a:off x="3217060" y="0"/>
+            <a:off x="3624564" y="0"/>
             <a:ext cx="2154864" cy="1350311"/>
             <a:chOff x="3217060" y="0"/>
             <a:chExt cx="2154864" cy="1350311"/>
@@ -9304,7 +9304,7 @@
         </p:nvGrpSpPr>
         <p:grpSpPr>
           <a:xfrm>
-            <a:off x="8417246" y="2133348"/>
+            <a:off x="8406828" y="2125427"/>
             <a:ext cx="363601" cy="394531"/>
             <a:chOff x="2658477" y="4475009"/>
             <a:chExt cx="363601" cy="394531"/>
@@ -9640,9 +9640,9 @@
           <p:nvPr/>
         </p:nvCxnSpPr>
         <p:spPr>
-          <a:xfrm flipH="1" flipV="1">
-            <a:off x="7067655" y="2325242"/>
-            <a:ext cx="1349591" cy="5372"/>
+          <a:xfrm flipH="1">
+            <a:off x="7067655" y="2322693"/>
+            <a:ext cx="1339173" cy="2549"/>
           </a:xfrm>
           <a:prstGeom prst="straightConnector1">
             <a:avLst/>
@@ -9811,8 +9811,8 @@
         </p:nvCxnSpPr>
         <p:spPr>
           <a:xfrm flipH="1">
-            <a:off x="7043542" y="2330614"/>
-            <a:ext cx="1373704" cy="878079"/>
+            <a:off x="7043542" y="2322693"/>
+            <a:ext cx="1363286" cy="886000"/>
           </a:xfrm>
           <a:prstGeom prst="straightConnector1">
             <a:avLst/>
@@ -10153,7 +10153,7 @@
         </p:nvSpPr>
         <p:spPr>
           <a:xfrm rot="3119805">
-            <a:off x="4807167" y="1509494"/>
+            <a:off x="5194793" y="1509494"/>
             <a:ext cx="434774" cy="435595"/>
           </a:xfrm>
           <a:prstGeom prst="rightArrow">

--- a/FGCS-2019/wasInfluencedBy-example.pptx
+++ b/FGCS-2019/wasInfluencedBy-example.pptx
@@ -1171,7 +1171,7 @@
           <a:p>
             <a:fld id="{2DE544F1-4EB3-B943-BAC8-4587CDEC2BDB}" type="datetimeFigureOut">
               <a:rPr lang="en-US" smtClean="0"/>
-              <a:t>10/23/19</a:t>
+              <a:t>11/6/19</a:t>
             </a:fld>
             <a:endParaRPr lang="en-US"/>
           </a:p>
@@ -1369,7 +1369,7 @@
           <a:p>
             <a:fld id="{2DE544F1-4EB3-B943-BAC8-4587CDEC2BDB}" type="datetimeFigureOut">
               <a:rPr lang="en-US" smtClean="0"/>
-              <a:t>10/23/19</a:t>
+              <a:t>11/6/19</a:t>
             </a:fld>
             <a:endParaRPr lang="en-US"/>
           </a:p>
@@ -1577,7 +1577,7 @@
           <a:p>
             <a:fld id="{2DE544F1-4EB3-B943-BAC8-4587CDEC2BDB}" type="datetimeFigureOut">
               <a:rPr lang="en-US" smtClean="0"/>
-              <a:t>10/23/19</a:t>
+              <a:t>11/6/19</a:t>
             </a:fld>
             <a:endParaRPr lang="en-US"/>
           </a:p>
@@ -1775,7 +1775,7 @@
           <a:p>
             <a:fld id="{2DE544F1-4EB3-B943-BAC8-4587CDEC2BDB}" type="datetimeFigureOut">
               <a:rPr lang="en-US" smtClean="0"/>
-              <a:t>10/23/19</a:t>
+              <a:t>11/6/19</a:t>
             </a:fld>
             <a:endParaRPr lang="en-US"/>
           </a:p>
@@ -2050,7 +2050,7 @@
           <a:p>
             <a:fld id="{2DE544F1-4EB3-B943-BAC8-4587CDEC2BDB}" type="datetimeFigureOut">
               <a:rPr lang="en-US" smtClean="0"/>
-              <a:t>10/23/19</a:t>
+              <a:t>11/6/19</a:t>
             </a:fld>
             <a:endParaRPr lang="en-US"/>
           </a:p>
@@ -2315,7 +2315,7 @@
           <a:p>
             <a:fld id="{2DE544F1-4EB3-B943-BAC8-4587CDEC2BDB}" type="datetimeFigureOut">
               <a:rPr lang="en-US" smtClean="0"/>
-              <a:t>10/23/19</a:t>
+              <a:t>11/6/19</a:t>
             </a:fld>
             <a:endParaRPr lang="en-US"/>
           </a:p>
@@ -2727,7 +2727,7 @@
           <a:p>
             <a:fld id="{2DE544F1-4EB3-B943-BAC8-4587CDEC2BDB}" type="datetimeFigureOut">
               <a:rPr lang="en-US" smtClean="0"/>
-              <a:t>10/23/19</a:t>
+              <a:t>11/6/19</a:t>
             </a:fld>
             <a:endParaRPr lang="en-US"/>
           </a:p>
@@ -2868,7 +2868,7 @@
           <a:p>
             <a:fld id="{2DE544F1-4EB3-B943-BAC8-4587CDEC2BDB}" type="datetimeFigureOut">
               <a:rPr lang="en-US" smtClean="0"/>
-              <a:t>10/23/19</a:t>
+              <a:t>11/6/19</a:t>
             </a:fld>
             <a:endParaRPr lang="en-US"/>
           </a:p>
@@ -2981,7 +2981,7 @@
           <a:p>
             <a:fld id="{2DE544F1-4EB3-B943-BAC8-4587CDEC2BDB}" type="datetimeFigureOut">
               <a:rPr lang="en-US" smtClean="0"/>
-              <a:t>10/23/19</a:t>
+              <a:t>11/6/19</a:t>
             </a:fld>
             <a:endParaRPr lang="en-US"/>
           </a:p>
@@ -3292,7 +3292,7 @@
           <a:p>
             <a:fld id="{2DE544F1-4EB3-B943-BAC8-4587CDEC2BDB}" type="datetimeFigureOut">
               <a:rPr lang="en-US" smtClean="0"/>
-              <a:t>10/23/19</a:t>
+              <a:t>11/6/19</a:t>
             </a:fld>
             <a:endParaRPr lang="en-US"/>
           </a:p>
@@ -3580,7 +3580,7 @@
           <a:p>
             <a:fld id="{2DE544F1-4EB3-B943-BAC8-4587CDEC2BDB}" type="datetimeFigureOut">
               <a:rPr lang="en-US" smtClean="0"/>
-              <a:t>10/23/19</a:t>
+              <a:t>11/6/19</a:t>
             </a:fld>
             <a:endParaRPr lang="en-US"/>
           </a:p>
@@ -3821,7 +3821,7 @@
           <a:p>
             <a:fld id="{2DE544F1-4EB3-B943-BAC8-4587CDEC2BDB}" type="datetimeFigureOut">
               <a:rPr lang="en-US" smtClean="0"/>
-              <a:t>10/23/19</a:t>
+              <a:t>11/6/19</a:t>
             </a:fld>
             <a:endParaRPr lang="en-US"/>
           </a:p>
@@ -6937,9 +6937,9 @@
         <p:grpSpPr>
           <a:xfrm>
             <a:off x="525859" y="4467792"/>
-            <a:ext cx="3915022" cy="1372670"/>
+            <a:ext cx="3927345" cy="1372670"/>
             <a:chOff x="265882" y="4261604"/>
-            <a:chExt cx="3915022" cy="1372670"/>
+            <a:chExt cx="3927345" cy="1372670"/>
           </a:xfrm>
         </p:grpSpPr>
         <p:grpSp>
@@ -7433,8 +7433,8 @@
           </p:nvCxnSpPr>
           <p:spPr>
             <a:xfrm flipH="1">
-              <a:off x="618339" y="4548941"/>
-              <a:ext cx="3129946" cy="34375"/>
+              <a:off x="618339" y="4556616"/>
+              <a:ext cx="3090973" cy="26700"/>
             </a:xfrm>
             <a:prstGeom prst="straightConnector1">
               <a:avLst/>
@@ -7604,8 +7604,8 @@
           </p:nvCxnSpPr>
           <p:spPr>
             <a:xfrm flipH="1">
-              <a:off x="2375430" y="4548941"/>
-              <a:ext cx="1372855" cy="888068"/>
+              <a:off x="2375430" y="4556616"/>
+              <a:ext cx="1333882" cy="880393"/>
             </a:xfrm>
             <a:prstGeom prst="straightConnector1">
               <a:avLst/>
@@ -7824,10 +7824,10 @@
           </p:nvGrpSpPr>
           <p:grpSpPr>
             <a:xfrm>
-              <a:off x="3748285" y="4359351"/>
-              <a:ext cx="432619" cy="394531"/>
-              <a:chOff x="2637292" y="4455131"/>
-              <a:chExt cx="432619" cy="394531"/>
+              <a:off x="3709312" y="4377648"/>
+              <a:ext cx="483915" cy="376234"/>
+              <a:chOff x="2598319" y="4473428"/>
+              <a:chExt cx="483915" cy="376234"/>
             </a:xfrm>
             <a:solidFill>
               <a:schemeClr val="accent3"/>
@@ -7847,8 +7847,8 @@
             </p:nvSpPr>
             <p:spPr>
               <a:xfrm>
-                <a:off x="2658477" y="4455131"/>
-                <a:ext cx="363601" cy="394531"/>
+                <a:off x="2658477" y="4473428"/>
+                <a:ext cx="363601" cy="376234"/>
               </a:xfrm>
               <a:prstGeom prst="rect">
                 <a:avLst/>
@@ -7907,8 +7907,8 @@
             </p:nvSpPr>
             <p:spPr>
               <a:xfrm>
-                <a:off x="2637292" y="4506221"/>
-                <a:ext cx="432619" cy="276999"/>
+                <a:off x="2598319" y="4513896"/>
+                <a:ext cx="483915" cy="276999"/>
               </a:xfrm>
               <a:prstGeom prst="rect">
                 <a:avLst/>
@@ -7933,7 +7933,7 @@
                     <a:latin typeface="+mj-lt"/>
                     <a:cs typeface="Times New Roman" panose="02020603050405020304" pitchFamily="18" charset="0"/>
                   </a:rPr>
-                  <a:t>new</a:t>
+                  <a:t>new2</a:t>
                 </a:r>
               </a:p>
             </p:txBody>
@@ -8078,7 +8078,7 @@
         </p:nvGrpSpPr>
         <p:grpSpPr>
           <a:xfrm>
-            <a:off x="5709593" y="5753808"/>
+            <a:off x="5720602" y="5565195"/>
             <a:ext cx="363601" cy="394531"/>
             <a:chOff x="2658477" y="5322765"/>
             <a:chExt cx="363601" cy="394531"/>
@@ -8202,7 +8202,7 @@
         </p:nvSpPr>
         <p:spPr>
           <a:xfrm>
-            <a:off x="6586221" y="5755840"/>
+            <a:off x="6586221" y="5566418"/>
             <a:ext cx="394531" cy="394531"/>
           </a:xfrm>
           <a:prstGeom prst="ellipse">
@@ -8262,7 +8262,7 @@
         </p:nvSpPr>
         <p:spPr>
           <a:xfrm>
-            <a:off x="6591104" y="5814605"/>
+            <a:off x="6610768" y="5635942"/>
             <a:ext cx="340158" cy="276999"/>
           </a:xfrm>
           <a:prstGeom prst="rect">
@@ -8300,7 +8300,7 @@
         </p:nvGrpSpPr>
         <p:grpSpPr>
           <a:xfrm>
-            <a:off x="7485027" y="5753807"/>
+            <a:off x="8438045" y="5561907"/>
             <a:ext cx="363601" cy="394531"/>
             <a:chOff x="2658477" y="4455131"/>
             <a:chExt cx="363601" cy="394531"/>
@@ -8423,8 +8423,8 @@
         </p:nvCxnSpPr>
         <p:spPr>
           <a:xfrm flipH="1">
-            <a:off x="6063396" y="4758810"/>
-            <a:ext cx="1774815" cy="15301"/>
+            <a:off x="6063396" y="4740517"/>
+            <a:ext cx="2343432" cy="33594"/>
           </a:xfrm>
           <a:prstGeom prst="straightConnector1">
             <a:avLst/>
@@ -8468,8 +8468,8 @@
         </p:nvCxnSpPr>
         <p:spPr>
           <a:xfrm flipH="1" flipV="1">
-            <a:off x="6069355" y="5936119"/>
-            <a:ext cx="516866" cy="16987"/>
+            <a:off x="6080364" y="5747506"/>
+            <a:ext cx="505857" cy="16178"/>
           </a:xfrm>
           <a:prstGeom prst="straightConnector1">
             <a:avLst/>
@@ -8513,8 +8513,8 @@
         </p:nvCxnSpPr>
         <p:spPr>
           <a:xfrm flipH="1">
-            <a:off x="6980752" y="5951073"/>
-            <a:ext cx="504275" cy="2033"/>
+            <a:off x="6980752" y="5759173"/>
+            <a:ext cx="1457293" cy="4511"/>
           </a:xfrm>
           <a:prstGeom prst="straightConnector1">
             <a:avLst/>
@@ -8555,7 +8555,7 @@
         </p:nvSpPr>
         <p:spPr>
           <a:xfrm>
-            <a:off x="7007412" y="5699158"/>
+            <a:off x="7608809" y="5698905"/>
             <a:ext cx="479618" cy="276999"/>
           </a:xfrm>
           <a:prstGeom prst="rect">
@@ -8593,7 +8593,7 @@
         </p:nvSpPr>
         <p:spPr>
           <a:xfrm>
-            <a:off x="6100435" y="5673804"/>
+            <a:off x="6100296" y="5713580"/>
             <a:ext cx="510333" cy="276999"/>
           </a:xfrm>
           <a:prstGeom prst="rect">
@@ -8639,8 +8639,8 @@
         </p:nvCxnSpPr>
         <p:spPr>
           <a:xfrm flipH="1">
-            <a:off x="6980752" y="4987511"/>
-            <a:ext cx="1076141" cy="965595"/>
+            <a:off x="6980752" y="4969218"/>
+            <a:ext cx="1644758" cy="794466"/>
           </a:xfrm>
           <a:prstGeom prst="straightConnector1">
             <a:avLst/>
@@ -8669,47 +8669,6 @@
       </p:cxnSp>
       <p:sp>
         <p:nvSpPr>
-          <p:cNvPr id="177" name="Rectangle 176">
-            <a:extLst>
-              <a:ext uri="{FF2B5EF4-FFF2-40B4-BE49-F238E27FC236}">
-                <a16:creationId xmlns:a16="http://schemas.microsoft.com/office/drawing/2014/main" id="{6EDA43DC-F7AC-0B4C-AA26-40346AE05F62}"/>
-              </a:ext>
-            </a:extLst>
-          </p:cNvPr>
-          <p:cNvSpPr/>
-          <p:nvPr/>
-        </p:nvSpPr>
-        <p:spPr>
-          <a:xfrm>
-            <a:off x="8385505" y="5348376"/>
-            <a:ext cx="484428" cy="276999"/>
-          </a:xfrm>
-          <a:prstGeom prst="rect">
-            <a:avLst/>
-          </a:prstGeom>
-        </p:spPr>
-        <p:txBody>
-          <a:bodyPr wrap="none">
-            <a:spAutoFit/>
-          </a:bodyPr>
-          <a:lstStyle/>
-          <a:p>
-            <a:pPr lvl="0"/>
-            <a:r>
-              <a:rPr lang="en-US" sz="1200" dirty="0">
-                <a:solidFill>
-                  <a:prstClr val="black"/>
-                </a:solidFill>
-                <a:latin typeface="Times New Roman" panose="02020603050405020304" pitchFamily="18" charset="0"/>
-                <a:cs typeface="Times New Roman" panose="02020603050405020304" pitchFamily="18" charset="0"/>
-              </a:rPr>
-              <a:t>(e-1)</a:t>
-            </a:r>
-          </a:p>
-        </p:txBody>
-      </p:sp>
-      <p:sp>
-        <p:nvSpPr>
           <p:cNvPr id="178" name="TextBox 177">
             <a:extLst>
               <a:ext uri="{FF2B5EF4-FFF2-40B4-BE49-F238E27FC236}">
@@ -8722,7 +8681,7 @@
         </p:nvSpPr>
         <p:spPr>
           <a:xfrm>
-            <a:off x="7130916" y="5367198"/>
+            <a:off x="6455851" y="5158340"/>
             <a:ext cx="1222514" cy="276999"/>
           </a:xfrm>
           <a:prstGeom prst="rect">
@@ -8764,7 +8723,7 @@
         </p:nvGrpSpPr>
         <p:grpSpPr>
           <a:xfrm>
-            <a:off x="7838211" y="4592980"/>
+            <a:off x="8406828" y="4574687"/>
             <a:ext cx="435825" cy="394531"/>
             <a:chOff x="6672087" y="3970253"/>
             <a:chExt cx="435825" cy="394531"/>
@@ -8958,7 +8917,7 @@
         </p:nvGrpSpPr>
         <p:grpSpPr>
           <a:xfrm>
-            <a:off x="4941686" y="2149332"/>
+            <a:off x="5240545" y="2169194"/>
             <a:ext cx="363601" cy="394531"/>
             <a:chOff x="1836752" y="4466258"/>
             <a:chExt cx="363601" cy="394531"/>
@@ -9082,7 +9041,7 @@
         </p:nvGrpSpPr>
         <p:grpSpPr>
           <a:xfrm>
-            <a:off x="4933994" y="3008370"/>
+            <a:off x="5243168" y="3008573"/>
             <a:ext cx="363601" cy="394531"/>
             <a:chOff x="2658477" y="5322765"/>
             <a:chExt cx="363601" cy="394531"/>
@@ -9549,8 +9508,8 @@
         </p:nvCxnSpPr>
         <p:spPr>
           <a:xfrm flipH="1">
-            <a:off x="5305287" y="2330614"/>
-            <a:ext cx="1358714" cy="15984"/>
+            <a:off x="5604146" y="2330614"/>
+            <a:ext cx="1059855" cy="35846"/>
           </a:xfrm>
           <a:prstGeom prst="straightConnector1">
             <a:avLst/>
@@ -9595,8 +9554,8 @@
         </p:nvCxnSpPr>
         <p:spPr>
           <a:xfrm flipH="1" flipV="1">
-            <a:off x="5293756" y="3190681"/>
-            <a:ext cx="1368362" cy="2649"/>
+            <a:off x="5602930" y="3190884"/>
+            <a:ext cx="1059188" cy="2446"/>
           </a:xfrm>
           <a:prstGeom prst="straightConnector1">
             <a:avLst/>
